--- a/08_OpenAI_Python_QLearn.pptx
+++ b/08_OpenAI_Python_QLearn.pptx
@@ -5,14 +5,28 @@
     <p:sldMasterId id="2147483648" r:id="rId1"/>
   </p:sldMasterIdLst>
   <p:notesMasterIdLst>
-    <p:notesMasterId r:id="rId7"/>
+    <p:notesMasterId r:id="rId21"/>
   </p:notesMasterIdLst>
   <p:sldIdLst>
     <p:sldId id="256" r:id="rId2"/>
     <p:sldId id="258" r:id="rId3"/>
-    <p:sldId id="262" r:id="rId4"/>
-    <p:sldId id="263" r:id="rId5"/>
-    <p:sldId id="259" r:id="rId6"/>
+    <p:sldId id="271" r:id="rId4"/>
+    <p:sldId id="264" r:id="rId5"/>
+    <p:sldId id="265" r:id="rId6"/>
+    <p:sldId id="272" r:id="rId7"/>
+    <p:sldId id="266" r:id="rId8"/>
+    <p:sldId id="273" r:id="rId9"/>
+    <p:sldId id="267" r:id="rId10"/>
+    <p:sldId id="269" r:id="rId11"/>
+    <p:sldId id="268" r:id="rId12"/>
+    <p:sldId id="270" r:id="rId13"/>
+    <p:sldId id="274" r:id="rId14"/>
+    <p:sldId id="275" r:id="rId15"/>
+    <p:sldId id="276" r:id="rId16"/>
+    <p:sldId id="262" r:id="rId17"/>
+    <p:sldId id="263" r:id="rId18"/>
+    <p:sldId id="277" r:id="rId19"/>
+    <p:sldId id="259" r:id="rId20"/>
   </p:sldIdLst>
   <p:sldSz cx="9144000" cy="6858000" type="screen4x3"/>
   <p:notesSz cx="6858000" cy="9144000"/>
@@ -213,7 +227,7 @@
             <a:fld id="{6837EDA8-41C8-4B24-A206-13C08A65A6D7}" type="datetimeFigureOut">
               <a:rPr lang="zh-TW" altLang="en-US" smtClean="0"/>
               <a:pPr/>
-              <a:t>2020/6/15</a:t>
+              <a:t>2020/6/16</a:t>
             </a:fld>
             <a:endParaRPr lang="zh-TW" altLang="en-US"/>
           </a:p>
@@ -666,7 +680,7 @@
             <a:fld id="{8B85509C-BD4F-47BF-9B1E-FC2E949B3621}" type="datetime1">
               <a:rPr lang="zh-TW" altLang="en-US" smtClean="0"/>
               <a:pPr/>
-              <a:t>2020/6/15</a:t>
+              <a:t>2020/6/16</a:t>
             </a:fld>
             <a:endParaRPr lang="zh-TW" altLang="en-US"/>
           </a:p>
@@ -839,7 +853,7 @@
             <a:fld id="{42251B24-F787-4C15-8A0F-7AEC20C70069}" type="datetime1">
               <a:rPr lang="zh-TW" altLang="en-US" smtClean="0"/>
               <a:pPr/>
-              <a:t>2020/6/15</a:t>
+              <a:t>2020/6/16</a:t>
             </a:fld>
             <a:endParaRPr lang="zh-TW" altLang="en-US"/>
           </a:p>
@@ -1014,7 +1028,7 @@
             <a:fld id="{9CA0D33C-CE2B-45F1-B8D4-FFD1F131F331}" type="datetime1">
               <a:rPr lang="zh-TW" altLang="en-US" smtClean="0"/>
               <a:pPr/>
-              <a:t>2020/6/15</a:t>
+              <a:t>2020/6/16</a:t>
             </a:fld>
             <a:endParaRPr lang="zh-TW" altLang="en-US"/>
           </a:p>
@@ -1179,7 +1193,7 @@
             <a:fld id="{50B99440-D9EF-40CC-9B52-F6428D9B2C76}" type="datetime1">
               <a:rPr lang="zh-TW" altLang="en-US" smtClean="0"/>
               <a:pPr/>
-              <a:t>2020/6/15</a:t>
+              <a:t>2020/6/16</a:t>
             </a:fld>
             <a:endParaRPr lang="zh-TW" altLang="en-US"/>
           </a:p>
@@ -1421,7 +1435,7 @@
             <a:fld id="{0871BF52-5C6C-4959-8E27-CECB68D39FE4}" type="datetime1">
               <a:rPr lang="zh-TW" altLang="en-US" smtClean="0"/>
               <a:pPr/>
-              <a:t>2020/6/15</a:t>
+              <a:t>2020/6/16</a:t>
             </a:fld>
             <a:endParaRPr lang="zh-TW" altLang="en-US"/>
           </a:p>
@@ -1703,7 +1717,7 @@
             <a:fld id="{DF863F05-2DD9-4EB1-A827-12FD992DE9DC}" type="datetime1">
               <a:rPr lang="zh-TW" altLang="en-US" smtClean="0"/>
               <a:pPr/>
-              <a:t>2020/6/15</a:t>
+              <a:t>2020/6/16</a:t>
             </a:fld>
             <a:endParaRPr lang="zh-TW" altLang="en-US"/>
           </a:p>
@@ -2119,7 +2133,7 @@
             <a:fld id="{6339AF51-4491-4873-A096-75DB6CE47516}" type="datetime1">
               <a:rPr lang="zh-TW" altLang="en-US" smtClean="0"/>
               <a:pPr/>
-              <a:t>2020/6/15</a:t>
+              <a:t>2020/6/16</a:t>
             </a:fld>
             <a:endParaRPr lang="zh-TW" altLang="en-US"/>
           </a:p>
@@ -2233,7 +2247,7 @@
             <a:fld id="{EE4AD9C8-8B9E-40FF-ABE2-858AC2057BBB}" type="datetime1">
               <a:rPr lang="zh-TW" altLang="en-US" smtClean="0"/>
               <a:pPr/>
-              <a:t>2020/6/15</a:t>
+              <a:t>2020/6/16</a:t>
             </a:fld>
             <a:endParaRPr lang="zh-TW" altLang="en-US"/>
           </a:p>
@@ -2325,7 +2339,7 @@
             <a:fld id="{B4784999-BBBE-4BE4-A8D0-877E7D1D66CC}" type="datetime1">
               <a:rPr lang="zh-TW" altLang="en-US" smtClean="0"/>
               <a:pPr/>
-              <a:t>2020/6/15</a:t>
+              <a:t>2020/6/16</a:t>
             </a:fld>
             <a:endParaRPr lang="zh-TW" altLang="en-US"/>
           </a:p>
@@ -2597,7 +2611,7 @@
             <a:fld id="{E88D17E6-02BD-4944-B9FE-7BFCCBF83D48}" type="datetime1">
               <a:rPr lang="zh-TW" altLang="en-US" smtClean="0"/>
               <a:pPr/>
-              <a:t>2020/6/15</a:t>
+              <a:t>2020/6/16</a:t>
             </a:fld>
             <a:endParaRPr lang="zh-TW" altLang="en-US"/>
           </a:p>
@@ -2846,7 +2860,7 @@
             <a:fld id="{3C13E23D-1FEF-4D78-A3A3-3D6F2BB31954}" type="datetime1">
               <a:rPr lang="zh-TW" altLang="en-US" smtClean="0"/>
               <a:pPr/>
-              <a:t>2020/6/15</a:t>
+              <a:t>2020/6/16</a:t>
             </a:fld>
             <a:endParaRPr lang="zh-TW" altLang="en-US"/>
           </a:p>
@@ -3054,7 +3068,7 @@
             <a:fld id="{06197F35-AD6F-4594-8B50-334492D2E7E8}" type="datetime1">
               <a:rPr lang="zh-TW" altLang="en-US" smtClean="0"/>
               <a:pPr/>
-              <a:t>2020/6/15</a:t>
+              <a:t>2020/6/16</a:t>
             </a:fld>
             <a:endParaRPr lang="zh-TW" altLang="en-US"/>
           </a:p>
@@ -3531,7 +3545,7 @@
             <a:fld id="{C389EDC9-19E3-47AC-9C57-C6A24DEA81AD}" type="datetime1">
               <a:rPr lang="zh-TW" altLang="en-US" smtClean="0"/>
               <a:pPr/>
-              <a:t>2020/6/15</a:t>
+              <a:t>2020/6/16</a:t>
             </a:fld>
             <a:endParaRPr lang="zh-TW" altLang="en-US"/>
           </a:p>
@@ -3616,7 +3630,7 @@
 </p:sld>
 </file>
 
-<file path=ppt/slides/slide2.xml><?xml version="1.0" encoding="utf-8"?>
+<file path=ppt/slides/slide10.xml><?xml version="1.0" encoding="utf-8"?>
 <p:sld xmlns:a="http://schemas.openxmlformats.org/drawingml/2006/main" xmlns:r="http://schemas.openxmlformats.org/officeDocument/2006/relationships" xmlns:p="http://schemas.openxmlformats.org/presentationml/2006/main">
   <p:cSld>
     <p:spTree>
@@ -3727,7 +3741,7 @@
         <p:spPr>
           <a:xfrm>
             <a:off x="432335" y="1250650"/>
-            <a:ext cx="8352928" cy="360040"/>
+            <a:ext cx="8352928" cy="738190"/>
           </a:xfrm>
           <a:ln>
             <a:solidFill>
@@ -3750,20 +3764,30 @@
               <a:buChar char="u"/>
             </a:pPr>
             <a:r>
-              <a:rPr lang="en-US" sz="1800" b="1" dirty="0" err="1">
+              <a:rPr lang="en-US" sz="1800" b="1" dirty="0">
                 <a:solidFill>
                   <a:schemeClr val="tx1"/>
                 </a:solidFill>
               </a:rPr>
-              <a:t>OpenAI</a:t>
-            </a:r>
-            <a:r>
-              <a:rPr lang="en-US" sz="1800" b="1" dirty="0">
+              <a:t>Frozen Lake</a:t>
+            </a:r>
+          </a:p>
+          <a:p>
+            <a:pPr marL="342900" indent="-342900" algn="l">
+              <a:buClr>
+                <a:srgbClr val="0070C0"/>
+              </a:buClr>
+              <a:buSzPct val="80000"/>
+              <a:buFont typeface="Wingdings" pitchFamily="2" charset="2"/>
+              <a:buChar char="u"/>
+            </a:pPr>
+            <a:r>
+              <a:rPr lang="en-US" sz="1800" dirty="0">
                 <a:solidFill>
                   <a:schemeClr val="tx1"/>
                 </a:solidFill>
               </a:rPr>
-              <a:t> Gym and Python for Q-Learning</a:t>
+              <a:t>The surface is described using a grid like the following:</a:t>
             </a:r>
           </a:p>
         </p:txBody>
@@ -3863,7 +3887,7 @@
             <a:fld id="{A4F910E6-8D00-4BAF-8C48-9688E0B449D3}" type="datetime1">
               <a:rPr lang="zh-TW" altLang="en-US" smtClean="0"/>
               <a:pPr/>
-              <a:t>2020/6/15</a:t>
+              <a:t>2020/6/16</a:t>
             </a:fld>
             <a:endParaRPr lang="zh-TW" altLang="en-US"/>
           </a:p>
@@ -3887,13 +3911,664 @@
             <a:fld id="{E4D7E63D-91F2-4366-A2C4-1B00C9E2590E}" type="slidenum">
               <a:rPr lang="zh-TW" altLang="en-US" smtClean="0"/>
               <a:pPr/>
-              <a:t>2</a:t>
+              <a:t>10</a:t>
             </a:fld>
             <a:endParaRPr lang="zh-TW" altLang="en-US"/>
           </a:p>
         </p:txBody>
       </p:sp>
+      <p:sp>
+        <p:nvSpPr>
+          <p:cNvPr id="9" name="副標題 2">
+            <a:extLst>
+              <a:ext uri="{FF2B5EF4-FFF2-40B4-BE49-F238E27FC236}">
+                <a16:creationId xmlns:a16="http://schemas.microsoft.com/office/drawing/2014/main" id="{BDC4C512-F159-437B-9EB5-8927A02B29D5}"/>
+              </a:ext>
+            </a:extLst>
+          </p:cNvPr>
+          <p:cNvSpPr txBox="1">
+            <a:spLocks/>
+          </p:cNvSpPr>
+          <p:nvPr/>
+        </p:nvSpPr>
+        <p:spPr>
+          <a:xfrm>
+            <a:off x="3059832" y="2060848"/>
+            <a:ext cx="1069776" cy="1368152"/>
+          </a:xfrm>
+          <a:prstGeom prst="rect">
+            <a:avLst/>
+          </a:prstGeom>
+          <a:ln>
+            <a:solidFill>
+              <a:srgbClr val="C00000"/>
+            </a:solidFill>
+          </a:ln>
+        </p:spPr>
+        <p:txBody>
+          <a:bodyPr vert="horz" lIns="91440" tIns="45720" rIns="91440" bIns="45720" rtlCol="0">
+            <a:noAutofit/>
+          </a:bodyPr>
+          <a:lstStyle>
+            <a:lvl1pPr marL="0" indent="0" algn="ctr" defTabSz="914400" rtl="0" eaLnBrk="1" latinLnBrk="0" hangingPunct="1">
+              <a:spcBef>
+                <a:spcPct val="20000"/>
+              </a:spcBef>
+              <a:buFont typeface="Arial" pitchFamily="34" charset="0"/>
+              <a:buNone/>
+              <a:defRPr sz="3200" kern="1200">
+                <a:solidFill>
+                  <a:schemeClr val="tx1">
+                    <a:tint val="75000"/>
+                  </a:schemeClr>
+                </a:solidFill>
+                <a:latin typeface="+mn-lt"/>
+                <a:ea typeface="+mn-ea"/>
+                <a:cs typeface="+mn-cs"/>
+              </a:defRPr>
+            </a:lvl1pPr>
+            <a:lvl2pPr marL="457200" indent="0" algn="ctr" defTabSz="914400" rtl="0" eaLnBrk="1" latinLnBrk="0" hangingPunct="1">
+              <a:spcBef>
+                <a:spcPct val="20000"/>
+              </a:spcBef>
+              <a:buFont typeface="Arial" pitchFamily="34" charset="0"/>
+              <a:buNone/>
+              <a:defRPr sz="2800" kern="1200">
+                <a:solidFill>
+                  <a:schemeClr val="tx1">
+                    <a:tint val="75000"/>
+                  </a:schemeClr>
+                </a:solidFill>
+                <a:latin typeface="+mn-lt"/>
+                <a:ea typeface="+mn-ea"/>
+                <a:cs typeface="+mn-cs"/>
+              </a:defRPr>
+            </a:lvl2pPr>
+            <a:lvl3pPr marL="914400" indent="0" algn="ctr" defTabSz="914400" rtl="0" eaLnBrk="1" latinLnBrk="0" hangingPunct="1">
+              <a:spcBef>
+                <a:spcPct val="20000"/>
+              </a:spcBef>
+              <a:buFont typeface="Arial" pitchFamily="34" charset="0"/>
+              <a:buNone/>
+              <a:defRPr sz="2400" kern="1200">
+                <a:solidFill>
+                  <a:schemeClr val="tx1">
+                    <a:tint val="75000"/>
+                  </a:schemeClr>
+                </a:solidFill>
+                <a:latin typeface="+mn-lt"/>
+                <a:ea typeface="+mn-ea"/>
+                <a:cs typeface="+mn-cs"/>
+              </a:defRPr>
+            </a:lvl3pPr>
+            <a:lvl4pPr marL="1371600" indent="0" algn="ctr" defTabSz="914400" rtl="0" eaLnBrk="1" latinLnBrk="0" hangingPunct="1">
+              <a:spcBef>
+                <a:spcPct val="20000"/>
+              </a:spcBef>
+              <a:buFont typeface="Arial" pitchFamily="34" charset="0"/>
+              <a:buNone/>
+              <a:defRPr sz="2000" kern="1200">
+                <a:solidFill>
+                  <a:schemeClr val="tx1">
+                    <a:tint val="75000"/>
+                  </a:schemeClr>
+                </a:solidFill>
+                <a:latin typeface="+mn-lt"/>
+                <a:ea typeface="+mn-ea"/>
+                <a:cs typeface="+mn-cs"/>
+              </a:defRPr>
+            </a:lvl4pPr>
+            <a:lvl5pPr marL="1828800" indent="0" algn="ctr" defTabSz="914400" rtl="0" eaLnBrk="1" latinLnBrk="0" hangingPunct="1">
+              <a:spcBef>
+                <a:spcPct val="20000"/>
+              </a:spcBef>
+              <a:buFont typeface="Arial" pitchFamily="34" charset="0"/>
+              <a:buNone/>
+              <a:defRPr sz="2000" kern="1200">
+                <a:solidFill>
+                  <a:schemeClr val="tx1">
+                    <a:tint val="75000"/>
+                  </a:schemeClr>
+                </a:solidFill>
+                <a:latin typeface="+mn-lt"/>
+                <a:ea typeface="+mn-ea"/>
+                <a:cs typeface="+mn-cs"/>
+              </a:defRPr>
+            </a:lvl5pPr>
+            <a:lvl6pPr marL="2286000" indent="0" algn="ctr" defTabSz="914400" rtl="0" eaLnBrk="1" latinLnBrk="0" hangingPunct="1">
+              <a:spcBef>
+                <a:spcPct val="20000"/>
+              </a:spcBef>
+              <a:buFont typeface="Arial" pitchFamily="34" charset="0"/>
+              <a:buNone/>
+              <a:defRPr sz="2000" kern="1200">
+                <a:solidFill>
+                  <a:schemeClr val="tx1">
+                    <a:tint val="75000"/>
+                  </a:schemeClr>
+                </a:solidFill>
+                <a:latin typeface="+mn-lt"/>
+                <a:ea typeface="+mn-ea"/>
+                <a:cs typeface="+mn-cs"/>
+              </a:defRPr>
+            </a:lvl6pPr>
+            <a:lvl7pPr marL="2743200" indent="0" algn="ctr" defTabSz="914400" rtl="0" eaLnBrk="1" latinLnBrk="0" hangingPunct="1">
+              <a:spcBef>
+                <a:spcPct val="20000"/>
+              </a:spcBef>
+              <a:buFont typeface="Arial" pitchFamily="34" charset="0"/>
+              <a:buNone/>
+              <a:defRPr sz="2000" kern="1200">
+                <a:solidFill>
+                  <a:schemeClr val="tx1">
+                    <a:tint val="75000"/>
+                  </a:schemeClr>
+                </a:solidFill>
+                <a:latin typeface="+mn-lt"/>
+                <a:ea typeface="+mn-ea"/>
+                <a:cs typeface="+mn-cs"/>
+              </a:defRPr>
+            </a:lvl7pPr>
+            <a:lvl8pPr marL="3200400" indent="0" algn="ctr" defTabSz="914400" rtl="0" eaLnBrk="1" latinLnBrk="0" hangingPunct="1">
+              <a:spcBef>
+                <a:spcPct val="20000"/>
+              </a:spcBef>
+              <a:buFont typeface="Arial" pitchFamily="34" charset="0"/>
+              <a:buNone/>
+              <a:defRPr sz="2000" kern="1200">
+                <a:solidFill>
+                  <a:schemeClr val="tx1">
+                    <a:tint val="75000"/>
+                  </a:schemeClr>
+                </a:solidFill>
+                <a:latin typeface="+mn-lt"/>
+                <a:ea typeface="+mn-ea"/>
+                <a:cs typeface="+mn-cs"/>
+              </a:defRPr>
+            </a:lvl8pPr>
+            <a:lvl9pPr marL="3657600" indent="0" algn="ctr" defTabSz="914400" rtl="0" eaLnBrk="1" latinLnBrk="0" hangingPunct="1">
+              <a:spcBef>
+                <a:spcPct val="20000"/>
+              </a:spcBef>
+              <a:buFont typeface="Arial" pitchFamily="34" charset="0"/>
+              <a:buNone/>
+              <a:defRPr sz="2000" kern="1200">
+                <a:solidFill>
+                  <a:schemeClr val="tx1">
+                    <a:tint val="75000"/>
+                  </a:schemeClr>
+                </a:solidFill>
+                <a:latin typeface="+mn-lt"/>
+                <a:ea typeface="+mn-ea"/>
+                <a:cs typeface="+mn-cs"/>
+              </a:defRPr>
+            </a:lvl9pPr>
+          </a:lstStyle>
+          <a:p>
+            <a:pPr algn="l">
+              <a:buClr>
+                <a:srgbClr val="0070C0"/>
+              </a:buClr>
+              <a:buSzPct val="80000"/>
+            </a:pPr>
+            <a:r>
+              <a:rPr lang="en-US" altLang="en-US" sz="1800" dirty="0">
+                <a:solidFill>
+                  <a:srgbClr val="333333"/>
+                </a:solidFill>
+                <a:latin typeface="SFMono-Regular"/>
+              </a:rPr>
+              <a:t>SFFF</a:t>
+            </a:r>
+          </a:p>
+          <a:p>
+            <a:pPr algn="l">
+              <a:buClr>
+                <a:srgbClr val="0070C0"/>
+              </a:buClr>
+              <a:buSzPct val="80000"/>
+            </a:pPr>
+            <a:r>
+              <a:rPr lang="en-US" altLang="en-US" sz="1800" dirty="0">
+                <a:solidFill>
+                  <a:srgbClr val="333333"/>
+                </a:solidFill>
+                <a:latin typeface="SFMono-Regular"/>
+              </a:rPr>
+              <a:t>FHFH</a:t>
+            </a:r>
+          </a:p>
+          <a:p>
+            <a:pPr algn="l">
+              <a:buClr>
+                <a:srgbClr val="0070C0"/>
+              </a:buClr>
+              <a:buSzPct val="80000"/>
+            </a:pPr>
+            <a:r>
+              <a:rPr lang="en-US" altLang="en-US" sz="1800" dirty="0">
+                <a:solidFill>
+                  <a:srgbClr val="333333"/>
+                </a:solidFill>
+                <a:latin typeface="SFMono-Regular"/>
+              </a:rPr>
+              <a:t>FFFH</a:t>
+            </a:r>
+          </a:p>
+          <a:p>
+            <a:pPr algn="l">
+              <a:buClr>
+                <a:srgbClr val="0070C0"/>
+              </a:buClr>
+              <a:buSzPct val="80000"/>
+            </a:pPr>
+            <a:r>
+              <a:rPr lang="en-US" altLang="en-US" sz="1800" dirty="0">
+                <a:solidFill>
+                  <a:srgbClr val="333333"/>
+                </a:solidFill>
+                <a:latin typeface="SFMono-Regular"/>
+              </a:rPr>
+              <a:t>HFFG</a:t>
+            </a:r>
+            <a:r>
+              <a:rPr lang="en-US" altLang="en-US" sz="800" dirty="0">
+                <a:solidFill>
+                  <a:schemeClr val="tx1"/>
+                </a:solidFill>
+              </a:rPr>
+              <a:t> </a:t>
+            </a:r>
+            <a:endParaRPr lang="en-US" altLang="en-US" dirty="0">
+              <a:solidFill>
+                <a:schemeClr val="tx1"/>
+              </a:solidFill>
+              <a:latin typeface="Arial" panose="020B0604020202020204" pitchFamily="34" charset="0"/>
+            </a:endParaRPr>
+          </a:p>
+          <a:p>
+            <a:pPr algn="l">
+              <a:buClr>
+                <a:srgbClr val="0070C0"/>
+              </a:buClr>
+              <a:buSzPct val="80000"/>
+            </a:pPr>
+            <a:endParaRPr lang="en-US" sz="1800" dirty="0">
+              <a:solidFill>
+                <a:schemeClr val="tx1"/>
+              </a:solidFill>
+            </a:endParaRPr>
+          </a:p>
+          <a:p>
+            <a:pPr algn="l">
+              <a:buClr>
+                <a:srgbClr val="0070C0"/>
+              </a:buClr>
+              <a:buSzPct val="80000"/>
+            </a:pPr>
+            <a:endParaRPr lang="en-US" sz="1800" dirty="0">
+              <a:solidFill>
+                <a:schemeClr val="tx1"/>
+              </a:solidFill>
+            </a:endParaRPr>
+          </a:p>
+        </p:txBody>
+      </p:sp>
+      <p:sp>
+        <p:nvSpPr>
+          <p:cNvPr id="10" name="副標題 2">
+            <a:extLst>
+              <a:ext uri="{FF2B5EF4-FFF2-40B4-BE49-F238E27FC236}">
+                <a16:creationId xmlns:a16="http://schemas.microsoft.com/office/drawing/2014/main" id="{076E2BAC-F6C0-4AA9-8EB4-B575C941A339}"/>
+              </a:ext>
+            </a:extLst>
+          </p:cNvPr>
+          <p:cNvSpPr txBox="1">
+            <a:spLocks/>
+          </p:cNvSpPr>
+          <p:nvPr/>
+        </p:nvSpPr>
+        <p:spPr>
+          <a:xfrm>
+            <a:off x="457200" y="3501008"/>
+            <a:ext cx="8352928" cy="2304256"/>
+          </a:xfrm>
+          <a:prstGeom prst="rect">
+            <a:avLst/>
+          </a:prstGeom>
+          <a:ln>
+            <a:solidFill>
+              <a:srgbClr val="C00000"/>
+            </a:solidFill>
+          </a:ln>
+        </p:spPr>
+        <p:txBody>
+          <a:bodyPr vert="horz" lIns="91440" tIns="45720" rIns="91440" bIns="45720" rtlCol="0">
+            <a:noAutofit/>
+          </a:bodyPr>
+          <a:lstStyle>
+            <a:lvl1pPr marL="0" indent="0" algn="ctr" defTabSz="914400" rtl="0" eaLnBrk="1" latinLnBrk="0" hangingPunct="1">
+              <a:spcBef>
+                <a:spcPct val="20000"/>
+              </a:spcBef>
+              <a:buFont typeface="Arial" pitchFamily="34" charset="0"/>
+              <a:buNone/>
+              <a:defRPr sz="3200" kern="1200">
+                <a:solidFill>
+                  <a:schemeClr val="tx1">
+                    <a:tint val="75000"/>
+                  </a:schemeClr>
+                </a:solidFill>
+                <a:latin typeface="+mn-lt"/>
+                <a:ea typeface="+mn-ea"/>
+                <a:cs typeface="+mn-cs"/>
+              </a:defRPr>
+            </a:lvl1pPr>
+            <a:lvl2pPr marL="457200" indent="0" algn="ctr" defTabSz="914400" rtl="0" eaLnBrk="1" latinLnBrk="0" hangingPunct="1">
+              <a:spcBef>
+                <a:spcPct val="20000"/>
+              </a:spcBef>
+              <a:buFont typeface="Arial" pitchFamily="34" charset="0"/>
+              <a:buNone/>
+              <a:defRPr sz="2800" kern="1200">
+                <a:solidFill>
+                  <a:schemeClr val="tx1">
+                    <a:tint val="75000"/>
+                  </a:schemeClr>
+                </a:solidFill>
+                <a:latin typeface="+mn-lt"/>
+                <a:ea typeface="+mn-ea"/>
+                <a:cs typeface="+mn-cs"/>
+              </a:defRPr>
+            </a:lvl2pPr>
+            <a:lvl3pPr marL="914400" indent="0" algn="ctr" defTabSz="914400" rtl="0" eaLnBrk="1" latinLnBrk="0" hangingPunct="1">
+              <a:spcBef>
+                <a:spcPct val="20000"/>
+              </a:spcBef>
+              <a:buFont typeface="Arial" pitchFamily="34" charset="0"/>
+              <a:buNone/>
+              <a:defRPr sz="2400" kern="1200">
+                <a:solidFill>
+                  <a:schemeClr val="tx1">
+                    <a:tint val="75000"/>
+                  </a:schemeClr>
+                </a:solidFill>
+                <a:latin typeface="+mn-lt"/>
+                <a:ea typeface="+mn-ea"/>
+                <a:cs typeface="+mn-cs"/>
+              </a:defRPr>
+            </a:lvl3pPr>
+            <a:lvl4pPr marL="1371600" indent="0" algn="ctr" defTabSz="914400" rtl="0" eaLnBrk="1" latinLnBrk="0" hangingPunct="1">
+              <a:spcBef>
+                <a:spcPct val="20000"/>
+              </a:spcBef>
+              <a:buFont typeface="Arial" pitchFamily="34" charset="0"/>
+              <a:buNone/>
+              <a:defRPr sz="2000" kern="1200">
+                <a:solidFill>
+                  <a:schemeClr val="tx1">
+                    <a:tint val="75000"/>
+                  </a:schemeClr>
+                </a:solidFill>
+                <a:latin typeface="+mn-lt"/>
+                <a:ea typeface="+mn-ea"/>
+                <a:cs typeface="+mn-cs"/>
+              </a:defRPr>
+            </a:lvl4pPr>
+            <a:lvl5pPr marL="1828800" indent="0" algn="ctr" defTabSz="914400" rtl="0" eaLnBrk="1" latinLnBrk="0" hangingPunct="1">
+              <a:spcBef>
+                <a:spcPct val="20000"/>
+              </a:spcBef>
+              <a:buFont typeface="Arial" pitchFamily="34" charset="0"/>
+              <a:buNone/>
+              <a:defRPr sz="2000" kern="1200">
+                <a:solidFill>
+                  <a:schemeClr val="tx1">
+                    <a:tint val="75000"/>
+                  </a:schemeClr>
+                </a:solidFill>
+                <a:latin typeface="+mn-lt"/>
+                <a:ea typeface="+mn-ea"/>
+                <a:cs typeface="+mn-cs"/>
+              </a:defRPr>
+            </a:lvl5pPr>
+            <a:lvl6pPr marL="2286000" indent="0" algn="ctr" defTabSz="914400" rtl="0" eaLnBrk="1" latinLnBrk="0" hangingPunct="1">
+              <a:spcBef>
+                <a:spcPct val="20000"/>
+              </a:spcBef>
+              <a:buFont typeface="Arial" pitchFamily="34" charset="0"/>
+              <a:buNone/>
+              <a:defRPr sz="2000" kern="1200">
+                <a:solidFill>
+                  <a:schemeClr val="tx1">
+                    <a:tint val="75000"/>
+                  </a:schemeClr>
+                </a:solidFill>
+                <a:latin typeface="+mn-lt"/>
+                <a:ea typeface="+mn-ea"/>
+                <a:cs typeface="+mn-cs"/>
+              </a:defRPr>
+            </a:lvl6pPr>
+            <a:lvl7pPr marL="2743200" indent="0" algn="ctr" defTabSz="914400" rtl="0" eaLnBrk="1" latinLnBrk="0" hangingPunct="1">
+              <a:spcBef>
+                <a:spcPct val="20000"/>
+              </a:spcBef>
+              <a:buFont typeface="Arial" pitchFamily="34" charset="0"/>
+              <a:buNone/>
+              <a:defRPr sz="2000" kern="1200">
+                <a:solidFill>
+                  <a:schemeClr val="tx1">
+                    <a:tint val="75000"/>
+                  </a:schemeClr>
+                </a:solidFill>
+                <a:latin typeface="+mn-lt"/>
+                <a:ea typeface="+mn-ea"/>
+                <a:cs typeface="+mn-cs"/>
+              </a:defRPr>
+            </a:lvl7pPr>
+            <a:lvl8pPr marL="3200400" indent="0" algn="ctr" defTabSz="914400" rtl="0" eaLnBrk="1" latinLnBrk="0" hangingPunct="1">
+              <a:spcBef>
+                <a:spcPct val="20000"/>
+              </a:spcBef>
+              <a:buFont typeface="Arial" pitchFamily="34" charset="0"/>
+              <a:buNone/>
+              <a:defRPr sz="2000" kern="1200">
+                <a:solidFill>
+                  <a:schemeClr val="tx1">
+                    <a:tint val="75000"/>
+                  </a:schemeClr>
+                </a:solidFill>
+                <a:latin typeface="+mn-lt"/>
+                <a:ea typeface="+mn-ea"/>
+                <a:cs typeface="+mn-cs"/>
+              </a:defRPr>
+            </a:lvl8pPr>
+            <a:lvl9pPr marL="3657600" indent="0" algn="ctr" defTabSz="914400" rtl="0" eaLnBrk="1" latinLnBrk="0" hangingPunct="1">
+              <a:spcBef>
+                <a:spcPct val="20000"/>
+              </a:spcBef>
+              <a:buFont typeface="Arial" pitchFamily="34" charset="0"/>
+              <a:buNone/>
+              <a:defRPr sz="2000" kern="1200">
+                <a:solidFill>
+                  <a:schemeClr val="tx1">
+                    <a:tint val="75000"/>
+                  </a:schemeClr>
+                </a:solidFill>
+                <a:latin typeface="+mn-lt"/>
+                <a:ea typeface="+mn-ea"/>
+                <a:cs typeface="+mn-cs"/>
+              </a:defRPr>
+            </a:lvl9pPr>
+          </a:lstStyle>
+          <a:p>
+            <a:pPr marL="342900" indent="-342900" algn="l">
+              <a:buClr>
+                <a:srgbClr val="0070C0"/>
+              </a:buClr>
+              <a:buSzPct val="80000"/>
+              <a:buFont typeface="Wingdings" pitchFamily="2" charset="2"/>
+              <a:buChar char="u"/>
+            </a:pPr>
+            <a:r>
+              <a:rPr lang="en-US" altLang="en-US" sz="1800" dirty="0">
+                <a:solidFill>
+                  <a:srgbClr val="333333"/>
+                </a:solidFill>
+                <a:latin typeface="-apple-system"/>
+              </a:rPr>
+              <a:t>This grid is our environment:</a:t>
+            </a:r>
+          </a:p>
+          <a:p>
+            <a:pPr marL="342900" indent="-342900" algn="l">
+              <a:buClr>
+                <a:srgbClr val="0070C0"/>
+              </a:buClr>
+              <a:buSzPct val="80000"/>
+              <a:buFont typeface="Wingdings" pitchFamily="2" charset="2"/>
+              <a:buChar char="u"/>
+            </a:pPr>
+            <a:r>
+              <a:rPr lang="en-US" altLang="en-US" sz="1800" dirty="0">
+                <a:solidFill>
+                  <a:srgbClr val="E83E8C"/>
+                </a:solidFill>
+                <a:latin typeface="SFMono-Regular"/>
+              </a:rPr>
+              <a:t>S</a:t>
+            </a:r>
+            <a:r>
+              <a:rPr lang="en-US" altLang="en-US" sz="1800" dirty="0">
+                <a:solidFill>
+                  <a:srgbClr val="333333"/>
+                </a:solidFill>
+                <a:latin typeface="-apple-system"/>
+              </a:rPr>
+              <a:t> is the agent’s starting point, and it’s safe.</a:t>
+            </a:r>
+          </a:p>
+          <a:p>
+            <a:pPr marL="342900" indent="-342900" algn="l">
+              <a:buClr>
+                <a:srgbClr val="0070C0"/>
+              </a:buClr>
+              <a:buSzPct val="80000"/>
+              <a:buFont typeface="Wingdings" pitchFamily="2" charset="2"/>
+              <a:buChar char="u"/>
+            </a:pPr>
+            <a:r>
+              <a:rPr lang="en-US" altLang="en-US" sz="1800" dirty="0">
+                <a:solidFill>
+                  <a:srgbClr val="E83E8C"/>
+                </a:solidFill>
+                <a:latin typeface="SFMono-Regular"/>
+              </a:rPr>
+              <a:t>F</a:t>
+            </a:r>
+            <a:r>
+              <a:rPr lang="en-US" altLang="en-US" sz="1800" dirty="0">
+                <a:solidFill>
+                  <a:srgbClr val="333333"/>
+                </a:solidFill>
+                <a:latin typeface="-apple-system"/>
+              </a:rPr>
+              <a:t> represents the frozen surface and is also safe.</a:t>
+            </a:r>
+          </a:p>
+          <a:p>
+            <a:pPr marL="342900" indent="-342900" algn="l">
+              <a:buClr>
+                <a:srgbClr val="0070C0"/>
+              </a:buClr>
+              <a:buSzPct val="80000"/>
+              <a:buFont typeface="Wingdings" pitchFamily="2" charset="2"/>
+              <a:buChar char="u"/>
+            </a:pPr>
+            <a:r>
+              <a:rPr lang="en-US" altLang="en-US" sz="1800" dirty="0">
+                <a:solidFill>
+                  <a:srgbClr val="E83E8C"/>
+                </a:solidFill>
+                <a:latin typeface="SFMono-Regular"/>
+              </a:rPr>
+              <a:t>H</a:t>
+            </a:r>
+            <a:r>
+              <a:rPr lang="en-US" altLang="en-US" sz="1800" dirty="0">
+                <a:solidFill>
+                  <a:srgbClr val="333333"/>
+                </a:solidFill>
+                <a:latin typeface="-apple-system"/>
+              </a:rPr>
+              <a:t> represents a hole, and if our agent steps in a hole in the middle of a frozen lake, well, that’s not good. </a:t>
+            </a:r>
+          </a:p>
+          <a:p>
+            <a:pPr marL="342900" indent="-342900" algn="l">
+              <a:buClr>
+                <a:srgbClr val="0070C0"/>
+              </a:buClr>
+              <a:buSzPct val="80000"/>
+              <a:buFont typeface="Wingdings" pitchFamily="2" charset="2"/>
+              <a:buChar char="u"/>
+            </a:pPr>
+            <a:r>
+              <a:rPr lang="en-US" altLang="en-US" sz="1800" dirty="0">
+                <a:solidFill>
+                  <a:srgbClr val="E83E8C"/>
+                </a:solidFill>
+                <a:latin typeface="SFMono-Regular"/>
+              </a:rPr>
+              <a:t>G</a:t>
+            </a:r>
+            <a:r>
+              <a:rPr lang="en-US" altLang="en-US" sz="1800" dirty="0">
+                <a:solidFill>
+                  <a:srgbClr val="333333"/>
+                </a:solidFill>
+                <a:latin typeface="-apple-system"/>
+              </a:rPr>
+              <a:t> represents the goal, which is the space on the grid where the prized frisbee is located.</a:t>
+            </a:r>
+            <a:r>
+              <a:rPr lang="en-US" altLang="en-US" sz="1800" dirty="0">
+                <a:solidFill>
+                  <a:schemeClr val="tx1"/>
+                </a:solidFill>
+              </a:rPr>
+              <a:t> </a:t>
+            </a:r>
+            <a:endParaRPr lang="en-US" altLang="en-US" sz="1800" dirty="0">
+              <a:solidFill>
+                <a:schemeClr val="tx1"/>
+              </a:solidFill>
+              <a:latin typeface="Arial" panose="020B0604020202020204" pitchFamily="34" charset="0"/>
+            </a:endParaRPr>
+          </a:p>
+          <a:p>
+            <a:pPr marL="342900" indent="-342900" algn="l">
+              <a:buClr>
+                <a:srgbClr val="0070C0"/>
+              </a:buClr>
+              <a:buSzPct val="80000"/>
+              <a:buFont typeface="Wingdings" pitchFamily="2" charset="2"/>
+              <a:buChar char="u"/>
+            </a:pPr>
+            <a:endParaRPr lang="en-US" sz="1800" dirty="0">
+              <a:solidFill>
+                <a:schemeClr val="tx1"/>
+              </a:solidFill>
+            </a:endParaRPr>
+          </a:p>
+        </p:txBody>
+      </p:sp>
     </p:spTree>
+    <p:extLst>
+      <p:ext uri="{BB962C8B-B14F-4D97-AF65-F5344CB8AC3E}">
+        <p14:creationId xmlns:p14="http://schemas.microsoft.com/office/powerpoint/2010/main" val="2002480432"/>
+      </p:ext>
+    </p:extLst>
   </p:cSld>
   <p:clrMapOvr>
     <a:masterClrMapping/>
@@ -3901,7 +4576,7 @@
 </p:sld>
 </file>
 
-<file path=ppt/slides/slide3.xml><?xml version="1.0" encoding="utf-8"?>
+<file path=ppt/slides/slide11.xml><?xml version="1.0" encoding="utf-8"?>
 <p:sld xmlns:a="http://schemas.openxmlformats.org/drawingml/2006/main" xmlns:r="http://schemas.openxmlformats.org/officeDocument/2006/relationships" xmlns:p="http://schemas.openxmlformats.org/presentationml/2006/main">
   <p:cSld>
     <p:spTree>
@@ -3930,6 +4605,2541 @@
         </p:nvSpPr>
         <p:spPr>
           <a:xfrm>
+            <a:off x="0" y="1"/>
+            <a:ext cx="9144000" cy="764704"/>
+          </a:xfrm>
+          <a:gradFill flip="none" rotWithShape="1">
+            <a:gsLst>
+              <a:gs pos="0">
+                <a:srgbClr val="C00000">
+                  <a:shade val="30000"/>
+                  <a:satMod val="115000"/>
+                </a:srgbClr>
+              </a:gs>
+              <a:gs pos="50000">
+                <a:srgbClr val="C00000">
+                  <a:shade val="67500"/>
+                  <a:satMod val="115000"/>
+                </a:srgbClr>
+              </a:gs>
+              <a:gs pos="100000">
+                <a:srgbClr val="C00000">
+                  <a:shade val="100000"/>
+                  <a:satMod val="115000"/>
+                </a:srgbClr>
+              </a:gs>
+            </a:gsLst>
+            <a:path path="circle">
+              <a:fillToRect t="100000" r="100000"/>
+            </a:path>
+            <a:tileRect l="-100000" b="-100000"/>
+          </a:gradFill>
+        </p:spPr>
+        <p:txBody>
+          <a:bodyPr>
+            <a:normAutofit/>
+          </a:bodyPr>
+          <a:lstStyle/>
+          <a:p>
+            <a:pPr algn="l"/>
+            <a:r>
+              <a:rPr lang="en-US" altLang="zh-TW" b="1" dirty="0">
+                <a:solidFill>
+                  <a:srgbClr val="FFFF00"/>
+                </a:solidFill>
+              </a:rPr>
+              <a:t>8 </a:t>
+            </a:r>
+            <a:r>
+              <a:rPr lang="en-US" altLang="zh-TW" b="1" dirty="0" err="1">
+                <a:solidFill>
+                  <a:srgbClr val="FFFF00"/>
+                </a:solidFill>
+              </a:rPr>
+              <a:t>OpenAI</a:t>
+            </a:r>
+            <a:r>
+              <a:rPr lang="en-US" altLang="zh-TW" b="1" dirty="0">
+                <a:solidFill>
+                  <a:srgbClr val="FFFF00"/>
+                </a:solidFill>
+              </a:rPr>
+              <a:t> Gym and Python for Q-Learn</a:t>
+            </a:r>
+            <a:endParaRPr lang="zh-TW" altLang="en-US" b="1" dirty="0">
+              <a:solidFill>
+                <a:srgbClr val="FFFF00"/>
+              </a:solidFill>
+            </a:endParaRPr>
+          </a:p>
+        </p:txBody>
+      </p:sp>
+      <p:sp>
+        <p:nvSpPr>
+          <p:cNvPr id="3" name="副標題 2"/>
+          <p:cNvSpPr>
+            <a:spLocks noGrp="1"/>
+          </p:cNvSpPr>
+          <p:nvPr>
+            <p:ph type="subTitle" idx="1"/>
+          </p:nvPr>
+        </p:nvSpPr>
+        <p:spPr>
+          <a:xfrm>
+            <a:off x="432335" y="1250650"/>
+            <a:ext cx="8352928" cy="1314254"/>
+          </a:xfrm>
+          <a:ln>
+            <a:solidFill>
+              <a:srgbClr val="C00000"/>
+            </a:solidFill>
+          </a:ln>
+        </p:spPr>
+        <p:txBody>
+          <a:bodyPr>
+            <a:noAutofit/>
+          </a:bodyPr>
+          <a:lstStyle/>
+          <a:p>
+            <a:pPr marL="342900" indent="-342900" algn="l">
+              <a:buClr>
+                <a:srgbClr val="0070C0"/>
+              </a:buClr>
+              <a:buSzPct val="80000"/>
+              <a:buFont typeface="Wingdings" pitchFamily="2" charset="2"/>
+              <a:buChar char="u"/>
+            </a:pPr>
+            <a:r>
+              <a:rPr lang="en-US" sz="1800" b="1" dirty="0">
+                <a:solidFill>
+                  <a:schemeClr val="tx1"/>
+                </a:solidFill>
+              </a:rPr>
+              <a:t>Frozen Lake</a:t>
+            </a:r>
+          </a:p>
+          <a:p>
+            <a:pPr marL="342900" indent="-342900" algn="l">
+              <a:buClr>
+                <a:srgbClr val="0070C0"/>
+              </a:buClr>
+              <a:buSzPct val="80000"/>
+              <a:buFont typeface="Wingdings" pitchFamily="2" charset="2"/>
+              <a:buChar char="u"/>
+            </a:pPr>
+            <a:r>
+              <a:rPr lang="en-US" sz="1800" dirty="0">
+                <a:solidFill>
+                  <a:schemeClr val="tx1"/>
+                </a:solidFill>
+              </a:rPr>
+              <a:t>The agent can navigate left, right, up, and down, and the game ends when the agent reaches the goal or falls in a hole. </a:t>
+            </a:r>
+          </a:p>
+          <a:p>
+            <a:pPr marL="342900" indent="-342900" algn="l">
+              <a:buClr>
+                <a:srgbClr val="0070C0"/>
+              </a:buClr>
+              <a:buSzPct val="80000"/>
+              <a:buFont typeface="Wingdings" pitchFamily="2" charset="2"/>
+              <a:buChar char="u"/>
+            </a:pPr>
+            <a:r>
+              <a:rPr lang="en-US" sz="1800" dirty="0">
+                <a:solidFill>
+                  <a:schemeClr val="tx1"/>
+                </a:solidFill>
+              </a:rPr>
+              <a:t>It receives a reward of one if it reaches the goal, and zero otherwise.</a:t>
+            </a:r>
+          </a:p>
+        </p:txBody>
+      </p:sp>
+      <p:sp>
+        <p:nvSpPr>
+          <p:cNvPr id="4" name="標題 1"/>
+          <p:cNvSpPr txBox="1">
+            <a:spLocks/>
+          </p:cNvSpPr>
+          <p:nvPr/>
+        </p:nvSpPr>
+        <p:spPr>
+          <a:xfrm>
+            <a:off x="0" y="764704"/>
+            <a:ext cx="9144000" cy="360040"/>
+          </a:xfrm>
+          <a:prstGeom prst="rect">
+            <a:avLst/>
+          </a:prstGeom>
+          <a:gradFill flip="none" rotWithShape="1">
+            <a:gsLst>
+              <a:gs pos="0">
+                <a:srgbClr val="00B0F0">
+                  <a:shade val="30000"/>
+                  <a:satMod val="115000"/>
+                </a:srgbClr>
+              </a:gs>
+              <a:gs pos="50000">
+                <a:srgbClr val="00B0F0">
+                  <a:shade val="67500"/>
+                  <a:satMod val="115000"/>
+                </a:srgbClr>
+              </a:gs>
+              <a:gs pos="100000">
+                <a:srgbClr val="00B0F0">
+                  <a:shade val="100000"/>
+                  <a:satMod val="115000"/>
+                </a:srgbClr>
+              </a:gs>
+            </a:gsLst>
+            <a:path path="circle">
+              <a:fillToRect t="100000" r="100000"/>
+            </a:path>
+            <a:tileRect l="-100000" b="-100000"/>
+          </a:gradFill>
+        </p:spPr>
+        <p:txBody>
+          <a:bodyPr vert="horz" lIns="91440" tIns="45720" rIns="91440" bIns="45720" rtlCol="0" anchor="ctr">
+            <a:normAutofit fontScale="92500"/>
+          </a:bodyPr>
+          <a:lstStyle/>
+          <a:p>
+            <a:pPr lvl="0">
+              <a:spcBef>
+                <a:spcPct val="0"/>
+              </a:spcBef>
+            </a:pPr>
+            <a:r>
+              <a:rPr lang="en-US" sz="1600" dirty="0">
+                <a:hlinkClick r:id="rId2"/>
+              </a:rPr>
+              <a:t>https://www.youtube.com/watch?v=QK_PP_2KgGE&amp;list=PLZbbT5o_s2xoWNVdDudn51XM8lOuZ_Njv&amp;index=8</a:t>
+            </a:r>
+            <a:endParaRPr kumimoji="0" lang="zh-TW" altLang="en-US" sz="1600" b="0" i="0" u="none" strike="noStrike" kern="1200" cap="none" spc="0" normalizeH="0" baseline="0" noProof="0" dirty="0">
+              <a:ln>
+                <a:noFill/>
+              </a:ln>
+              <a:solidFill>
+                <a:schemeClr val="tx1"/>
+              </a:solidFill>
+              <a:effectLst/>
+              <a:uLnTx/>
+              <a:uFillTx/>
+              <a:latin typeface="+mj-lt"/>
+              <a:ea typeface="+mj-ea"/>
+              <a:cs typeface="+mj-cs"/>
+            </a:endParaRPr>
+          </a:p>
+        </p:txBody>
+      </p:sp>
+      <p:sp>
+        <p:nvSpPr>
+          <p:cNvPr id="5" name="日期版面配置區 4"/>
+          <p:cNvSpPr>
+            <a:spLocks noGrp="1"/>
+          </p:cNvSpPr>
+          <p:nvPr>
+            <p:ph type="dt" sz="half" idx="10"/>
+          </p:nvPr>
+        </p:nvSpPr>
+        <p:spPr/>
+        <p:txBody>
+          <a:bodyPr/>
+          <a:lstStyle/>
+          <a:p>
+            <a:fld id="{A4F910E6-8D00-4BAF-8C48-9688E0B449D3}" type="datetime1">
+              <a:rPr lang="zh-TW" altLang="en-US" smtClean="0"/>
+              <a:pPr/>
+              <a:t>2020/6/16</a:t>
+            </a:fld>
+            <a:endParaRPr lang="zh-TW" altLang="en-US"/>
+          </a:p>
+        </p:txBody>
+      </p:sp>
+      <p:sp>
+        <p:nvSpPr>
+          <p:cNvPr id="6" name="投影片編號版面配置區 5"/>
+          <p:cNvSpPr>
+            <a:spLocks noGrp="1"/>
+          </p:cNvSpPr>
+          <p:nvPr>
+            <p:ph type="sldNum" sz="quarter" idx="12"/>
+          </p:nvPr>
+        </p:nvSpPr>
+        <p:spPr/>
+        <p:txBody>
+          <a:bodyPr/>
+          <a:lstStyle/>
+          <a:p>
+            <a:fld id="{E4D7E63D-91F2-4366-A2C4-1B00C9E2590E}" type="slidenum">
+              <a:rPr lang="zh-TW" altLang="en-US" smtClean="0"/>
+              <a:pPr/>
+              <a:t>11</a:t>
+            </a:fld>
+            <a:endParaRPr lang="zh-TW" altLang="en-US"/>
+          </a:p>
+        </p:txBody>
+      </p:sp>
+      <p:graphicFrame>
+        <p:nvGraphicFramePr>
+          <p:cNvPr id="11" name="Table 11">
+            <a:extLst>
+              <a:ext uri="{FF2B5EF4-FFF2-40B4-BE49-F238E27FC236}">
+                <a16:creationId xmlns:a16="http://schemas.microsoft.com/office/drawing/2014/main" id="{B101CD95-A75F-4345-BE32-1073240E4574}"/>
+              </a:ext>
+            </a:extLst>
+          </p:cNvPr>
+          <p:cNvGraphicFramePr>
+            <a:graphicFrameLocks noGrp="1"/>
+          </p:cNvGraphicFramePr>
+          <p:nvPr>
+            <p:extLst>
+              <p:ext uri="{D42A27DB-BD31-4B8C-83A1-F6EECF244321}">
+                <p14:modId xmlns:p14="http://schemas.microsoft.com/office/powerpoint/2010/main" val="2772738252"/>
+              </p:ext>
+            </p:extLst>
+          </p:nvPr>
+        </p:nvGraphicFramePr>
+        <p:xfrm>
+          <a:off x="1619672" y="2710215"/>
+          <a:ext cx="4447413" cy="1854200"/>
+        </p:xfrm>
+        <a:graphic>
+          <a:graphicData uri="http://schemas.openxmlformats.org/drawingml/2006/table">
+            <a:tbl>
+              <a:tblPr firstRow="1" bandRow="1">
+                <a:tableStyleId>{5C22544A-7EE6-4342-B048-85BDC9FD1C3A}</a:tableStyleId>
+              </a:tblPr>
+              <a:tblGrid>
+                <a:gridCol w="721868">
+                  <a:extLst>
+                    <a:ext uri="{9D8B030D-6E8A-4147-A177-3AD203B41FA5}">
+                      <a16:colId xmlns:a16="http://schemas.microsoft.com/office/drawing/2014/main" val="413024104"/>
+                    </a:ext>
+                  </a:extLst>
+                </a:gridCol>
+                <a:gridCol w="2771394">
+                  <a:extLst>
+                    <a:ext uri="{9D8B030D-6E8A-4147-A177-3AD203B41FA5}">
+                      <a16:colId xmlns:a16="http://schemas.microsoft.com/office/drawing/2014/main" val="861325293"/>
+                    </a:ext>
+                  </a:extLst>
+                </a:gridCol>
+                <a:gridCol w="954151">
+                  <a:extLst>
+                    <a:ext uri="{9D8B030D-6E8A-4147-A177-3AD203B41FA5}">
+                      <a16:colId xmlns:a16="http://schemas.microsoft.com/office/drawing/2014/main" val="885651071"/>
+                    </a:ext>
+                  </a:extLst>
+                </a:gridCol>
+              </a:tblGrid>
+              <a:tr h="370840">
+                <a:tc>
+                  <a:txBody>
+                    <a:bodyPr/>
+                    <a:lstStyle/>
+                    <a:p>
+                      <a:pPr algn="l" fontAlgn="t"/>
+                      <a:r>
+                        <a:rPr lang="en-US" dirty="0">
+                          <a:effectLst/>
+                        </a:rPr>
+                        <a:t>State</a:t>
+                      </a:r>
+                    </a:p>
+                  </a:txBody>
+                  <a:tcPr/>
+                </a:tc>
+                <a:tc>
+                  <a:txBody>
+                    <a:bodyPr/>
+                    <a:lstStyle/>
+                    <a:p>
+                      <a:pPr algn="l" fontAlgn="t"/>
+                      <a:r>
+                        <a:rPr lang="en-US">
+                          <a:effectLst/>
+                        </a:rPr>
+                        <a:t>Description</a:t>
+                      </a:r>
+                    </a:p>
+                  </a:txBody>
+                  <a:tcPr/>
+                </a:tc>
+                <a:tc>
+                  <a:txBody>
+                    <a:bodyPr/>
+                    <a:lstStyle/>
+                    <a:p>
+                      <a:pPr algn="l" fontAlgn="t"/>
+                      <a:r>
+                        <a:rPr lang="en-US">
+                          <a:effectLst/>
+                        </a:rPr>
+                        <a:t>Reward</a:t>
+                      </a:r>
+                    </a:p>
+                  </a:txBody>
+                  <a:tcPr/>
+                </a:tc>
+                <a:extLst>
+                  <a:ext uri="{0D108BD9-81ED-4DB2-BD59-A6C34878D82A}">
+                    <a16:rowId xmlns:a16="http://schemas.microsoft.com/office/drawing/2014/main" val="3342396924"/>
+                  </a:ext>
+                </a:extLst>
+              </a:tr>
+              <a:tr h="370840">
+                <a:tc>
+                  <a:txBody>
+                    <a:bodyPr/>
+                    <a:lstStyle/>
+                    <a:p>
+                      <a:pPr fontAlgn="t"/>
+                      <a:r>
+                        <a:rPr lang="en-US">
+                          <a:effectLst/>
+                        </a:rPr>
+                        <a:t>S</a:t>
+                      </a:r>
+                    </a:p>
+                  </a:txBody>
+                  <a:tcPr/>
+                </a:tc>
+                <a:tc>
+                  <a:txBody>
+                    <a:bodyPr/>
+                    <a:lstStyle/>
+                    <a:p>
+                      <a:pPr fontAlgn="t"/>
+                      <a:r>
+                        <a:rPr lang="en-US">
+                          <a:effectLst/>
+                        </a:rPr>
+                        <a:t>Agent’s starting point - safe</a:t>
+                      </a:r>
+                    </a:p>
+                  </a:txBody>
+                  <a:tcPr/>
+                </a:tc>
+                <a:tc>
+                  <a:txBody>
+                    <a:bodyPr/>
+                    <a:lstStyle/>
+                    <a:p>
+                      <a:pPr fontAlgn="t"/>
+                      <a:r>
+                        <a:rPr lang="en-US">
+                          <a:effectLst/>
+                        </a:rPr>
+                        <a:t>0</a:t>
+                      </a:r>
+                    </a:p>
+                  </a:txBody>
+                  <a:tcPr/>
+                </a:tc>
+                <a:extLst>
+                  <a:ext uri="{0D108BD9-81ED-4DB2-BD59-A6C34878D82A}">
+                    <a16:rowId xmlns:a16="http://schemas.microsoft.com/office/drawing/2014/main" val="3877909572"/>
+                  </a:ext>
+                </a:extLst>
+              </a:tr>
+              <a:tr h="370840">
+                <a:tc>
+                  <a:txBody>
+                    <a:bodyPr/>
+                    <a:lstStyle/>
+                    <a:p>
+                      <a:pPr fontAlgn="t"/>
+                      <a:r>
+                        <a:rPr lang="en-US">
+                          <a:effectLst/>
+                        </a:rPr>
+                        <a:t>F</a:t>
+                      </a:r>
+                    </a:p>
+                  </a:txBody>
+                  <a:tcPr/>
+                </a:tc>
+                <a:tc>
+                  <a:txBody>
+                    <a:bodyPr/>
+                    <a:lstStyle/>
+                    <a:p>
+                      <a:pPr fontAlgn="t"/>
+                      <a:r>
+                        <a:rPr lang="en-US">
+                          <a:effectLst/>
+                        </a:rPr>
+                        <a:t>Frozen surface - safe</a:t>
+                      </a:r>
+                    </a:p>
+                  </a:txBody>
+                  <a:tcPr/>
+                </a:tc>
+                <a:tc>
+                  <a:txBody>
+                    <a:bodyPr/>
+                    <a:lstStyle/>
+                    <a:p>
+                      <a:pPr fontAlgn="t"/>
+                      <a:r>
+                        <a:rPr lang="en-US">
+                          <a:effectLst/>
+                        </a:rPr>
+                        <a:t>0</a:t>
+                      </a:r>
+                    </a:p>
+                  </a:txBody>
+                  <a:tcPr/>
+                </a:tc>
+                <a:extLst>
+                  <a:ext uri="{0D108BD9-81ED-4DB2-BD59-A6C34878D82A}">
+                    <a16:rowId xmlns:a16="http://schemas.microsoft.com/office/drawing/2014/main" val="1681188620"/>
+                  </a:ext>
+                </a:extLst>
+              </a:tr>
+              <a:tr h="370840">
+                <a:tc>
+                  <a:txBody>
+                    <a:bodyPr/>
+                    <a:lstStyle/>
+                    <a:p>
+                      <a:pPr fontAlgn="t"/>
+                      <a:r>
+                        <a:rPr lang="en-US">
+                          <a:effectLst/>
+                        </a:rPr>
+                        <a:t>H</a:t>
+                      </a:r>
+                    </a:p>
+                  </a:txBody>
+                  <a:tcPr/>
+                </a:tc>
+                <a:tc>
+                  <a:txBody>
+                    <a:bodyPr/>
+                    <a:lstStyle/>
+                    <a:p>
+                      <a:pPr fontAlgn="t"/>
+                      <a:r>
+                        <a:rPr lang="en-US">
+                          <a:effectLst/>
+                        </a:rPr>
+                        <a:t>Hole - game over</a:t>
+                      </a:r>
+                    </a:p>
+                  </a:txBody>
+                  <a:tcPr/>
+                </a:tc>
+                <a:tc>
+                  <a:txBody>
+                    <a:bodyPr/>
+                    <a:lstStyle/>
+                    <a:p>
+                      <a:pPr fontAlgn="t"/>
+                      <a:r>
+                        <a:rPr lang="en-US">
+                          <a:effectLst/>
+                        </a:rPr>
+                        <a:t>0</a:t>
+                      </a:r>
+                    </a:p>
+                  </a:txBody>
+                  <a:tcPr/>
+                </a:tc>
+                <a:extLst>
+                  <a:ext uri="{0D108BD9-81ED-4DB2-BD59-A6C34878D82A}">
+                    <a16:rowId xmlns:a16="http://schemas.microsoft.com/office/drawing/2014/main" val="255437230"/>
+                  </a:ext>
+                </a:extLst>
+              </a:tr>
+              <a:tr h="370840">
+                <a:tc>
+                  <a:txBody>
+                    <a:bodyPr/>
+                    <a:lstStyle/>
+                    <a:p>
+                      <a:pPr fontAlgn="t"/>
+                      <a:r>
+                        <a:rPr lang="en-US">
+                          <a:effectLst/>
+                        </a:rPr>
+                        <a:t>G</a:t>
+                      </a:r>
+                    </a:p>
+                  </a:txBody>
+                  <a:tcPr/>
+                </a:tc>
+                <a:tc>
+                  <a:txBody>
+                    <a:bodyPr/>
+                    <a:lstStyle/>
+                    <a:p>
+                      <a:pPr fontAlgn="t"/>
+                      <a:r>
+                        <a:rPr lang="en-US">
+                          <a:effectLst/>
+                        </a:rPr>
+                        <a:t>Goal - game over</a:t>
+                      </a:r>
+                    </a:p>
+                  </a:txBody>
+                  <a:tcPr/>
+                </a:tc>
+                <a:tc>
+                  <a:txBody>
+                    <a:bodyPr/>
+                    <a:lstStyle/>
+                    <a:p>
+                      <a:pPr fontAlgn="t"/>
+                      <a:r>
+                        <a:rPr lang="en-US" dirty="0">
+                          <a:effectLst/>
+                        </a:rPr>
+                        <a:t>1</a:t>
+                      </a:r>
+                    </a:p>
+                  </a:txBody>
+                  <a:tcPr/>
+                </a:tc>
+                <a:extLst>
+                  <a:ext uri="{0D108BD9-81ED-4DB2-BD59-A6C34878D82A}">
+                    <a16:rowId xmlns:a16="http://schemas.microsoft.com/office/drawing/2014/main" val="4238976300"/>
+                  </a:ext>
+                </a:extLst>
+              </a:tr>
+            </a:tbl>
+          </a:graphicData>
+        </a:graphic>
+      </p:graphicFrame>
+      <p:sp>
+        <p:nvSpPr>
+          <p:cNvPr id="14" name="副標題 2">
+            <a:extLst>
+              <a:ext uri="{FF2B5EF4-FFF2-40B4-BE49-F238E27FC236}">
+                <a16:creationId xmlns:a16="http://schemas.microsoft.com/office/drawing/2014/main" id="{50B4A783-683E-4979-95DA-C95FCEB21BE9}"/>
+              </a:ext>
+            </a:extLst>
+          </p:cNvPr>
+          <p:cNvSpPr txBox="1">
+            <a:spLocks/>
+          </p:cNvSpPr>
+          <p:nvPr/>
+        </p:nvSpPr>
+        <p:spPr>
+          <a:xfrm>
+            <a:off x="457200" y="4669053"/>
+            <a:ext cx="8352928" cy="1314254"/>
+          </a:xfrm>
+          <a:prstGeom prst="rect">
+            <a:avLst/>
+          </a:prstGeom>
+          <a:ln>
+            <a:solidFill>
+              <a:srgbClr val="C00000"/>
+            </a:solidFill>
+          </a:ln>
+        </p:spPr>
+        <p:txBody>
+          <a:bodyPr vert="horz" lIns="91440" tIns="45720" rIns="91440" bIns="45720" rtlCol="0">
+            <a:noAutofit/>
+          </a:bodyPr>
+          <a:lstStyle>
+            <a:lvl1pPr marL="0" indent="0" algn="ctr" defTabSz="914400" rtl="0" eaLnBrk="1" latinLnBrk="0" hangingPunct="1">
+              <a:spcBef>
+                <a:spcPct val="20000"/>
+              </a:spcBef>
+              <a:buFont typeface="Arial" pitchFamily="34" charset="0"/>
+              <a:buNone/>
+              <a:defRPr sz="3200" kern="1200">
+                <a:solidFill>
+                  <a:schemeClr val="tx1">
+                    <a:tint val="75000"/>
+                  </a:schemeClr>
+                </a:solidFill>
+                <a:latin typeface="+mn-lt"/>
+                <a:ea typeface="+mn-ea"/>
+                <a:cs typeface="+mn-cs"/>
+              </a:defRPr>
+            </a:lvl1pPr>
+            <a:lvl2pPr marL="457200" indent="0" algn="ctr" defTabSz="914400" rtl="0" eaLnBrk="1" latinLnBrk="0" hangingPunct="1">
+              <a:spcBef>
+                <a:spcPct val="20000"/>
+              </a:spcBef>
+              <a:buFont typeface="Arial" pitchFamily="34" charset="0"/>
+              <a:buNone/>
+              <a:defRPr sz="2800" kern="1200">
+                <a:solidFill>
+                  <a:schemeClr val="tx1">
+                    <a:tint val="75000"/>
+                  </a:schemeClr>
+                </a:solidFill>
+                <a:latin typeface="+mn-lt"/>
+                <a:ea typeface="+mn-ea"/>
+                <a:cs typeface="+mn-cs"/>
+              </a:defRPr>
+            </a:lvl2pPr>
+            <a:lvl3pPr marL="914400" indent="0" algn="ctr" defTabSz="914400" rtl="0" eaLnBrk="1" latinLnBrk="0" hangingPunct="1">
+              <a:spcBef>
+                <a:spcPct val="20000"/>
+              </a:spcBef>
+              <a:buFont typeface="Arial" pitchFamily="34" charset="0"/>
+              <a:buNone/>
+              <a:defRPr sz="2400" kern="1200">
+                <a:solidFill>
+                  <a:schemeClr val="tx1">
+                    <a:tint val="75000"/>
+                  </a:schemeClr>
+                </a:solidFill>
+                <a:latin typeface="+mn-lt"/>
+                <a:ea typeface="+mn-ea"/>
+                <a:cs typeface="+mn-cs"/>
+              </a:defRPr>
+            </a:lvl3pPr>
+            <a:lvl4pPr marL="1371600" indent="0" algn="ctr" defTabSz="914400" rtl="0" eaLnBrk="1" latinLnBrk="0" hangingPunct="1">
+              <a:spcBef>
+                <a:spcPct val="20000"/>
+              </a:spcBef>
+              <a:buFont typeface="Arial" pitchFamily="34" charset="0"/>
+              <a:buNone/>
+              <a:defRPr sz="2000" kern="1200">
+                <a:solidFill>
+                  <a:schemeClr val="tx1">
+                    <a:tint val="75000"/>
+                  </a:schemeClr>
+                </a:solidFill>
+                <a:latin typeface="+mn-lt"/>
+                <a:ea typeface="+mn-ea"/>
+                <a:cs typeface="+mn-cs"/>
+              </a:defRPr>
+            </a:lvl4pPr>
+            <a:lvl5pPr marL="1828800" indent="0" algn="ctr" defTabSz="914400" rtl="0" eaLnBrk="1" latinLnBrk="0" hangingPunct="1">
+              <a:spcBef>
+                <a:spcPct val="20000"/>
+              </a:spcBef>
+              <a:buFont typeface="Arial" pitchFamily="34" charset="0"/>
+              <a:buNone/>
+              <a:defRPr sz="2000" kern="1200">
+                <a:solidFill>
+                  <a:schemeClr val="tx1">
+                    <a:tint val="75000"/>
+                  </a:schemeClr>
+                </a:solidFill>
+                <a:latin typeface="+mn-lt"/>
+                <a:ea typeface="+mn-ea"/>
+                <a:cs typeface="+mn-cs"/>
+              </a:defRPr>
+            </a:lvl5pPr>
+            <a:lvl6pPr marL="2286000" indent="0" algn="ctr" defTabSz="914400" rtl="0" eaLnBrk="1" latinLnBrk="0" hangingPunct="1">
+              <a:spcBef>
+                <a:spcPct val="20000"/>
+              </a:spcBef>
+              <a:buFont typeface="Arial" pitchFamily="34" charset="0"/>
+              <a:buNone/>
+              <a:defRPr sz="2000" kern="1200">
+                <a:solidFill>
+                  <a:schemeClr val="tx1">
+                    <a:tint val="75000"/>
+                  </a:schemeClr>
+                </a:solidFill>
+                <a:latin typeface="+mn-lt"/>
+                <a:ea typeface="+mn-ea"/>
+                <a:cs typeface="+mn-cs"/>
+              </a:defRPr>
+            </a:lvl6pPr>
+            <a:lvl7pPr marL="2743200" indent="0" algn="ctr" defTabSz="914400" rtl="0" eaLnBrk="1" latinLnBrk="0" hangingPunct="1">
+              <a:spcBef>
+                <a:spcPct val="20000"/>
+              </a:spcBef>
+              <a:buFont typeface="Arial" pitchFamily="34" charset="0"/>
+              <a:buNone/>
+              <a:defRPr sz="2000" kern="1200">
+                <a:solidFill>
+                  <a:schemeClr val="tx1">
+                    <a:tint val="75000"/>
+                  </a:schemeClr>
+                </a:solidFill>
+                <a:latin typeface="+mn-lt"/>
+                <a:ea typeface="+mn-ea"/>
+                <a:cs typeface="+mn-cs"/>
+              </a:defRPr>
+            </a:lvl7pPr>
+            <a:lvl8pPr marL="3200400" indent="0" algn="ctr" defTabSz="914400" rtl="0" eaLnBrk="1" latinLnBrk="0" hangingPunct="1">
+              <a:spcBef>
+                <a:spcPct val="20000"/>
+              </a:spcBef>
+              <a:buFont typeface="Arial" pitchFamily="34" charset="0"/>
+              <a:buNone/>
+              <a:defRPr sz="2000" kern="1200">
+                <a:solidFill>
+                  <a:schemeClr val="tx1">
+                    <a:tint val="75000"/>
+                  </a:schemeClr>
+                </a:solidFill>
+                <a:latin typeface="+mn-lt"/>
+                <a:ea typeface="+mn-ea"/>
+                <a:cs typeface="+mn-cs"/>
+              </a:defRPr>
+            </a:lvl8pPr>
+            <a:lvl9pPr marL="3657600" indent="0" algn="ctr" defTabSz="914400" rtl="0" eaLnBrk="1" latinLnBrk="0" hangingPunct="1">
+              <a:spcBef>
+                <a:spcPct val="20000"/>
+              </a:spcBef>
+              <a:buFont typeface="Arial" pitchFamily="34" charset="0"/>
+              <a:buNone/>
+              <a:defRPr sz="2000" kern="1200">
+                <a:solidFill>
+                  <a:schemeClr val="tx1">
+                    <a:tint val="75000"/>
+                  </a:schemeClr>
+                </a:solidFill>
+                <a:latin typeface="+mn-lt"/>
+                <a:ea typeface="+mn-ea"/>
+                <a:cs typeface="+mn-cs"/>
+              </a:defRPr>
+            </a:lvl9pPr>
+          </a:lstStyle>
+          <a:p>
+            <a:pPr marL="342900" indent="-342900" algn="l">
+              <a:buClr>
+                <a:srgbClr val="0070C0"/>
+              </a:buClr>
+              <a:buSzPct val="80000"/>
+              <a:buFont typeface="Wingdings" pitchFamily="2" charset="2"/>
+              <a:buChar char="u"/>
+            </a:pPr>
+            <a:r>
+              <a:rPr lang="en-US" sz="1800" dirty="0">
+                <a:solidFill>
+                  <a:schemeClr val="tx1"/>
+                </a:solidFill>
+              </a:rPr>
+              <a:t>Our agent has to navigate the grid by staying on the frozen surface without falling into any holes until it reaches the frisbee. </a:t>
+            </a:r>
+          </a:p>
+          <a:p>
+            <a:pPr marL="342900" indent="-342900" algn="l">
+              <a:buClr>
+                <a:srgbClr val="0070C0"/>
+              </a:buClr>
+              <a:buSzPct val="80000"/>
+              <a:buFont typeface="Wingdings" pitchFamily="2" charset="2"/>
+              <a:buChar char="u"/>
+            </a:pPr>
+            <a:r>
+              <a:rPr lang="en-US" sz="1800" dirty="0">
+                <a:solidFill>
+                  <a:schemeClr val="tx1"/>
+                </a:solidFill>
+              </a:rPr>
+              <a:t>If it reaches the frisbee, it wins with a reward of plus one. </a:t>
+            </a:r>
+          </a:p>
+          <a:p>
+            <a:pPr marL="342900" indent="-342900" algn="l">
+              <a:buClr>
+                <a:srgbClr val="0070C0"/>
+              </a:buClr>
+              <a:buSzPct val="80000"/>
+              <a:buFont typeface="Wingdings" pitchFamily="2" charset="2"/>
+              <a:buChar char="u"/>
+            </a:pPr>
+            <a:r>
+              <a:rPr lang="en-US" sz="1800" dirty="0">
+                <a:solidFill>
+                  <a:schemeClr val="tx1"/>
+                </a:solidFill>
+              </a:rPr>
+              <a:t>If it falls in a hole, it loses and receives no points for the entire game.</a:t>
+            </a:r>
+          </a:p>
+        </p:txBody>
+      </p:sp>
+      <p:pic>
+        <p:nvPicPr>
+          <p:cNvPr id="7" name="Picture 6">
+            <a:extLst>
+              <a:ext uri="{FF2B5EF4-FFF2-40B4-BE49-F238E27FC236}">
+                <a16:creationId xmlns:a16="http://schemas.microsoft.com/office/drawing/2014/main" id="{DA8B4CAB-73D2-414B-BC70-55CC3D59DE0F}"/>
+              </a:ext>
+            </a:extLst>
+          </p:cNvPr>
+          <p:cNvPicPr>
+            <a:picLocks noChangeAspect="1"/>
+          </p:cNvPicPr>
+          <p:nvPr/>
+        </p:nvPicPr>
+        <p:blipFill>
+          <a:blip r:embed="rId3"/>
+          <a:stretch>
+            <a:fillRect/>
+          </a:stretch>
+        </p:blipFill>
+        <p:spPr>
+          <a:xfrm>
+            <a:off x="6553200" y="2824162"/>
+            <a:ext cx="1381125" cy="1209675"/>
+          </a:xfrm>
+          <a:prstGeom prst="rect">
+            <a:avLst/>
+          </a:prstGeom>
+          <a:ln>
+            <a:solidFill>
+              <a:srgbClr val="C00000"/>
+            </a:solidFill>
+          </a:ln>
+        </p:spPr>
+      </p:pic>
+    </p:spTree>
+    <p:extLst>
+      <p:ext uri="{BB962C8B-B14F-4D97-AF65-F5344CB8AC3E}">
+        <p14:creationId xmlns:p14="http://schemas.microsoft.com/office/powerpoint/2010/main" val="3658132679"/>
+      </p:ext>
+    </p:extLst>
+  </p:cSld>
+  <p:clrMapOvr>
+    <a:masterClrMapping/>
+  </p:clrMapOvr>
+</p:sld>
+</file>
+
+<file path=ppt/slides/slide12.xml><?xml version="1.0" encoding="utf-8"?>
+<p:sld xmlns:a="http://schemas.openxmlformats.org/drawingml/2006/main" xmlns:r="http://schemas.openxmlformats.org/officeDocument/2006/relationships" xmlns:p="http://schemas.openxmlformats.org/presentationml/2006/main">
+  <p:cSld>
+    <p:spTree>
+      <p:nvGrpSpPr>
+        <p:cNvPr id="1" name=""/>
+        <p:cNvGrpSpPr/>
+        <p:nvPr/>
+      </p:nvGrpSpPr>
+      <p:grpSpPr>
+        <a:xfrm>
+          <a:off x="0" y="0"/>
+          <a:ext cx="0" cy="0"/>
+          <a:chOff x="0" y="0"/>
+          <a:chExt cx="0" cy="0"/>
+        </a:xfrm>
+      </p:grpSpPr>
+      <p:sp>
+        <p:nvSpPr>
+          <p:cNvPr id="2" name="標題 1"/>
+          <p:cNvSpPr>
+            <a:spLocks noGrp="1"/>
+          </p:cNvSpPr>
+          <p:nvPr>
+            <p:ph type="ctrTitle"/>
+          </p:nvPr>
+        </p:nvSpPr>
+        <p:spPr>
+          <a:xfrm>
+            <a:off x="0" y="1"/>
+            <a:ext cx="9144000" cy="764704"/>
+          </a:xfrm>
+          <a:gradFill flip="none" rotWithShape="1">
+            <a:gsLst>
+              <a:gs pos="0">
+                <a:srgbClr val="C00000">
+                  <a:shade val="30000"/>
+                  <a:satMod val="115000"/>
+                </a:srgbClr>
+              </a:gs>
+              <a:gs pos="50000">
+                <a:srgbClr val="C00000">
+                  <a:shade val="67500"/>
+                  <a:satMod val="115000"/>
+                </a:srgbClr>
+              </a:gs>
+              <a:gs pos="100000">
+                <a:srgbClr val="C00000">
+                  <a:shade val="100000"/>
+                  <a:satMod val="115000"/>
+                </a:srgbClr>
+              </a:gs>
+            </a:gsLst>
+            <a:path path="circle">
+              <a:fillToRect t="100000" r="100000"/>
+            </a:path>
+            <a:tileRect l="-100000" b="-100000"/>
+          </a:gradFill>
+        </p:spPr>
+        <p:txBody>
+          <a:bodyPr>
+            <a:normAutofit/>
+          </a:bodyPr>
+          <a:lstStyle/>
+          <a:p>
+            <a:pPr algn="l"/>
+            <a:r>
+              <a:rPr lang="en-US" altLang="zh-TW" b="1" dirty="0">
+                <a:solidFill>
+                  <a:srgbClr val="FFFF00"/>
+                </a:solidFill>
+              </a:rPr>
+              <a:t>8 </a:t>
+            </a:r>
+            <a:r>
+              <a:rPr lang="en-US" altLang="zh-TW" b="1" dirty="0" err="1">
+                <a:solidFill>
+                  <a:srgbClr val="FFFF00"/>
+                </a:solidFill>
+              </a:rPr>
+              <a:t>OpenAI</a:t>
+            </a:r>
+            <a:r>
+              <a:rPr lang="en-US" altLang="zh-TW" b="1" dirty="0">
+                <a:solidFill>
+                  <a:srgbClr val="FFFF00"/>
+                </a:solidFill>
+              </a:rPr>
+              <a:t> Gym and Python for Q-Learn</a:t>
+            </a:r>
+            <a:endParaRPr lang="zh-TW" altLang="en-US" b="1" dirty="0">
+              <a:solidFill>
+                <a:srgbClr val="FFFF00"/>
+              </a:solidFill>
+            </a:endParaRPr>
+          </a:p>
+        </p:txBody>
+      </p:sp>
+      <p:sp>
+        <p:nvSpPr>
+          <p:cNvPr id="3" name="副標題 2"/>
+          <p:cNvSpPr>
+            <a:spLocks noGrp="1"/>
+          </p:cNvSpPr>
+          <p:nvPr>
+            <p:ph type="subTitle" idx="1"/>
+          </p:nvPr>
+        </p:nvSpPr>
+        <p:spPr>
+          <a:xfrm>
+            <a:off x="432335" y="1250650"/>
+            <a:ext cx="8352928" cy="1314254"/>
+          </a:xfrm>
+          <a:ln>
+            <a:solidFill>
+              <a:srgbClr val="C00000"/>
+            </a:solidFill>
+          </a:ln>
+        </p:spPr>
+        <p:txBody>
+          <a:bodyPr>
+            <a:noAutofit/>
+          </a:bodyPr>
+          <a:lstStyle/>
+          <a:p>
+            <a:pPr marL="342900" indent="-342900" algn="l">
+              <a:buClr>
+                <a:srgbClr val="0070C0"/>
+              </a:buClr>
+              <a:buSzPct val="80000"/>
+              <a:buFont typeface="Wingdings" pitchFamily="2" charset="2"/>
+              <a:buChar char="u"/>
+            </a:pPr>
+            <a:r>
+              <a:rPr lang="en-US" altLang="en-US" sz="1800" b="1" dirty="0">
+                <a:solidFill>
+                  <a:srgbClr val="333333"/>
+                </a:solidFill>
+                <a:latin typeface="montserrat"/>
+              </a:rPr>
+              <a:t>Setting Up Frozen Lake In Code</a:t>
+            </a:r>
+          </a:p>
+          <a:p>
+            <a:pPr marL="342900" indent="-342900" algn="l">
+              <a:buClr>
+                <a:srgbClr val="0070C0"/>
+              </a:buClr>
+              <a:buSzPct val="80000"/>
+              <a:buFont typeface="Wingdings" pitchFamily="2" charset="2"/>
+              <a:buChar char="u"/>
+            </a:pPr>
+            <a:r>
+              <a:rPr lang="en-US" altLang="en-US" sz="1800" b="1" dirty="0">
+                <a:solidFill>
+                  <a:srgbClr val="333333"/>
+                </a:solidFill>
+                <a:latin typeface="montserrat"/>
+              </a:rPr>
+              <a:t>Libraries</a:t>
+            </a:r>
+          </a:p>
+          <a:p>
+            <a:pPr marL="342900" indent="-342900" algn="l">
+              <a:buClr>
+                <a:srgbClr val="0070C0"/>
+              </a:buClr>
+              <a:buSzPct val="80000"/>
+              <a:buFont typeface="Wingdings" pitchFamily="2" charset="2"/>
+              <a:buChar char="u"/>
+            </a:pPr>
+            <a:r>
+              <a:rPr lang="en-US" altLang="en-US" sz="1800" dirty="0">
+                <a:solidFill>
+                  <a:srgbClr val="333333"/>
+                </a:solidFill>
+                <a:latin typeface="-apple-system"/>
+              </a:rPr>
+              <a:t>First we’re importing all the libraries we’ll be using. Not many, really... </a:t>
+            </a:r>
+            <a:r>
+              <a:rPr lang="en-US" altLang="en-US" sz="1800" dirty="0" err="1">
+                <a:solidFill>
+                  <a:srgbClr val="E83E8C"/>
+                </a:solidFill>
+                <a:latin typeface="SFMono-Regular"/>
+              </a:rPr>
+              <a:t>Numpy</a:t>
+            </a:r>
+            <a:r>
+              <a:rPr lang="en-US" altLang="en-US" sz="1800" dirty="0">
+                <a:solidFill>
+                  <a:srgbClr val="333333"/>
+                </a:solidFill>
+                <a:latin typeface="-apple-system"/>
+              </a:rPr>
+              <a:t>, </a:t>
+            </a:r>
+            <a:r>
+              <a:rPr lang="en-US" altLang="en-US" sz="1800" dirty="0">
+                <a:solidFill>
+                  <a:srgbClr val="E83E8C"/>
+                </a:solidFill>
+                <a:latin typeface="SFMono-Regular"/>
+              </a:rPr>
+              <a:t>gym</a:t>
+            </a:r>
+            <a:r>
+              <a:rPr lang="en-US" altLang="en-US" sz="1800" dirty="0">
+                <a:solidFill>
+                  <a:srgbClr val="333333"/>
+                </a:solidFill>
+                <a:latin typeface="-apple-system"/>
+              </a:rPr>
+              <a:t>, </a:t>
+            </a:r>
+            <a:r>
+              <a:rPr lang="en-US" altLang="en-US" sz="1800" dirty="0">
+                <a:solidFill>
+                  <a:srgbClr val="E83E8C"/>
+                </a:solidFill>
+                <a:latin typeface="SFMono-Regular"/>
+              </a:rPr>
+              <a:t>random</a:t>
+            </a:r>
+            <a:r>
+              <a:rPr lang="en-US" altLang="en-US" sz="1800" dirty="0">
+                <a:solidFill>
+                  <a:srgbClr val="333333"/>
+                </a:solidFill>
+                <a:latin typeface="-apple-system"/>
+              </a:rPr>
+              <a:t>, </a:t>
+            </a:r>
+            <a:r>
+              <a:rPr lang="en-US" altLang="en-US" sz="1800" dirty="0">
+                <a:solidFill>
+                  <a:srgbClr val="E83E8C"/>
+                </a:solidFill>
+                <a:latin typeface="SFMono-Regular"/>
+              </a:rPr>
+              <a:t>time</a:t>
+            </a:r>
+            <a:r>
+              <a:rPr lang="en-US" altLang="en-US" sz="1800" dirty="0">
+                <a:solidFill>
+                  <a:srgbClr val="333333"/>
+                </a:solidFill>
+                <a:latin typeface="-apple-system"/>
+              </a:rPr>
+              <a:t>, and </a:t>
+            </a:r>
+            <a:r>
+              <a:rPr lang="en-US" altLang="en-US" sz="1800" dirty="0" err="1">
+                <a:solidFill>
+                  <a:srgbClr val="E83E8C"/>
+                </a:solidFill>
+                <a:latin typeface="SFMono-Regular"/>
+              </a:rPr>
+              <a:t>clear_output</a:t>
+            </a:r>
+            <a:r>
+              <a:rPr lang="en-US" altLang="en-US" sz="1800" dirty="0">
+                <a:solidFill>
+                  <a:srgbClr val="333333"/>
+                </a:solidFill>
+                <a:latin typeface="-apple-system"/>
+              </a:rPr>
+              <a:t> from </a:t>
+            </a:r>
+            <a:r>
+              <a:rPr lang="en-US" altLang="en-US" sz="1800" dirty="0" err="1">
+                <a:solidFill>
+                  <a:srgbClr val="E83E8C"/>
+                </a:solidFill>
+                <a:latin typeface="SFMono-Regular"/>
+              </a:rPr>
+              <a:t>Ipython</a:t>
+            </a:r>
+            <a:r>
+              <a:rPr lang="en-US" altLang="en-US" sz="1800" dirty="0" err="1">
+                <a:solidFill>
+                  <a:srgbClr val="333333"/>
+                </a:solidFill>
+                <a:latin typeface="-apple-system"/>
+              </a:rPr>
+              <a:t>’s</a:t>
+            </a:r>
+            <a:r>
+              <a:rPr lang="en-US" altLang="en-US" sz="1800" dirty="0">
+                <a:solidFill>
+                  <a:srgbClr val="333333"/>
+                </a:solidFill>
+                <a:latin typeface="-apple-system"/>
+              </a:rPr>
+              <a:t> </a:t>
+            </a:r>
+            <a:r>
+              <a:rPr lang="en-US" altLang="en-US" sz="1800" dirty="0">
+                <a:solidFill>
+                  <a:srgbClr val="E83E8C"/>
+                </a:solidFill>
+                <a:latin typeface="SFMono-Regular"/>
+              </a:rPr>
+              <a:t>display</a:t>
+            </a:r>
+            <a:r>
+              <a:rPr lang="en-US" altLang="en-US" sz="1800" dirty="0">
+                <a:solidFill>
+                  <a:srgbClr val="333333"/>
+                </a:solidFill>
+                <a:latin typeface="-apple-system"/>
+              </a:rPr>
+              <a:t>.</a:t>
+            </a:r>
+            <a:endParaRPr lang="en-US" altLang="en-US" sz="1800" dirty="0">
+              <a:solidFill>
+                <a:schemeClr val="tx1"/>
+              </a:solidFill>
+              <a:latin typeface="Arial" panose="020B0604020202020204" pitchFamily="34" charset="0"/>
+            </a:endParaRPr>
+          </a:p>
+        </p:txBody>
+      </p:sp>
+      <p:sp>
+        <p:nvSpPr>
+          <p:cNvPr id="4" name="標題 1"/>
+          <p:cNvSpPr txBox="1">
+            <a:spLocks/>
+          </p:cNvSpPr>
+          <p:nvPr/>
+        </p:nvSpPr>
+        <p:spPr>
+          <a:xfrm>
+            <a:off x="0" y="764704"/>
+            <a:ext cx="9144000" cy="360040"/>
+          </a:xfrm>
+          <a:prstGeom prst="rect">
+            <a:avLst/>
+          </a:prstGeom>
+          <a:gradFill flip="none" rotWithShape="1">
+            <a:gsLst>
+              <a:gs pos="0">
+                <a:srgbClr val="00B0F0">
+                  <a:shade val="30000"/>
+                  <a:satMod val="115000"/>
+                </a:srgbClr>
+              </a:gs>
+              <a:gs pos="50000">
+                <a:srgbClr val="00B0F0">
+                  <a:shade val="67500"/>
+                  <a:satMod val="115000"/>
+                </a:srgbClr>
+              </a:gs>
+              <a:gs pos="100000">
+                <a:srgbClr val="00B0F0">
+                  <a:shade val="100000"/>
+                  <a:satMod val="115000"/>
+                </a:srgbClr>
+              </a:gs>
+            </a:gsLst>
+            <a:path path="circle">
+              <a:fillToRect t="100000" r="100000"/>
+            </a:path>
+            <a:tileRect l="-100000" b="-100000"/>
+          </a:gradFill>
+        </p:spPr>
+        <p:txBody>
+          <a:bodyPr vert="horz" lIns="91440" tIns="45720" rIns="91440" bIns="45720" rtlCol="0" anchor="ctr">
+            <a:normAutofit fontScale="92500"/>
+          </a:bodyPr>
+          <a:lstStyle/>
+          <a:p>
+            <a:pPr lvl="0">
+              <a:spcBef>
+                <a:spcPct val="0"/>
+              </a:spcBef>
+            </a:pPr>
+            <a:r>
+              <a:rPr lang="en-US" sz="1600" dirty="0">
+                <a:hlinkClick r:id="rId2"/>
+              </a:rPr>
+              <a:t>https://www.youtube.com/watch?v=QK_PP_2KgGE&amp;list=PLZbbT5o_s2xoWNVdDudn51XM8lOuZ_Njv&amp;index=8</a:t>
+            </a:r>
+            <a:endParaRPr kumimoji="0" lang="zh-TW" altLang="en-US" sz="1600" b="0" i="0" u="none" strike="noStrike" kern="1200" cap="none" spc="0" normalizeH="0" baseline="0" noProof="0" dirty="0">
+              <a:ln>
+                <a:noFill/>
+              </a:ln>
+              <a:solidFill>
+                <a:schemeClr val="tx1"/>
+              </a:solidFill>
+              <a:effectLst/>
+              <a:uLnTx/>
+              <a:uFillTx/>
+              <a:latin typeface="+mj-lt"/>
+              <a:ea typeface="+mj-ea"/>
+              <a:cs typeface="+mj-cs"/>
+            </a:endParaRPr>
+          </a:p>
+        </p:txBody>
+      </p:sp>
+      <p:sp>
+        <p:nvSpPr>
+          <p:cNvPr id="5" name="日期版面配置區 4"/>
+          <p:cNvSpPr>
+            <a:spLocks noGrp="1"/>
+          </p:cNvSpPr>
+          <p:nvPr>
+            <p:ph type="dt" sz="half" idx="10"/>
+          </p:nvPr>
+        </p:nvSpPr>
+        <p:spPr/>
+        <p:txBody>
+          <a:bodyPr/>
+          <a:lstStyle/>
+          <a:p>
+            <a:fld id="{A4F910E6-8D00-4BAF-8C48-9688E0B449D3}" type="datetime1">
+              <a:rPr lang="zh-TW" altLang="en-US" smtClean="0"/>
+              <a:pPr/>
+              <a:t>2020/6/16</a:t>
+            </a:fld>
+            <a:endParaRPr lang="zh-TW" altLang="en-US"/>
+          </a:p>
+        </p:txBody>
+      </p:sp>
+      <p:sp>
+        <p:nvSpPr>
+          <p:cNvPr id="6" name="投影片編號版面配置區 5"/>
+          <p:cNvSpPr>
+            <a:spLocks noGrp="1"/>
+          </p:cNvSpPr>
+          <p:nvPr>
+            <p:ph type="sldNum" sz="quarter" idx="12"/>
+          </p:nvPr>
+        </p:nvSpPr>
+        <p:spPr/>
+        <p:txBody>
+          <a:bodyPr/>
+          <a:lstStyle/>
+          <a:p>
+            <a:fld id="{E4D7E63D-91F2-4366-A2C4-1B00C9E2590E}" type="slidenum">
+              <a:rPr lang="zh-TW" altLang="en-US" smtClean="0"/>
+              <a:pPr/>
+              <a:t>12</a:t>
+            </a:fld>
+            <a:endParaRPr lang="zh-TW" altLang="en-US"/>
+          </a:p>
+        </p:txBody>
+      </p:sp>
+      <p:pic>
+        <p:nvPicPr>
+          <p:cNvPr id="7" name="Picture 6">
+            <a:extLst>
+              <a:ext uri="{FF2B5EF4-FFF2-40B4-BE49-F238E27FC236}">
+                <a16:creationId xmlns:a16="http://schemas.microsoft.com/office/drawing/2014/main" id="{C6C580AA-62EC-4792-B2F7-06B6F499AA33}"/>
+              </a:ext>
+            </a:extLst>
+          </p:cNvPr>
+          <p:cNvPicPr>
+            <a:picLocks noChangeAspect="1"/>
+          </p:cNvPicPr>
+          <p:nvPr/>
+        </p:nvPicPr>
+        <p:blipFill>
+          <a:blip r:embed="rId3"/>
+          <a:stretch>
+            <a:fillRect/>
+          </a:stretch>
+        </p:blipFill>
+        <p:spPr>
+          <a:xfrm>
+            <a:off x="2411760" y="2721472"/>
+            <a:ext cx="3838575" cy="1571625"/>
+          </a:xfrm>
+          <a:prstGeom prst="rect">
+            <a:avLst/>
+          </a:prstGeom>
+          <a:ln>
+            <a:solidFill>
+              <a:srgbClr val="C00000"/>
+            </a:solidFill>
+          </a:ln>
+        </p:spPr>
+      </p:pic>
+    </p:spTree>
+    <p:extLst>
+      <p:ext uri="{BB962C8B-B14F-4D97-AF65-F5344CB8AC3E}">
+        <p14:creationId xmlns:p14="http://schemas.microsoft.com/office/powerpoint/2010/main" val="897472757"/>
+      </p:ext>
+    </p:extLst>
+  </p:cSld>
+  <p:clrMapOvr>
+    <a:masterClrMapping/>
+  </p:clrMapOvr>
+</p:sld>
+</file>
+
+<file path=ppt/slides/slide13.xml><?xml version="1.0" encoding="utf-8"?>
+<p:sld xmlns:a="http://schemas.openxmlformats.org/drawingml/2006/main" xmlns:r="http://schemas.openxmlformats.org/officeDocument/2006/relationships" xmlns:p="http://schemas.openxmlformats.org/presentationml/2006/main">
+  <p:cSld>
+    <p:spTree>
+      <p:nvGrpSpPr>
+        <p:cNvPr id="1" name=""/>
+        <p:cNvGrpSpPr/>
+        <p:nvPr/>
+      </p:nvGrpSpPr>
+      <p:grpSpPr>
+        <a:xfrm>
+          <a:off x="0" y="0"/>
+          <a:ext cx="0" cy="0"/>
+          <a:chOff x="0" y="0"/>
+          <a:chExt cx="0" cy="0"/>
+        </a:xfrm>
+      </p:grpSpPr>
+      <p:sp>
+        <p:nvSpPr>
+          <p:cNvPr id="2" name="標題 1"/>
+          <p:cNvSpPr>
+            <a:spLocks noGrp="1"/>
+          </p:cNvSpPr>
+          <p:nvPr>
+            <p:ph type="ctrTitle"/>
+          </p:nvPr>
+        </p:nvSpPr>
+        <p:spPr>
+          <a:xfrm>
+            <a:off x="0" y="1"/>
+            <a:ext cx="9144000" cy="764704"/>
+          </a:xfrm>
+          <a:gradFill flip="none" rotWithShape="1">
+            <a:gsLst>
+              <a:gs pos="0">
+                <a:srgbClr val="C00000">
+                  <a:shade val="30000"/>
+                  <a:satMod val="115000"/>
+                </a:srgbClr>
+              </a:gs>
+              <a:gs pos="50000">
+                <a:srgbClr val="C00000">
+                  <a:shade val="67500"/>
+                  <a:satMod val="115000"/>
+                </a:srgbClr>
+              </a:gs>
+              <a:gs pos="100000">
+                <a:srgbClr val="C00000">
+                  <a:shade val="100000"/>
+                  <a:satMod val="115000"/>
+                </a:srgbClr>
+              </a:gs>
+            </a:gsLst>
+            <a:path path="circle">
+              <a:fillToRect t="100000" r="100000"/>
+            </a:path>
+            <a:tileRect l="-100000" b="-100000"/>
+          </a:gradFill>
+        </p:spPr>
+        <p:txBody>
+          <a:bodyPr>
+            <a:normAutofit/>
+          </a:bodyPr>
+          <a:lstStyle/>
+          <a:p>
+            <a:pPr algn="l"/>
+            <a:r>
+              <a:rPr lang="en-US" altLang="zh-TW" b="1" dirty="0">
+                <a:solidFill>
+                  <a:srgbClr val="FFFF00"/>
+                </a:solidFill>
+              </a:rPr>
+              <a:t>8 </a:t>
+            </a:r>
+            <a:r>
+              <a:rPr lang="en-US" altLang="zh-TW" b="1" dirty="0" err="1">
+                <a:solidFill>
+                  <a:srgbClr val="FFFF00"/>
+                </a:solidFill>
+              </a:rPr>
+              <a:t>OpenAI</a:t>
+            </a:r>
+            <a:r>
+              <a:rPr lang="en-US" altLang="zh-TW" b="1" dirty="0">
+                <a:solidFill>
+                  <a:srgbClr val="FFFF00"/>
+                </a:solidFill>
+              </a:rPr>
+              <a:t> Gym and Python for Q-Learn</a:t>
+            </a:r>
+            <a:endParaRPr lang="zh-TW" altLang="en-US" b="1" dirty="0">
+              <a:solidFill>
+                <a:srgbClr val="FFFF00"/>
+              </a:solidFill>
+            </a:endParaRPr>
+          </a:p>
+        </p:txBody>
+      </p:sp>
+      <p:sp>
+        <p:nvSpPr>
+          <p:cNvPr id="3" name="副標題 2"/>
+          <p:cNvSpPr>
+            <a:spLocks noGrp="1"/>
+          </p:cNvSpPr>
+          <p:nvPr>
+            <p:ph type="subTitle" idx="1"/>
+          </p:nvPr>
+        </p:nvSpPr>
+        <p:spPr>
+          <a:xfrm>
+            <a:off x="432335" y="1250650"/>
+            <a:ext cx="8352928" cy="738190"/>
+          </a:xfrm>
+          <a:ln>
+            <a:solidFill>
+              <a:srgbClr val="C00000"/>
+            </a:solidFill>
+          </a:ln>
+        </p:spPr>
+        <p:txBody>
+          <a:bodyPr>
+            <a:noAutofit/>
+          </a:bodyPr>
+          <a:lstStyle/>
+          <a:p>
+            <a:pPr marL="342900" indent="-342900" algn="l">
+              <a:buClr>
+                <a:srgbClr val="0070C0"/>
+              </a:buClr>
+              <a:buSzPct val="80000"/>
+              <a:buFont typeface="Wingdings" pitchFamily="2" charset="2"/>
+              <a:buChar char="u"/>
+            </a:pPr>
+            <a:r>
+              <a:rPr lang="en-US" altLang="en-US" sz="1800" b="1" dirty="0">
+                <a:solidFill>
+                  <a:srgbClr val="333333"/>
+                </a:solidFill>
+                <a:latin typeface="montserrat"/>
+              </a:rPr>
+              <a:t>Setting Up Frozen Lake In Code</a:t>
+            </a:r>
+          </a:p>
+          <a:p>
+            <a:pPr marL="342900" indent="-342900" algn="l">
+              <a:buClr>
+                <a:srgbClr val="0070C0"/>
+              </a:buClr>
+              <a:buSzPct val="80000"/>
+              <a:buFont typeface="Wingdings" pitchFamily="2" charset="2"/>
+              <a:buChar char="u"/>
+            </a:pPr>
+            <a:r>
+              <a:rPr lang="en-US" altLang="en-US" sz="1800" dirty="0">
+                <a:solidFill>
+                  <a:srgbClr val="333333"/>
+                </a:solidFill>
+                <a:latin typeface="montserrat"/>
+              </a:rPr>
+              <a:t>Make the environment “FrozenLake-v0” from Gym</a:t>
+            </a:r>
+            <a:r>
+              <a:rPr lang="en-US" altLang="en-US" sz="1800" dirty="0">
+                <a:solidFill>
+                  <a:srgbClr val="333333"/>
+                </a:solidFill>
+                <a:latin typeface="-apple-system"/>
+              </a:rPr>
+              <a:t>.</a:t>
+            </a:r>
+            <a:endParaRPr lang="en-US" altLang="en-US" sz="1800" dirty="0">
+              <a:solidFill>
+                <a:schemeClr val="tx1"/>
+              </a:solidFill>
+              <a:latin typeface="Arial" panose="020B0604020202020204" pitchFamily="34" charset="0"/>
+            </a:endParaRPr>
+          </a:p>
+        </p:txBody>
+      </p:sp>
+      <p:sp>
+        <p:nvSpPr>
+          <p:cNvPr id="4" name="標題 1"/>
+          <p:cNvSpPr txBox="1">
+            <a:spLocks/>
+          </p:cNvSpPr>
+          <p:nvPr/>
+        </p:nvSpPr>
+        <p:spPr>
+          <a:xfrm>
+            <a:off x="0" y="764704"/>
+            <a:ext cx="9144000" cy="360040"/>
+          </a:xfrm>
+          <a:prstGeom prst="rect">
+            <a:avLst/>
+          </a:prstGeom>
+          <a:gradFill flip="none" rotWithShape="1">
+            <a:gsLst>
+              <a:gs pos="0">
+                <a:srgbClr val="00B0F0">
+                  <a:shade val="30000"/>
+                  <a:satMod val="115000"/>
+                </a:srgbClr>
+              </a:gs>
+              <a:gs pos="50000">
+                <a:srgbClr val="00B0F0">
+                  <a:shade val="67500"/>
+                  <a:satMod val="115000"/>
+                </a:srgbClr>
+              </a:gs>
+              <a:gs pos="100000">
+                <a:srgbClr val="00B0F0">
+                  <a:shade val="100000"/>
+                  <a:satMod val="115000"/>
+                </a:srgbClr>
+              </a:gs>
+            </a:gsLst>
+            <a:path path="circle">
+              <a:fillToRect t="100000" r="100000"/>
+            </a:path>
+            <a:tileRect l="-100000" b="-100000"/>
+          </a:gradFill>
+        </p:spPr>
+        <p:txBody>
+          <a:bodyPr vert="horz" lIns="91440" tIns="45720" rIns="91440" bIns="45720" rtlCol="0" anchor="ctr">
+            <a:normAutofit fontScale="92500"/>
+          </a:bodyPr>
+          <a:lstStyle/>
+          <a:p>
+            <a:pPr lvl="0">
+              <a:spcBef>
+                <a:spcPct val="0"/>
+              </a:spcBef>
+            </a:pPr>
+            <a:r>
+              <a:rPr lang="en-US" sz="1600" dirty="0">
+                <a:hlinkClick r:id="rId2"/>
+              </a:rPr>
+              <a:t>https://www.youtube.com/watch?v=QK_PP_2KgGE&amp;list=PLZbbT5o_s2xoWNVdDudn51XM8lOuZ_Njv&amp;index=8</a:t>
+            </a:r>
+            <a:endParaRPr kumimoji="0" lang="zh-TW" altLang="en-US" sz="1600" b="0" i="0" u="none" strike="noStrike" kern="1200" cap="none" spc="0" normalizeH="0" baseline="0" noProof="0" dirty="0">
+              <a:ln>
+                <a:noFill/>
+              </a:ln>
+              <a:solidFill>
+                <a:schemeClr val="tx1"/>
+              </a:solidFill>
+              <a:effectLst/>
+              <a:uLnTx/>
+              <a:uFillTx/>
+              <a:latin typeface="+mj-lt"/>
+              <a:ea typeface="+mj-ea"/>
+              <a:cs typeface="+mj-cs"/>
+            </a:endParaRPr>
+          </a:p>
+        </p:txBody>
+      </p:sp>
+      <p:sp>
+        <p:nvSpPr>
+          <p:cNvPr id="5" name="日期版面配置區 4"/>
+          <p:cNvSpPr>
+            <a:spLocks noGrp="1"/>
+          </p:cNvSpPr>
+          <p:nvPr>
+            <p:ph type="dt" sz="half" idx="10"/>
+          </p:nvPr>
+        </p:nvSpPr>
+        <p:spPr/>
+        <p:txBody>
+          <a:bodyPr/>
+          <a:lstStyle/>
+          <a:p>
+            <a:fld id="{A4F910E6-8D00-4BAF-8C48-9688E0B449D3}" type="datetime1">
+              <a:rPr lang="zh-TW" altLang="en-US" smtClean="0"/>
+              <a:pPr/>
+              <a:t>2020/6/16</a:t>
+            </a:fld>
+            <a:endParaRPr lang="zh-TW" altLang="en-US"/>
+          </a:p>
+        </p:txBody>
+      </p:sp>
+      <p:sp>
+        <p:nvSpPr>
+          <p:cNvPr id="6" name="投影片編號版面配置區 5"/>
+          <p:cNvSpPr>
+            <a:spLocks noGrp="1"/>
+          </p:cNvSpPr>
+          <p:nvPr>
+            <p:ph type="sldNum" sz="quarter" idx="12"/>
+          </p:nvPr>
+        </p:nvSpPr>
+        <p:spPr/>
+        <p:txBody>
+          <a:bodyPr/>
+          <a:lstStyle/>
+          <a:p>
+            <a:fld id="{E4D7E63D-91F2-4366-A2C4-1B00C9E2590E}" type="slidenum">
+              <a:rPr lang="zh-TW" altLang="en-US" smtClean="0"/>
+              <a:pPr/>
+              <a:t>13</a:t>
+            </a:fld>
+            <a:endParaRPr lang="zh-TW" altLang="en-US"/>
+          </a:p>
+        </p:txBody>
+      </p:sp>
+      <p:pic>
+        <p:nvPicPr>
+          <p:cNvPr id="8" name="Picture 7">
+            <a:extLst>
+              <a:ext uri="{FF2B5EF4-FFF2-40B4-BE49-F238E27FC236}">
+                <a16:creationId xmlns:a16="http://schemas.microsoft.com/office/drawing/2014/main" id="{C2A59732-84A1-4C81-BAC9-9227B05B06A7}"/>
+              </a:ext>
+            </a:extLst>
+          </p:cNvPr>
+          <p:cNvPicPr>
+            <a:picLocks noChangeAspect="1"/>
+          </p:cNvPicPr>
+          <p:nvPr/>
+        </p:nvPicPr>
+        <p:blipFill>
+          <a:blip r:embed="rId3"/>
+          <a:stretch>
+            <a:fillRect/>
+          </a:stretch>
+        </p:blipFill>
+        <p:spPr>
+          <a:xfrm>
+            <a:off x="2483768" y="2204864"/>
+            <a:ext cx="2867025" cy="428625"/>
+          </a:xfrm>
+          <a:prstGeom prst="rect">
+            <a:avLst/>
+          </a:prstGeom>
+          <a:ln>
+            <a:solidFill>
+              <a:srgbClr val="C00000"/>
+            </a:solidFill>
+          </a:ln>
+        </p:spPr>
+      </p:pic>
+    </p:spTree>
+    <p:extLst>
+      <p:ext uri="{BB962C8B-B14F-4D97-AF65-F5344CB8AC3E}">
+        <p14:creationId xmlns:p14="http://schemas.microsoft.com/office/powerpoint/2010/main" val="3239124166"/>
+      </p:ext>
+    </p:extLst>
+  </p:cSld>
+  <p:clrMapOvr>
+    <a:masterClrMapping/>
+  </p:clrMapOvr>
+</p:sld>
+</file>
+
+<file path=ppt/slides/slide14.xml><?xml version="1.0" encoding="utf-8"?>
+<p:sld xmlns:a="http://schemas.openxmlformats.org/drawingml/2006/main" xmlns:r="http://schemas.openxmlformats.org/officeDocument/2006/relationships" xmlns:p="http://schemas.openxmlformats.org/presentationml/2006/main">
+  <p:cSld>
+    <p:spTree>
+      <p:nvGrpSpPr>
+        <p:cNvPr id="1" name=""/>
+        <p:cNvGrpSpPr/>
+        <p:nvPr/>
+      </p:nvGrpSpPr>
+      <p:grpSpPr>
+        <a:xfrm>
+          <a:off x="0" y="0"/>
+          <a:ext cx="0" cy="0"/>
+          <a:chOff x="0" y="0"/>
+          <a:chExt cx="0" cy="0"/>
+        </a:xfrm>
+      </p:grpSpPr>
+      <p:sp>
+        <p:nvSpPr>
+          <p:cNvPr id="2" name="標題 1"/>
+          <p:cNvSpPr>
+            <a:spLocks noGrp="1"/>
+          </p:cNvSpPr>
+          <p:nvPr>
+            <p:ph type="ctrTitle"/>
+          </p:nvPr>
+        </p:nvSpPr>
+        <p:spPr>
+          <a:xfrm>
+            <a:off x="0" y="1"/>
+            <a:ext cx="9144000" cy="764704"/>
+          </a:xfrm>
+          <a:gradFill flip="none" rotWithShape="1">
+            <a:gsLst>
+              <a:gs pos="0">
+                <a:srgbClr val="C00000">
+                  <a:shade val="30000"/>
+                  <a:satMod val="115000"/>
+                </a:srgbClr>
+              </a:gs>
+              <a:gs pos="50000">
+                <a:srgbClr val="C00000">
+                  <a:shade val="67500"/>
+                  <a:satMod val="115000"/>
+                </a:srgbClr>
+              </a:gs>
+              <a:gs pos="100000">
+                <a:srgbClr val="C00000">
+                  <a:shade val="100000"/>
+                  <a:satMod val="115000"/>
+                </a:srgbClr>
+              </a:gs>
+            </a:gsLst>
+            <a:path path="circle">
+              <a:fillToRect t="100000" r="100000"/>
+            </a:path>
+            <a:tileRect l="-100000" b="-100000"/>
+          </a:gradFill>
+        </p:spPr>
+        <p:txBody>
+          <a:bodyPr>
+            <a:normAutofit/>
+          </a:bodyPr>
+          <a:lstStyle/>
+          <a:p>
+            <a:pPr algn="l"/>
+            <a:r>
+              <a:rPr lang="en-US" altLang="zh-TW" b="1" dirty="0">
+                <a:solidFill>
+                  <a:srgbClr val="FFFF00"/>
+                </a:solidFill>
+              </a:rPr>
+              <a:t>8 </a:t>
+            </a:r>
+            <a:r>
+              <a:rPr lang="en-US" altLang="zh-TW" b="1" dirty="0" err="1">
+                <a:solidFill>
+                  <a:srgbClr val="FFFF00"/>
+                </a:solidFill>
+              </a:rPr>
+              <a:t>OpenAI</a:t>
+            </a:r>
+            <a:r>
+              <a:rPr lang="en-US" altLang="zh-TW" b="1" dirty="0">
+                <a:solidFill>
+                  <a:srgbClr val="FFFF00"/>
+                </a:solidFill>
+              </a:rPr>
+              <a:t> Gym and Python for Q-Learn</a:t>
+            </a:r>
+            <a:endParaRPr lang="zh-TW" altLang="en-US" b="1" dirty="0">
+              <a:solidFill>
+                <a:srgbClr val="FFFF00"/>
+              </a:solidFill>
+            </a:endParaRPr>
+          </a:p>
+        </p:txBody>
+      </p:sp>
+      <p:sp>
+        <p:nvSpPr>
+          <p:cNvPr id="3" name="副標題 2"/>
+          <p:cNvSpPr>
+            <a:spLocks noGrp="1"/>
+          </p:cNvSpPr>
+          <p:nvPr>
+            <p:ph type="subTitle" idx="1"/>
+          </p:nvPr>
+        </p:nvSpPr>
+        <p:spPr>
+          <a:xfrm>
+            <a:off x="432335" y="1250650"/>
+            <a:ext cx="8352928" cy="1037410"/>
+          </a:xfrm>
+          <a:ln>
+            <a:solidFill>
+              <a:srgbClr val="C00000"/>
+            </a:solidFill>
+          </a:ln>
+        </p:spPr>
+        <p:txBody>
+          <a:bodyPr>
+            <a:noAutofit/>
+          </a:bodyPr>
+          <a:lstStyle/>
+          <a:p>
+            <a:pPr marL="342900" indent="-342900" algn="l">
+              <a:buClr>
+                <a:srgbClr val="0070C0"/>
+              </a:buClr>
+              <a:buSzPct val="80000"/>
+              <a:buFont typeface="Wingdings" pitchFamily="2" charset="2"/>
+              <a:buChar char="u"/>
+            </a:pPr>
+            <a:r>
+              <a:rPr lang="en-US" altLang="en-US" sz="1800" b="1" dirty="0">
+                <a:solidFill>
+                  <a:srgbClr val="333333"/>
+                </a:solidFill>
+                <a:latin typeface="montserrat"/>
+              </a:rPr>
+              <a:t>Setting Up Frozen Lake In Code</a:t>
+            </a:r>
+          </a:p>
+          <a:p>
+            <a:pPr marL="342900" indent="-342900" algn="l">
+              <a:buClr>
+                <a:srgbClr val="0070C0"/>
+              </a:buClr>
+              <a:buSzPct val="80000"/>
+              <a:buFont typeface="Wingdings" pitchFamily="2" charset="2"/>
+              <a:buChar char="u"/>
+            </a:pPr>
+            <a:r>
+              <a:rPr lang="en-US" altLang="en-US" sz="1800" dirty="0">
+                <a:solidFill>
+                  <a:srgbClr val="333333"/>
+                </a:solidFill>
+                <a:latin typeface="montserrat"/>
+              </a:rPr>
+              <a:t>Get the action size (4) and state size (16).</a:t>
+            </a:r>
+          </a:p>
+          <a:p>
+            <a:pPr marL="342900" indent="-342900" algn="l">
+              <a:buClr>
+                <a:srgbClr val="0070C0"/>
+              </a:buClr>
+              <a:buSzPct val="80000"/>
+              <a:buFont typeface="Wingdings" pitchFamily="2" charset="2"/>
+              <a:buChar char="u"/>
+            </a:pPr>
+            <a:r>
+              <a:rPr lang="en-US" altLang="en-US" sz="1800" dirty="0">
+                <a:solidFill>
+                  <a:srgbClr val="333333"/>
+                </a:solidFill>
+                <a:latin typeface="montserrat"/>
+              </a:rPr>
+              <a:t>Fill out the </a:t>
+            </a:r>
+            <a:r>
+              <a:rPr lang="en-US" altLang="en-US" sz="1800" dirty="0" err="1">
+                <a:solidFill>
+                  <a:srgbClr val="333333"/>
+                </a:solidFill>
+                <a:latin typeface="montserrat"/>
+              </a:rPr>
+              <a:t>qtable</a:t>
+            </a:r>
+            <a:r>
+              <a:rPr lang="en-US" altLang="en-US" sz="1800" dirty="0">
+                <a:solidFill>
+                  <a:srgbClr val="333333"/>
+                </a:solidFill>
+                <a:latin typeface="montserrat"/>
+              </a:rPr>
+              <a:t> with zeros.</a:t>
+            </a:r>
+            <a:endParaRPr lang="en-US" altLang="en-US" sz="1800" dirty="0">
+              <a:solidFill>
+                <a:schemeClr val="tx1"/>
+              </a:solidFill>
+              <a:latin typeface="Arial" panose="020B0604020202020204" pitchFamily="34" charset="0"/>
+            </a:endParaRPr>
+          </a:p>
+        </p:txBody>
+      </p:sp>
+      <p:sp>
+        <p:nvSpPr>
+          <p:cNvPr id="4" name="標題 1"/>
+          <p:cNvSpPr txBox="1">
+            <a:spLocks/>
+          </p:cNvSpPr>
+          <p:nvPr/>
+        </p:nvSpPr>
+        <p:spPr>
+          <a:xfrm>
+            <a:off x="0" y="764704"/>
+            <a:ext cx="9144000" cy="360040"/>
+          </a:xfrm>
+          <a:prstGeom prst="rect">
+            <a:avLst/>
+          </a:prstGeom>
+          <a:gradFill flip="none" rotWithShape="1">
+            <a:gsLst>
+              <a:gs pos="0">
+                <a:srgbClr val="00B0F0">
+                  <a:shade val="30000"/>
+                  <a:satMod val="115000"/>
+                </a:srgbClr>
+              </a:gs>
+              <a:gs pos="50000">
+                <a:srgbClr val="00B0F0">
+                  <a:shade val="67500"/>
+                  <a:satMod val="115000"/>
+                </a:srgbClr>
+              </a:gs>
+              <a:gs pos="100000">
+                <a:srgbClr val="00B0F0">
+                  <a:shade val="100000"/>
+                  <a:satMod val="115000"/>
+                </a:srgbClr>
+              </a:gs>
+            </a:gsLst>
+            <a:path path="circle">
+              <a:fillToRect t="100000" r="100000"/>
+            </a:path>
+            <a:tileRect l="-100000" b="-100000"/>
+          </a:gradFill>
+        </p:spPr>
+        <p:txBody>
+          <a:bodyPr vert="horz" lIns="91440" tIns="45720" rIns="91440" bIns="45720" rtlCol="0" anchor="ctr">
+            <a:normAutofit fontScale="92500"/>
+          </a:bodyPr>
+          <a:lstStyle/>
+          <a:p>
+            <a:pPr lvl="0">
+              <a:spcBef>
+                <a:spcPct val="0"/>
+              </a:spcBef>
+            </a:pPr>
+            <a:r>
+              <a:rPr lang="en-US" sz="1600" dirty="0">
+                <a:hlinkClick r:id="rId2"/>
+              </a:rPr>
+              <a:t>https://www.youtube.com/watch?v=QK_PP_2KgGE&amp;list=PLZbbT5o_s2xoWNVdDudn51XM8lOuZ_Njv&amp;index=8</a:t>
+            </a:r>
+            <a:endParaRPr kumimoji="0" lang="zh-TW" altLang="en-US" sz="1600" b="0" i="0" u="none" strike="noStrike" kern="1200" cap="none" spc="0" normalizeH="0" baseline="0" noProof="0" dirty="0">
+              <a:ln>
+                <a:noFill/>
+              </a:ln>
+              <a:solidFill>
+                <a:schemeClr val="tx1"/>
+              </a:solidFill>
+              <a:effectLst/>
+              <a:uLnTx/>
+              <a:uFillTx/>
+              <a:latin typeface="+mj-lt"/>
+              <a:ea typeface="+mj-ea"/>
+              <a:cs typeface="+mj-cs"/>
+            </a:endParaRPr>
+          </a:p>
+        </p:txBody>
+      </p:sp>
+      <p:sp>
+        <p:nvSpPr>
+          <p:cNvPr id="5" name="日期版面配置區 4"/>
+          <p:cNvSpPr>
+            <a:spLocks noGrp="1"/>
+          </p:cNvSpPr>
+          <p:nvPr>
+            <p:ph type="dt" sz="half" idx="10"/>
+          </p:nvPr>
+        </p:nvSpPr>
+        <p:spPr/>
+        <p:txBody>
+          <a:bodyPr/>
+          <a:lstStyle/>
+          <a:p>
+            <a:fld id="{A4F910E6-8D00-4BAF-8C48-9688E0B449D3}" type="datetime1">
+              <a:rPr lang="zh-TW" altLang="en-US" smtClean="0"/>
+              <a:pPr/>
+              <a:t>2020/6/16</a:t>
+            </a:fld>
+            <a:endParaRPr lang="zh-TW" altLang="en-US"/>
+          </a:p>
+        </p:txBody>
+      </p:sp>
+      <p:sp>
+        <p:nvSpPr>
+          <p:cNvPr id="6" name="投影片編號版面配置區 5"/>
+          <p:cNvSpPr>
+            <a:spLocks noGrp="1"/>
+          </p:cNvSpPr>
+          <p:nvPr>
+            <p:ph type="sldNum" sz="quarter" idx="12"/>
+          </p:nvPr>
+        </p:nvSpPr>
+        <p:spPr/>
+        <p:txBody>
+          <a:bodyPr/>
+          <a:lstStyle/>
+          <a:p>
+            <a:fld id="{E4D7E63D-91F2-4366-A2C4-1B00C9E2590E}" type="slidenum">
+              <a:rPr lang="zh-TW" altLang="en-US" smtClean="0"/>
+              <a:pPr/>
+              <a:t>14</a:t>
+            </a:fld>
+            <a:endParaRPr lang="zh-TW" altLang="en-US"/>
+          </a:p>
+        </p:txBody>
+      </p:sp>
+      <p:pic>
+        <p:nvPicPr>
+          <p:cNvPr id="7" name="Picture 6">
+            <a:extLst>
+              <a:ext uri="{FF2B5EF4-FFF2-40B4-BE49-F238E27FC236}">
+                <a16:creationId xmlns:a16="http://schemas.microsoft.com/office/drawing/2014/main" id="{B7704A33-8B21-49B1-926E-09477966BCEB}"/>
+              </a:ext>
+            </a:extLst>
+          </p:cNvPr>
+          <p:cNvPicPr>
+            <a:picLocks noChangeAspect="1"/>
+          </p:cNvPicPr>
+          <p:nvPr/>
+        </p:nvPicPr>
+        <p:blipFill>
+          <a:blip r:embed="rId3"/>
+          <a:stretch>
+            <a:fillRect/>
+          </a:stretch>
+        </p:blipFill>
+        <p:spPr>
+          <a:xfrm>
+            <a:off x="1115616" y="2452627"/>
+            <a:ext cx="4848225" cy="2124075"/>
+          </a:xfrm>
+          <a:prstGeom prst="rect">
+            <a:avLst/>
+          </a:prstGeom>
+          <a:ln>
+            <a:solidFill>
+              <a:srgbClr val="C00000"/>
+            </a:solidFill>
+          </a:ln>
+        </p:spPr>
+      </p:pic>
+      <p:pic>
+        <p:nvPicPr>
+          <p:cNvPr id="9" name="Picture 8">
+            <a:extLst>
+              <a:ext uri="{FF2B5EF4-FFF2-40B4-BE49-F238E27FC236}">
+                <a16:creationId xmlns:a16="http://schemas.microsoft.com/office/drawing/2014/main" id="{7527DEF1-C1A7-49CD-8E10-E9070A5C399E}"/>
+              </a:ext>
+            </a:extLst>
+          </p:cNvPr>
+          <p:cNvPicPr>
+            <a:picLocks noChangeAspect="1"/>
+          </p:cNvPicPr>
+          <p:nvPr/>
+        </p:nvPicPr>
+        <p:blipFill>
+          <a:blip r:embed="rId4"/>
+          <a:stretch>
+            <a:fillRect/>
+          </a:stretch>
+        </p:blipFill>
+        <p:spPr>
+          <a:xfrm>
+            <a:off x="6228184" y="2413966"/>
+            <a:ext cx="1581150" cy="2905125"/>
+          </a:xfrm>
+          <a:prstGeom prst="rect">
+            <a:avLst/>
+          </a:prstGeom>
+          <a:ln>
+            <a:solidFill>
+              <a:srgbClr val="C00000"/>
+            </a:solidFill>
+          </a:ln>
+        </p:spPr>
+      </p:pic>
+    </p:spTree>
+    <p:extLst>
+      <p:ext uri="{BB962C8B-B14F-4D97-AF65-F5344CB8AC3E}">
+        <p14:creationId xmlns:p14="http://schemas.microsoft.com/office/powerpoint/2010/main" val="2280818451"/>
+      </p:ext>
+    </p:extLst>
+  </p:cSld>
+  <p:clrMapOvr>
+    <a:masterClrMapping/>
+  </p:clrMapOvr>
+</p:sld>
+</file>
+
+<file path=ppt/slides/slide15.xml><?xml version="1.0" encoding="utf-8"?>
+<p:sld xmlns:a="http://schemas.openxmlformats.org/drawingml/2006/main" xmlns:r="http://schemas.openxmlformats.org/officeDocument/2006/relationships" xmlns:p="http://schemas.openxmlformats.org/presentationml/2006/main">
+  <p:cSld>
+    <p:spTree>
+      <p:nvGrpSpPr>
+        <p:cNvPr id="1" name=""/>
+        <p:cNvGrpSpPr/>
+        <p:nvPr/>
+      </p:nvGrpSpPr>
+      <p:grpSpPr>
+        <a:xfrm>
+          <a:off x="0" y="0"/>
+          <a:ext cx="0" cy="0"/>
+          <a:chOff x="0" y="0"/>
+          <a:chExt cx="0" cy="0"/>
+        </a:xfrm>
+      </p:grpSpPr>
+      <p:sp>
+        <p:nvSpPr>
+          <p:cNvPr id="2" name="標題 1"/>
+          <p:cNvSpPr>
+            <a:spLocks noGrp="1"/>
+          </p:cNvSpPr>
+          <p:nvPr>
+            <p:ph type="ctrTitle"/>
+          </p:nvPr>
+        </p:nvSpPr>
+        <p:spPr>
+          <a:xfrm>
+            <a:off x="0" y="1"/>
+            <a:ext cx="9144000" cy="764704"/>
+          </a:xfrm>
+          <a:gradFill flip="none" rotWithShape="1">
+            <a:gsLst>
+              <a:gs pos="0">
+                <a:srgbClr val="C00000">
+                  <a:shade val="30000"/>
+                  <a:satMod val="115000"/>
+                </a:srgbClr>
+              </a:gs>
+              <a:gs pos="50000">
+                <a:srgbClr val="C00000">
+                  <a:shade val="67500"/>
+                  <a:satMod val="115000"/>
+                </a:srgbClr>
+              </a:gs>
+              <a:gs pos="100000">
+                <a:srgbClr val="C00000">
+                  <a:shade val="100000"/>
+                  <a:satMod val="115000"/>
+                </a:srgbClr>
+              </a:gs>
+            </a:gsLst>
+            <a:path path="circle">
+              <a:fillToRect t="100000" r="100000"/>
+            </a:path>
+            <a:tileRect l="-100000" b="-100000"/>
+          </a:gradFill>
+        </p:spPr>
+        <p:txBody>
+          <a:bodyPr>
+            <a:normAutofit/>
+          </a:bodyPr>
+          <a:lstStyle/>
+          <a:p>
+            <a:pPr algn="l"/>
+            <a:r>
+              <a:rPr lang="en-US" altLang="zh-TW" b="1" dirty="0">
+                <a:solidFill>
+                  <a:srgbClr val="FFFF00"/>
+                </a:solidFill>
+              </a:rPr>
+              <a:t>8 </a:t>
+            </a:r>
+            <a:r>
+              <a:rPr lang="en-US" altLang="zh-TW" b="1" dirty="0" err="1">
+                <a:solidFill>
+                  <a:srgbClr val="FFFF00"/>
+                </a:solidFill>
+              </a:rPr>
+              <a:t>OpenAI</a:t>
+            </a:r>
+            <a:r>
+              <a:rPr lang="en-US" altLang="zh-TW" b="1" dirty="0">
+                <a:solidFill>
+                  <a:srgbClr val="FFFF00"/>
+                </a:solidFill>
+              </a:rPr>
+              <a:t> Gym and Python for Q-Learn</a:t>
+            </a:r>
+            <a:endParaRPr lang="zh-TW" altLang="en-US" b="1" dirty="0">
+              <a:solidFill>
+                <a:srgbClr val="FFFF00"/>
+              </a:solidFill>
+            </a:endParaRPr>
+          </a:p>
+        </p:txBody>
+      </p:sp>
+      <p:sp>
+        <p:nvSpPr>
+          <p:cNvPr id="3" name="副標題 2"/>
+          <p:cNvSpPr>
+            <a:spLocks noGrp="1"/>
+          </p:cNvSpPr>
+          <p:nvPr>
+            <p:ph type="subTitle" idx="1"/>
+          </p:nvPr>
+        </p:nvSpPr>
+        <p:spPr>
+          <a:xfrm>
+            <a:off x="432335" y="1250650"/>
+            <a:ext cx="8352928" cy="738190"/>
+          </a:xfrm>
+          <a:ln>
+            <a:solidFill>
+              <a:srgbClr val="C00000"/>
+            </a:solidFill>
+          </a:ln>
+        </p:spPr>
+        <p:txBody>
+          <a:bodyPr>
+            <a:noAutofit/>
+          </a:bodyPr>
+          <a:lstStyle/>
+          <a:p>
+            <a:pPr marL="342900" indent="-342900" algn="l">
+              <a:buClr>
+                <a:srgbClr val="0070C0"/>
+              </a:buClr>
+              <a:buSzPct val="80000"/>
+              <a:buFont typeface="Wingdings" pitchFamily="2" charset="2"/>
+              <a:buChar char="u"/>
+            </a:pPr>
+            <a:r>
+              <a:rPr lang="en-US" altLang="en-US" sz="1800" b="1" dirty="0">
+                <a:solidFill>
+                  <a:srgbClr val="333333"/>
+                </a:solidFill>
+                <a:latin typeface="montserrat"/>
+              </a:rPr>
+              <a:t>Setting Up Frozen Lake In Code</a:t>
+            </a:r>
+          </a:p>
+          <a:p>
+            <a:pPr marL="342900" indent="-342900" algn="l">
+              <a:buClr>
+                <a:srgbClr val="0070C0"/>
+              </a:buClr>
+              <a:buSzPct val="80000"/>
+              <a:buFont typeface="Wingdings" pitchFamily="2" charset="2"/>
+              <a:buChar char="u"/>
+            </a:pPr>
+            <a:r>
+              <a:rPr lang="en-US" altLang="en-US" sz="1800" dirty="0">
+                <a:solidFill>
+                  <a:srgbClr val="333333"/>
+                </a:solidFill>
+                <a:latin typeface="montserrat"/>
+              </a:rPr>
+              <a:t>Setup Parameters:</a:t>
+            </a:r>
+            <a:endParaRPr lang="en-US" altLang="en-US" sz="1800" dirty="0">
+              <a:solidFill>
+                <a:schemeClr val="tx1"/>
+              </a:solidFill>
+              <a:latin typeface="Arial" panose="020B0604020202020204" pitchFamily="34" charset="0"/>
+            </a:endParaRPr>
+          </a:p>
+        </p:txBody>
+      </p:sp>
+      <p:sp>
+        <p:nvSpPr>
+          <p:cNvPr id="4" name="標題 1"/>
+          <p:cNvSpPr txBox="1">
+            <a:spLocks/>
+          </p:cNvSpPr>
+          <p:nvPr/>
+        </p:nvSpPr>
+        <p:spPr>
+          <a:xfrm>
+            <a:off x="0" y="764704"/>
+            <a:ext cx="9144000" cy="360040"/>
+          </a:xfrm>
+          <a:prstGeom prst="rect">
+            <a:avLst/>
+          </a:prstGeom>
+          <a:gradFill flip="none" rotWithShape="1">
+            <a:gsLst>
+              <a:gs pos="0">
+                <a:srgbClr val="00B0F0">
+                  <a:shade val="30000"/>
+                  <a:satMod val="115000"/>
+                </a:srgbClr>
+              </a:gs>
+              <a:gs pos="50000">
+                <a:srgbClr val="00B0F0">
+                  <a:shade val="67500"/>
+                  <a:satMod val="115000"/>
+                </a:srgbClr>
+              </a:gs>
+              <a:gs pos="100000">
+                <a:srgbClr val="00B0F0">
+                  <a:shade val="100000"/>
+                  <a:satMod val="115000"/>
+                </a:srgbClr>
+              </a:gs>
+            </a:gsLst>
+            <a:path path="circle">
+              <a:fillToRect t="100000" r="100000"/>
+            </a:path>
+            <a:tileRect l="-100000" b="-100000"/>
+          </a:gradFill>
+        </p:spPr>
+        <p:txBody>
+          <a:bodyPr vert="horz" lIns="91440" tIns="45720" rIns="91440" bIns="45720" rtlCol="0" anchor="ctr">
+            <a:normAutofit fontScale="92500"/>
+          </a:bodyPr>
+          <a:lstStyle/>
+          <a:p>
+            <a:pPr lvl="0">
+              <a:spcBef>
+                <a:spcPct val="0"/>
+              </a:spcBef>
+            </a:pPr>
+            <a:r>
+              <a:rPr lang="en-US" sz="1600" dirty="0">
+                <a:hlinkClick r:id="rId2"/>
+              </a:rPr>
+              <a:t>https://www.youtube.com/watch?v=QK_PP_2KgGE&amp;list=PLZbbT5o_s2xoWNVdDudn51XM8lOuZ_Njv&amp;index=8</a:t>
+            </a:r>
+            <a:endParaRPr kumimoji="0" lang="zh-TW" altLang="en-US" sz="1600" b="0" i="0" u="none" strike="noStrike" kern="1200" cap="none" spc="0" normalizeH="0" baseline="0" noProof="0" dirty="0">
+              <a:ln>
+                <a:noFill/>
+              </a:ln>
+              <a:solidFill>
+                <a:schemeClr val="tx1"/>
+              </a:solidFill>
+              <a:effectLst/>
+              <a:uLnTx/>
+              <a:uFillTx/>
+              <a:latin typeface="+mj-lt"/>
+              <a:ea typeface="+mj-ea"/>
+              <a:cs typeface="+mj-cs"/>
+            </a:endParaRPr>
+          </a:p>
+        </p:txBody>
+      </p:sp>
+      <p:sp>
+        <p:nvSpPr>
+          <p:cNvPr id="5" name="日期版面配置區 4"/>
+          <p:cNvSpPr>
+            <a:spLocks noGrp="1"/>
+          </p:cNvSpPr>
+          <p:nvPr>
+            <p:ph type="dt" sz="half" idx="10"/>
+          </p:nvPr>
+        </p:nvSpPr>
+        <p:spPr/>
+        <p:txBody>
+          <a:bodyPr/>
+          <a:lstStyle/>
+          <a:p>
+            <a:fld id="{A4F910E6-8D00-4BAF-8C48-9688E0B449D3}" type="datetime1">
+              <a:rPr lang="zh-TW" altLang="en-US" smtClean="0"/>
+              <a:pPr/>
+              <a:t>2020/6/16</a:t>
+            </a:fld>
+            <a:endParaRPr lang="zh-TW" altLang="en-US"/>
+          </a:p>
+        </p:txBody>
+      </p:sp>
+      <p:sp>
+        <p:nvSpPr>
+          <p:cNvPr id="6" name="投影片編號版面配置區 5"/>
+          <p:cNvSpPr>
+            <a:spLocks noGrp="1"/>
+          </p:cNvSpPr>
+          <p:nvPr>
+            <p:ph type="sldNum" sz="quarter" idx="12"/>
+          </p:nvPr>
+        </p:nvSpPr>
+        <p:spPr/>
+        <p:txBody>
+          <a:bodyPr/>
+          <a:lstStyle/>
+          <a:p>
+            <a:fld id="{E4D7E63D-91F2-4366-A2C4-1B00C9E2590E}" type="slidenum">
+              <a:rPr lang="zh-TW" altLang="en-US" smtClean="0"/>
+              <a:pPr/>
+              <a:t>15</a:t>
+            </a:fld>
+            <a:endParaRPr lang="zh-TW" altLang="en-US"/>
+          </a:p>
+        </p:txBody>
+      </p:sp>
+      <p:pic>
+        <p:nvPicPr>
+          <p:cNvPr id="8" name="Picture 7">
+            <a:extLst>
+              <a:ext uri="{FF2B5EF4-FFF2-40B4-BE49-F238E27FC236}">
+                <a16:creationId xmlns:a16="http://schemas.microsoft.com/office/drawing/2014/main" id="{D2BE042A-EAFE-4CDA-A053-128AFA8EAF89}"/>
+              </a:ext>
+            </a:extLst>
+          </p:cNvPr>
+          <p:cNvPicPr>
+            <a:picLocks noChangeAspect="1"/>
+          </p:cNvPicPr>
+          <p:nvPr/>
+        </p:nvPicPr>
+        <p:blipFill>
+          <a:blip r:embed="rId3"/>
+          <a:stretch>
+            <a:fillRect/>
+          </a:stretch>
+        </p:blipFill>
+        <p:spPr>
+          <a:xfrm>
+            <a:off x="2267744" y="2276872"/>
+            <a:ext cx="2971800" cy="3143250"/>
+          </a:xfrm>
+          <a:prstGeom prst="rect">
+            <a:avLst/>
+          </a:prstGeom>
+          <a:ln>
+            <a:solidFill>
+              <a:srgbClr val="C00000"/>
+            </a:solidFill>
+          </a:ln>
+        </p:spPr>
+      </p:pic>
+    </p:spTree>
+    <p:extLst>
+      <p:ext uri="{BB962C8B-B14F-4D97-AF65-F5344CB8AC3E}">
+        <p14:creationId xmlns:p14="http://schemas.microsoft.com/office/powerpoint/2010/main" val="3786495006"/>
+      </p:ext>
+    </p:extLst>
+  </p:cSld>
+  <p:clrMapOvr>
+    <a:masterClrMapping/>
+  </p:clrMapOvr>
+</p:sld>
+</file>
+
+<file path=ppt/slides/slide16.xml><?xml version="1.0" encoding="utf-8"?>
+<p:sld xmlns:a="http://schemas.openxmlformats.org/drawingml/2006/main" xmlns:r="http://schemas.openxmlformats.org/officeDocument/2006/relationships" xmlns:p="http://schemas.openxmlformats.org/presentationml/2006/main">
+  <p:cSld>
+    <p:spTree>
+      <p:nvGrpSpPr>
+        <p:cNvPr id="1" name=""/>
+        <p:cNvGrpSpPr/>
+        <p:nvPr/>
+      </p:nvGrpSpPr>
+      <p:grpSpPr>
+        <a:xfrm>
+          <a:off x="0" y="0"/>
+          <a:ext cx="0" cy="0"/>
+          <a:chOff x="0" y="0"/>
+          <a:chExt cx="0" cy="0"/>
+        </a:xfrm>
+      </p:grpSpPr>
+      <p:sp>
+        <p:nvSpPr>
+          <p:cNvPr id="2" name="標題 1"/>
+          <p:cNvSpPr>
+            <a:spLocks noGrp="1"/>
+          </p:cNvSpPr>
+          <p:nvPr>
+            <p:ph type="ctrTitle"/>
+          </p:nvPr>
+        </p:nvSpPr>
+        <p:spPr>
+          <a:xfrm>
             <a:off x="0" y="2130425"/>
             <a:ext cx="9144000" cy="1470025"/>
           </a:xfrm>
@@ -3977,7 +7187,7 @@
             <a:fld id="{C389EDC9-19E3-47AC-9C57-C6A24DEA81AD}" type="datetime1">
               <a:rPr lang="zh-TW" altLang="en-US" smtClean="0"/>
               <a:pPr/>
-              <a:t>2020/6/15</a:t>
+              <a:t>2020/6/16</a:t>
             </a:fld>
             <a:endParaRPr lang="zh-TW" altLang="en-US"/>
           </a:p>
@@ -4001,7 +7211,7 @@
             <a:fld id="{E4D7E63D-91F2-4366-A2C4-1B00C9E2590E}" type="slidenum">
               <a:rPr lang="zh-TW" altLang="en-US" smtClean="0"/>
               <a:pPr/>
-              <a:t>3</a:t>
+              <a:t>16</a:t>
             </a:fld>
             <a:endParaRPr lang="zh-TW" altLang="en-US"/>
           </a:p>
@@ -4067,7 +7277,7 @@
 </p:sld>
 </file>
 
-<file path=ppt/slides/slide4.xml><?xml version="1.0" encoding="utf-8"?>
+<file path=ppt/slides/slide17.xml><?xml version="1.0" encoding="utf-8"?>
 <p:sld xmlns:a="http://schemas.openxmlformats.org/drawingml/2006/main" xmlns:r="http://schemas.openxmlformats.org/officeDocument/2006/relationships" xmlns:p="http://schemas.openxmlformats.org/presentationml/2006/main">
   <p:cSld>
     <p:spTree>
@@ -4162,7 +7372,7 @@
         <p:spPr>
           <a:xfrm>
             <a:off x="467544" y="1268759"/>
-            <a:ext cx="1296144" cy="432049"/>
+            <a:ext cx="8064896" cy="4608513"/>
           </a:xfrm>
           <a:ln>
             <a:solidFill>
@@ -4192,6 +7402,548 @@
               </a:rPr>
               <a:t>Quiz</a:t>
             </a:r>
+          </a:p>
+          <a:p>
+            <a:pPr marL="342900" indent="-342900" algn="l">
+              <a:buClr>
+                <a:srgbClr val="0070C0"/>
+              </a:buClr>
+              <a:buSzPct val="80000"/>
+              <a:buFont typeface="Wingdings" pitchFamily="2" charset="2"/>
+              <a:buChar char="u"/>
+            </a:pPr>
+            <a:r>
+              <a:rPr lang="en-US" sz="1800" dirty="0">
+                <a:solidFill>
+                  <a:schemeClr val="tx1"/>
+                </a:solidFill>
+              </a:rPr>
+              <a:t>1. What is </a:t>
+            </a:r>
+            <a:r>
+              <a:rPr lang="en-US" sz="1800" dirty="0" err="1">
+                <a:solidFill>
+                  <a:schemeClr val="tx1"/>
+                </a:solidFill>
+              </a:rPr>
+              <a:t>OpenAI</a:t>
+            </a:r>
+            <a:r>
+              <a:rPr lang="en-US" sz="1800" dirty="0">
+                <a:solidFill>
+                  <a:schemeClr val="tx1"/>
+                </a:solidFill>
+              </a:rPr>
+              <a:t> Gym Library?</a:t>
+            </a:r>
+          </a:p>
+          <a:p>
+            <a:pPr marL="342900" indent="-342900" algn="l">
+              <a:buClr>
+                <a:srgbClr val="0070C0"/>
+              </a:buClr>
+              <a:buSzPct val="80000"/>
+              <a:buFont typeface="Wingdings" pitchFamily="2" charset="2"/>
+              <a:buChar char="u"/>
+            </a:pPr>
+            <a:r>
+              <a:rPr lang="en-US" sz="1800" dirty="0">
+                <a:solidFill>
+                  <a:schemeClr val="tx1"/>
+                </a:solidFill>
+              </a:rPr>
+              <a:t>Ans: The </a:t>
+            </a:r>
+            <a:r>
+              <a:rPr lang="en-US" sz="1800" dirty="0" err="1">
+                <a:solidFill>
+                  <a:schemeClr val="tx1"/>
+                </a:solidFill>
+              </a:rPr>
+              <a:t>OpenAI</a:t>
+            </a:r>
+            <a:r>
+              <a:rPr lang="en-US" sz="1800" dirty="0">
+                <a:solidFill>
+                  <a:schemeClr val="tx1"/>
+                </a:solidFill>
+              </a:rPr>
+              <a:t> Gym Library is a collection of environments that we can use with reinforcement learning algorithms to develop. </a:t>
+            </a:r>
+          </a:p>
+          <a:p>
+            <a:pPr marL="342900" indent="-342900" algn="l">
+              <a:buClr>
+                <a:srgbClr val="0070C0"/>
+              </a:buClr>
+              <a:buSzPct val="80000"/>
+              <a:buFont typeface="Wingdings" pitchFamily="2" charset="2"/>
+              <a:buChar char="u"/>
+            </a:pPr>
+            <a:r>
+              <a:rPr lang="en-US" sz="1800" dirty="0">
+                <a:solidFill>
+                  <a:schemeClr val="tx1"/>
+                </a:solidFill>
+              </a:rPr>
+              <a:t>2. How to install </a:t>
+            </a:r>
+            <a:r>
+              <a:rPr lang="en-US" sz="1800" dirty="0" err="1">
+                <a:solidFill>
+                  <a:schemeClr val="tx1"/>
+                </a:solidFill>
+              </a:rPr>
+              <a:t>OpenAI</a:t>
+            </a:r>
+            <a:r>
+              <a:rPr lang="en-US" sz="1800" dirty="0">
+                <a:solidFill>
+                  <a:schemeClr val="tx1"/>
+                </a:solidFill>
+              </a:rPr>
+              <a:t> Gym Library?</a:t>
+            </a:r>
+          </a:p>
+          <a:p>
+            <a:pPr marL="342900" indent="-342900" algn="l">
+              <a:buClr>
+                <a:srgbClr val="0070C0"/>
+              </a:buClr>
+              <a:buSzPct val="80000"/>
+              <a:buFont typeface="Wingdings" pitchFamily="2" charset="2"/>
+              <a:buChar char="u"/>
+            </a:pPr>
+            <a:r>
+              <a:rPr lang="en-US" sz="1800" dirty="0">
+                <a:solidFill>
+                  <a:schemeClr val="tx1"/>
+                </a:solidFill>
+              </a:rPr>
+              <a:t>Ans: &gt; pip install gym</a:t>
+            </a:r>
+          </a:p>
+          <a:p>
+            <a:pPr marL="342900" indent="-342900" algn="l">
+              <a:buClr>
+                <a:srgbClr val="0070C0"/>
+              </a:buClr>
+              <a:buSzPct val="80000"/>
+              <a:buFont typeface="Wingdings" pitchFamily="2" charset="2"/>
+              <a:buChar char="u"/>
+            </a:pPr>
+            <a:r>
+              <a:rPr lang="en-US" sz="1800" dirty="0">
+                <a:solidFill>
+                  <a:schemeClr val="tx1"/>
+                </a:solidFill>
+              </a:rPr>
+              <a:t>3. How to create “FrozenLake-V0” environment?</a:t>
+            </a:r>
+          </a:p>
+          <a:p>
+            <a:pPr marL="342900" indent="-342900" algn="l">
+              <a:buClr>
+                <a:srgbClr val="0070C0"/>
+              </a:buClr>
+              <a:buSzPct val="80000"/>
+              <a:buFont typeface="Wingdings" pitchFamily="2" charset="2"/>
+              <a:buChar char="u"/>
+            </a:pPr>
+            <a:r>
+              <a:rPr lang="en-US" sz="1800" dirty="0">
+                <a:solidFill>
+                  <a:schemeClr val="tx1"/>
+                </a:solidFill>
+              </a:rPr>
+              <a:t>Ans: </a:t>
+            </a:r>
+            <a:r>
+              <a:rPr lang="en-US" altLang="en-US" sz="1800" dirty="0">
+                <a:solidFill>
+                  <a:schemeClr val="tx1"/>
+                </a:solidFill>
+              </a:rPr>
+              <a:t>env = </a:t>
+            </a:r>
+            <a:r>
+              <a:rPr lang="en-US" altLang="en-US" sz="1800" dirty="0" err="1">
+                <a:solidFill>
+                  <a:schemeClr val="tx1"/>
+                </a:solidFill>
+              </a:rPr>
+              <a:t>gym.make</a:t>
+            </a:r>
+            <a:r>
+              <a:rPr lang="en-US" altLang="en-US" sz="1800" dirty="0">
+                <a:solidFill>
+                  <a:schemeClr val="tx1"/>
+                </a:solidFill>
+              </a:rPr>
+              <a:t>("FrozenLake-v0") </a:t>
+            </a:r>
+          </a:p>
+          <a:p>
+            <a:pPr marL="342900" indent="-342900" algn="l">
+              <a:buClr>
+                <a:srgbClr val="0070C0"/>
+              </a:buClr>
+              <a:buSzPct val="80000"/>
+              <a:buFont typeface="Wingdings" pitchFamily="2" charset="2"/>
+              <a:buChar char="u"/>
+            </a:pPr>
+            <a:r>
+              <a:rPr lang="en-US" sz="1800" dirty="0">
+                <a:solidFill>
+                  <a:schemeClr val="tx1"/>
+                </a:solidFill>
+              </a:rPr>
+              <a:t>4. How to </a:t>
+            </a:r>
+            <a:r>
+              <a:rPr lang="en-US" sz="1800" dirty="0" err="1">
+                <a:solidFill>
+                  <a:schemeClr val="tx1"/>
+                </a:solidFill>
+              </a:rPr>
+              <a:t>instialize</a:t>
+            </a:r>
+            <a:r>
+              <a:rPr lang="en-US" sz="1800" dirty="0">
+                <a:solidFill>
+                  <a:schemeClr val="tx1"/>
+                </a:solidFill>
+              </a:rPr>
+              <a:t> </a:t>
+            </a:r>
+            <a:r>
+              <a:rPr lang="en-US" sz="1800" dirty="0" err="1">
+                <a:solidFill>
+                  <a:schemeClr val="tx1"/>
+                </a:solidFill>
+              </a:rPr>
+              <a:t>q_table</a:t>
+            </a:r>
+            <a:r>
+              <a:rPr lang="en-US" sz="1800" dirty="0">
+                <a:solidFill>
+                  <a:schemeClr val="tx1"/>
+                </a:solidFill>
+              </a:rPr>
+              <a:t> with </a:t>
+            </a:r>
+            <a:r>
+              <a:rPr lang="en-US" sz="1800" dirty="0" err="1">
+                <a:solidFill>
+                  <a:schemeClr val="tx1"/>
+                </a:solidFill>
+              </a:rPr>
+              <a:t>state_space_size</a:t>
+            </a:r>
+            <a:r>
+              <a:rPr lang="en-US" sz="1800" dirty="0">
+                <a:solidFill>
+                  <a:schemeClr val="tx1"/>
+                </a:solidFill>
+              </a:rPr>
+              <a:t> and </a:t>
+            </a:r>
+            <a:r>
+              <a:rPr lang="en-US" sz="1800" dirty="0" err="1">
+                <a:solidFill>
+                  <a:schemeClr val="tx1"/>
+                </a:solidFill>
+              </a:rPr>
+              <a:t>action_space_size</a:t>
+            </a:r>
+            <a:r>
+              <a:rPr lang="en-US" sz="1800" dirty="0">
+                <a:solidFill>
+                  <a:schemeClr val="tx1"/>
+                </a:solidFill>
+              </a:rPr>
+              <a:t>?</a:t>
+            </a:r>
+          </a:p>
+          <a:p>
+            <a:pPr marL="342900" indent="-342900" algn="l">
+              <a:buClr>
+                <a:srgbClr val="0070C0"/>
+              </a:buClr>
+              <a:buSzPct val="80000"/>
+              <a:buFont typeface="Wingdings" pitchFamily="2" charset="2"/>
+              <a:buChar char="u"/>
+            </a:pPr>
+            <a:r>
+              <a:rPr lang="en-US" sz="1800" dirty="0">
+                <a:solidFill>
+                  <a:schemeClr val="tx1"/>
+                </a:solidFill>
+              </a:rPr>
+              <a:t>Ans: </a:t>
+            </a:r>
+            <a:r>
+              <a:rPr lang="en-US" altLang="en-US" sz="1800" dirty="0" err="1">
+                <a:solidFill>
+                  <a:schemeClr val="tx1"/>
+                </a:solidFill>
+              </a:rPr>
+              <a:t>q_table</a:t>
+            </a:r>
+            <a:r>
+              <a:rPr lang="en-US" altLang="en-US" sz="1800" dirty="0">
+                <a:solidFill>
+                  <a:schemeClr val="tx1"/>
+                </a:solidFill>
+              </a:rPr>
+              <a:t> = </a:t>
+            </a:r>
+            <a:r>
+              <a:rPr lang="en-US" altLang="en-US" sz="1800" dirty="0" err="1">
+                <a:solidFill>
+                  <a:schemeClr val="tx1"/>
+                </a:solidFill>
+              </a:rPr>
+              <a:t>np.zeros</a:t>
+            </a:r>
+            <a:r>
+              <a:rPr lang="en-US" altLang="en-US" sz="1800" dirty="0">
+                <a:solidFill>
+                  <a:schemeClr val="tx1"/>
+                </a:solidFill>
+              </a:rPr>
+              <a:t>((</a:t>
+            </a:r>
+            <a:r>
+              <a:rPr lang="en-US" altLang="en-US" sz="1800" dirty="0" err="1">
+                <a:solidFill>
+                  <a:schemeClr val="tx1"/>
+                </a:solidFill>
+              </a:rPr>
+              <a:t>state_space_size</a:t>
+            </a:r>
+            <a:r>
+              <a:rPr lang="en-US" altLang="en-US" sz="1800" dirty="0">
+                <a:solidFill>
+                  <a:schemeClr val="tx1"/>
+                </a:solidFill>
+              </a:rPr>
+              <a:t>, </a:t>
+            </a:r>
+            <a:r>
+              <a:rPr lang="en-US" altLang="en-US" sz="1800" dirty="0" err="1">
+                <a:solidFill>
+                  <a:schemeClr val="tx1"/>
+                </a:solidFill>
+              </a:rPr>
+              <a:t>action_space_size</a:t>
+            </a:r>
+            <a:r>
+              <a:rPr lang="en-US" altLang="en-US" sz="1800" dirty="0">
+                <a:solidFill>
+                  <a:schemeClr val="tx1"/>
+                </a:solidFill>
+              </a:rPr>
+              <a:t>)) </a:t>
+            </a:r>
+          </a:p>
+          <a:p>
+            <a:pPr marL="342900" indent="-342900" algn="l">
+              <a:buClr>
+                <a:srgbClr val="0070C0"/>
+              </a:buClr>
+              <a:buSzPct val="80000"/>
+              <a:buFont typeface="Wingdings" pitchFamily="2" charset="2"/>
+              <a:buChar char="u"/>
+            </a:pPr>
+            <a:r>
+              <a:rPr lang="en-US" altLang="en-US" sz="1800" dirty="0">
+                <a:solidFill>
+                  <a:schemeClr val="tx1"/>
+                </a:solidFill>
+              </a:rPr>
+              <a:t>5. How to setup learning rate </a:t>
+            </a:r>
+            <a:r>
+              <a:rPr lang="en-US" altLang="en-US" sz="1800" dirty="0">
+                <a:solidFill>
+                  <a:schemeClr val="tx1"/>
+                </a:solidFill>
+                <a:latin typeface="MJXc-TeX-math-I"/>
+              </a:rPr>
+              <a:t>α = 0.1 and discount rate γ = 0.99</a:t>
+            </a:r>
+            <a:endParaRPr lang="en-US" altLang="en-US" sz="1800" dirty="0">
+              <a:solidFill>
+                <a:schemeClr val="tx1"/>
+              </a:solidFill>
+            </a:endParaRPr>
+          </a:p>
+          <a:p>
+            <a:pPr marL="342900" indent="-342900" algn="l">
+              <a:buClr>
+                <a:srgbClr val="0070C0"/>
+              </a:buClr>
+              <a:buSzPct val="80000"/>
+              <a:buFont typeface="Wingdings" pitchFamily="2" charset="2"/>
+              <a:buChar char="u"/>
+            </a:pPr>
+            <a:r>
+              <a:rPr lang="en-US" altLang="en-US" sz="1800" dirty="0">
+                <a:solidFill>
+                  <a:schemeClr val="tx1"/>
+                </a:solidFill>
+              </a:rPr>
+              <a:t>Ans:</a:t>
+            </a:r>
+          </a:p>
+          <a:p>
+            <a:pPr marL="342900" indent="-342900" algn="l">
+              <a:buClr>
+                <a:srgbClr val="0070C0"/>
+              </a:buClr>
+              <a:buSzPct val="80000"/>
+              <a:buFont typeface="Wingdings" pitchFamily="2" charset="2"/>
+              <a:buChar char="u"/>
+            </a:pPr>
+            <a:r>
+              <a:rPr lang="en-US" altLang="en-US" sz="1800" dirty="0">
+                <a:solidFill>
+                  <a:schemeClr val="tx1"/>
+                </a:solidFill>
+              </a:rPr>
+              <a:t> </a:t>
+            </a:r>
+            <a:r>
+              <a:rPr lang="en-US" altLang="en-US" sz="1800" dirty="0" err="1">
+                <a:solidFill>
+                  <a:schemeClr val="tx1"/>
+                </a:solidFill>
+                <a:latin typeface="SFMono-Regular"/>
+              </a:rPr>
+              <a:t>learning_rate</a:t>
+            </a:r>
+            <a:r>
+              <a:rPr lang="en-US" altLang="en-US" sz="1800" dirty="0">
+                <a:solidFill>
+                  <a:schemeClr val="tx1"/>
+                </a:solidFill>
+                <a:latin typeface="SFMono-Regular"/>
+              </a:rPr>
+              <a:t> = 0.1 </a:t>
+            </a:r>
+          </a:p>
+          <a:p>
+            <a:pPr marL="342900" indent="-342900" algn="l">
+              <a:buClr>
+                <a:srgbClr val="0070C0"/>
+              </a:buClr>
+              <a:buSzPct val="80000"/>
+              <a:buFont typeface="Wingdings" pitchFamily="2" charset="2"/>
+              <a:buChar char="u"/>
+            </a:pPr>
+            <a:r>
+              <a:rPr lang="en-US" altLang="en-US" sz="1800" dirty="0" err="1">
+                <a:solidFill>
+                  <a:schemeClr val="tx1"/>
+                </a:solidFill>
+                <a:latin typeface="SFMono-Regular"/>
+              </a:rPr>
+              <a:t>discount_rate</a:t>
+            </a:r>
+            <a:r>
+              <a:rPr lang="en-US" altLang="en-US" sz="1800" dirty="0">
+                <a:solidFill>
+                  <a:schemeClr val="tx1"/>
+                </a:solidFill>
+                <a:latin typeface="SFMono-Regular"/>
+              </a:rPr>
+              <a:t> = 0.99</a:t>
+            </a:r>
+            <a:r>
+              <a:rPr lang="en-US" altLang="en-US" sz="1800" dirty="0">
+                <a:solidFill>
+                  <a:schemeClr val="tx1"/>
+                </a:solidFill>
+              </a:rPr>
+              <a:t> </a:t>
+            </a:r>
+          </a:p>
+          <a:p>
+            <a:pPr marL="342900" indent="-342900" algn="l">
+              <a:buClr>
+                <a:srgbClr val="0070C0"/>
+              </a:buClr>
+              <a:buSzPct val="80000"/>
+              <a:buFont typeface="Wingdings" pitchFamily="2" charset="2"/>
+              <a:buChar char="u"/>
+            </a:pPr>
+            <a:endParaRPr lang="en-US" altLang="en-US" sz="1800" dirty="0">
+              <a:solidFill>
+                <a:schemeClr val="tx1"/>
+              </a:solidFill>
+              <a:latin typeface="Arial" panose="020B0604020202020204" pitchFamily="34" charset="0"/>
+            </a:endParaRPr>
+          </a:p>
+          <a:p>
+            <a:pPr marL="342900" indent="-342900" algn="l">
+              <a:buClr>
+                <a:srgbClr val="0070C0"/>
+              </a:buClr>
+              <a:buSzPct val="80000"/>
+              <a:buFont typeface="Wingdings" pitchFamily="2" charset="2"/>
+              <a:buChar char="u"/>
+            </a:pPr>
+            <a:endParaRPr lang="en-US" altLang="en-US" sz="1800" dirty="0">
+              <a:solidFill>
+                <a:schemeClr val="tx1"/>
+              </a:solidFill>
+            </a:endParaRPr>
+          </a:p>
+          <a:p>
+            <a:pPr marL="342900" indent="-342900" algn="l">
+              <a:buClr>
+                <a:srgbClr val="0070C0"/>
+              </a:buClr>
+              <a:buSzPct val="80000"/>
+              <a:buFont typeface="Wingdings" pitchFamily="2" charset="2"/>
+              <a:buChar char="u"/>
+            </a:pPr>
+            <a:endParaRPr lang="en-US" altLang="en-US" sz="1800" dirty="0">
+              <a:solidFill>
+                <a:schemeClr val="tx1"/>
+              </a:solidFill>
+            </a:endParaRPr>
+          </a:p>
+          <a:p>
+            <a:pPr marL="342900" indent="-342900" algn="l">
+              <a:buClr>
+                <a:srgbClr val="0070C0"/>
+              </a:buClr>
+              <a:buSzPct val="80000"/>
+              <a:buFont typeface="Wingdings" pitchFamily="2" charset="2"/>
+              <a:buChar char="u"/>
+            </a:pPr>
+            <a:endParaRPr lang="en-US" sz="1800" b="1" dirty="0">
+              <a:solidFill>
+                <a:schemeClr val="tx1"/>
+              </a:solidFill>
+            </a:endParaRPr>
+          </a:p>
+          <a:p>
+            <a:pPr marL="342900" indent="-342900" algn="l">
+              <a:buClr>
+                <a:srgbClr val="0070C0"/>
+              </a:buClr>
+              <a:buSzPct val="80000"/>
+              <a:buFont typeface="Wingdings" pitchFamily="2" charset="2"/>
+              <a:buChar char="u"/>
+            </a:pPr>
+            <a:endParaRPr lang="en-US" sz="1800" b="1" dirty="0">
+              <a:solidFill>
+                <a:schemeClr val="tx1"/>
+              </a:solidFill>
+            </a:endParaRPr>
           </a:p>
         </p:txBody>
       </p:sp>
@@ -4277,7 +8029,7 @@
             <a:fld id="{A4F910E6-8D00-4BAF-8C48-9688E0B449D3}" type="datetime1">
               <a:rPr lang="zh-TW" altLang="en-US" smtClean="0"/>
               <a:pPr/>
-              <a:t>2020/6/15</a:t>
+              <a:t>2020/6/16</a:t>
             </a:fld>
             <a:endParaRPr lang="zh-TW" altLang="en-US"/>
           </a:p>
@@ -4301,7 +8053,7 @@
             <a:fld id="{E4D7E63D-91F2-4366-A2C4-1B00C9E2590E}" type="slidenum">
               <a:rPr lang="zh-TW" altLang="en-US" smtClean="0"/>
               <a:pPr/>
-              <a:t>4</a:t>
+              <a:t>17</a:t>
             </a:fld>
             <a:endParaRPr lang="zh-TW" altLang="en-US"/>
           </a:p>
@@ -4320,7 +8072,503 @@
 </p:sld>
 </file>
 
-<file path=ppt/slides/slide5.xml><?xml version="1.0" encoding="utf-8"?>
+<file path=ppt/slides/slide18.xml><?xml version="1.0" encoding="utf-8"?>
+<p:sld xmlns:a="http://schemas.openxmlformats.org/drawingml/2006/main" xmlns:r="http://schemas.openxmlformats.org/officeDocument/2006/relationships" xmlns:p="http://schemas.openxmlformats.org/presentationml/2006/main">
+  <p:cSld>
+    <p:spTree>
+      <p:nvGrpSpPr>
+        <p:cNvPr id="1" name=""/>
+        <p:cNvGrpSpPr/>
+        <p:nvPr/>
+      </p:nvGrpSpPr>
+      <p:grpSpPr>
+        <a:xfrm>
+          <a:off x="0" y="0"/>
+          <a:ext cx="0" cy="0"/>
+          <a:chOff x="0" y="0"/>
+          <a:chExt cx="0" cy="0"/>
+        </a:xfrm>
+      </p:grpSpPr>
+      <p:sp>
+        <p:nvSpPr>
+          <p:cNvPr id="2" name="標題 1"/>
+          <p:cNvSpPr>
+            <a:spLocks noGrp="1"/>
+          </p:cNvSpPr>
+          <p:nvPr>
+            <p:ph type="ctrTitle"/>
+          </p:nvPr>
+        </p:nvSpPr>
+        <p:spPr>
+          <a:xfrm>
+            <a:off x="0" y="1"/>
+            <a:ext cx="9144000" cy="764704"/>
+          </a:xfrm>
+          <a:gradFill flip="none" rotWithShape="1">
+            <a:gsLst>
+              <a:gs pos="0">
+                <a:srgbClr val="C00000">
+                  <a:shade val="30000"/>
+                  <a:satMod val="115000"/>
+                </a:srgbClr>
+              </a:gs>
+              <a:gs pos="50000">
+                <a:srgbClr val="C00000">
+                  <a:shade val="67500"/>
+                  <a:satMod val="115000"/>
+                </a:srgbClr>
+              </a:gs>
+              <a:gs pos="100000">
+                <a:srgbClr val="C00000">
+                  <a:shade val="100000"/>
+                  <a:satMod val="115000"/>
+                </a:srgbClr>
+              </a:gs>
+            </a:gsLst>
+            <a:path path="circle">
+              <a:fillToRect t="100000" r="100000"/>
+            </a:path>
+            <a:tileRect l="-100000" b="-100000"/>
+          </a:gradFill>
+        </p:spPr>
+        <p:txBody>
+          <a:bodyPr>
+            <a:normAutofit/>
+          </a:bodyPr>
+          <a:lstStyle/>
+          <a:p>
+            <a:pPr algn="l"/>
+            <a:r>
+              <a:rPr lang="en-US" altLang="zh-TW" b="1" dirty="0">
+                <a:solidFill>
+                  <a:srgbClr val="FFFF00"/>
+                </a:solidFill>
+              </a:rPr>
+              <a:t>8.1 Quiz</a:t>
+            </a:r>
+            <a:endParaRPr lang="zh-TW" altLang="en-US" b="1" dirty="0">
+              <a:solidFill>
+                <a:srgbClr val="FFFF00"/>
+              </a:solidFill>
+            </a:endParaRPr>
+          </a:p>
+        </p:txBody>
+      </p:sp>
+      <p:sp>
+        <p:nvSpPr>
+          <p:cNvPr id="3" name="副標題 2"/>
+          <p:cNvSpPr>
+            <a:spLocks noGrp="1"/>
+          </p:cNvSpPr>
+          <p:nvPr>
+            <p:ph type="subTitle" idx="1"/>
+          </p:nvPr>
+        </p:nvSpPr>
+        <p:spPr>
+          <a:xfrm>
+            <a:off x="467544" y="1268759"/>
+            <a:ext cx="8064896" cy="2664297"/>
+          </a:xfrm>
+          <a:ln>
+            <a:solidFill>
+              <a:srgbClr val="C00000"/>
+            </a:solidFill>
+          </a:ln>
+        </p:spPr>
+        <p:txBody>
+          <a:bodyPr>
+            <a:noAutofit/>
+          </a:bodyPr>
+          <a:lstStyle/>
+          <a:p>
+            <a:pPr marL="342900" indent="-342900" algn="l">
+              <a:buClr>
+                <a:srgbClr val="0070C0"/>
+              </a:buClr>
+              <a:buSzPct val="80000"/>
+              <a:buFont typeface="Wingdings" pitchFamily="2" charset="2"/>
+              <a:buChar char="u"/>
+            </a:pPr>
+            <a:r>
+              <a:rPr lang="en-US" sz="1800" b="1" dirty="0">
+                <a:solidFill>
+                  <a:schemeClr val="tx1"/>
+                </a:solidFill>
+              </a:rPr>
+              <a:t>Quiz</a:t>
+            </a:r>
+          </a:p>
+          <a:p>
+            <a:pPr marL="342900" indent="-342900" algn="l">
+              <a:buClr>
+                <a:srgbClr val="0070C0"/>
+              </a:buClr>
+              <a:buSzPct val="80000"/>
+              <a:buFont typeface="Wingdings" pitchFamily="2" charset="2"/>
+              <a:buChar char="u"/>
+            </a:pPr>
+            <a:r>
+              <a:rPr lang="en-US" altLang="en-US" sz="1800" dirty="0">
+                <a:solidFill>
+                  <a:schemeClr val="tx1"/>
+                </a:solidFill>
+              </a:rPr>
+              <a:t>6. How to setup exploration rate = 1,  max exploration rate = 1, min exploration rate = 0.01, and exploration decay rate = 0.01 </a:t>
+            </a:r>
+          </a:p>
+          <a:p>
+            <a:pPr marL="342900" indent="-342900" algn="l">
+              <a:buClr>
+                <a:srgbClr val="0070C0"/>
+              </a:buClr>
+              <a:buSzPct val="80000"/>
+              <a:buFont typeface="Wingdings" pitchFamily="2" charset="2"/>
+              <a:buChar char="u"/>
+            </a:pPr>
+            <a:r>
+              <a:rPr lang="en-US" altLang="en-US" sz="1800" dirty="0">
+                <a:solidFill>
+                  <a:schemeClr val="tx1"/>
+                </a:solidFill>
+              </a:rPr>
+              <a:t>Ans: </a:t>
+            </a:r>
+          </a:p>
+          <a:p>
+            <a:pPr marL="342900" indent="-342900" algn="l">
+              <a:buClr>
+                <a:srgbClr val="0070C0"/>
+              </a:buClr>
+              <a:buSzPct val="80000"/>
+              <a:buFont typeface="Wingdings" pitchFamily="2" charset="2"/>
+              <a:buChar char="u"/>
+            </a:pPr>
+            <a:r>
+              <a:rPr lang="en-US" altLang="en-US" sz="1800" dirty="0" err="1">
+                <a:solidFill>
+                  <a:schemeClr val="tx1"/>
+                </a:solidFill>
+              </a:rPr>
+              <a:t>exploration_rate</a:t>
+            </a:r>
+            <a:r>
+              <a:rPr lang="en-US" altLang="en-US" sz="1800" dirty="0">
+                <a:solidFill>
+                  <a:schemeClr val="tx1"/>
+                </a:solidFill>
+              </a:rPr>
+              <a:t> = 1 </a:t>
+            </a:r>
+          </a:p>
+          <a:p>
+            <a:pPr marL="342900" indent="-342900" algn="l">
+              <a:buClr>
+                <a:srgbClr val="0070C0"/>
+              </a:buClr>
+              <a:buSzPct val="80000"/>
+              <a:buFont typeface="Wingdings" pitchFamily="2" charset="2"/>
+              <a:buChar char="u"/>
+            </a:pPr>
+            <a:r>
+              <a:rPr lang="en-US" altLang="en-US" sz="1800" dirty="0" err="1">
+                <a:solidFill>
+                  <a:schemeClr val="tx1"/>
+                </a:solidFill>
+              </a:rPr>
+              <a:t>max_exploration_rate</a:t>
+            </a:r>
+            <a:r>
+              <a:rPr lang="en-US" altLang="en-US" sz="1800" dirty="0">
+                <a:solidFill>
+                  <a:schemeClr val="tx1"/>
+                </a:solidFill>
+              </a:rPr>
+              <a:t> = 1 </a:t>
+            </a:r>
+          </a:p>
+          <a:p>
+            <a:pPr marL="342900" indent="-342900" algn="l">
+              <a:buClr>
+                <a:srgbClr val="0070C0"/>
+              </a:buClr>
+              <a:buSzPct val="80000"/>
+              <a:buFont typeface="Wingdings" pitchFamily="2" charset="2"/>
+              <a:buChar char="u"/>
+            </a:pPr>
+            <a:r>
+              <a:rPr lang="en-US" altLang="en-US" sz="1800" dirty="0" err="1">
+                <a:solidFill>
+                  <a:schemeClr val="tx1"/>
+                </a:solidFill>
+              </a:rPr>
+              <a:t>min_exploration_rate</a:t>
+            </a:r>
+            <a:r>
+              <a:rPr lang="en-US" altLang="en-US" sz="1800" dirty="0">
+                <a:solidFill>
+                  <a:schemeClr val="tx1"/>
+                </a:solidFill>
+              </a:rPr>
+              <a:t> = 0.01 </a:t>
+            </a:r>
+          </a:p>
+          <a:p>
+            <a:pPr marL="342900" indent="-342900" algn="l">
+              <a:buClr>
+                <a:srgbClr val="0070C0"/>
+              </a:buClr>
+              <a:buSzPct val="80000"/>
+              <a:buFont typeface="Wingdings" pitchFamily="2" charset="2"/>
+              <a:buChar char="u"/>
+            </a:pPr>
+            <a:r>
+              <a:rPr lang="en-US" altLang="en-US" sz="1800" dirty="0" err="1">
+                <a:solidFill>
+                  <a:schemeClr val="tx1"/>
+                </a:solidFill>
+              </a:rPr>
+              <a:t>exploration_decay_rate</a:t>
+            </a:r>
+            <a:r>
+              <a:rPr lang="en-US" altLang="en-US" sz="1800" dirty="0">
+                <a:solidFill>
+                  <a:schemeClr val="tx1"/>
+                </a:solidFill>
+              </a:rPr>
+              <a:t> = </a:t>
+            </a:r>
+            <a:r>
+              <a:rPr lang="en-US" altLang="en-US" sz="1800">
+                <a:solidFill>
+                  <a:schemeClr val="tx1"/>
+                </a:solidFill>
+              </a:rPr>
+              <a:t>0.01 </a:t>
+            </a:r>
+            <a:endParaRPr lang="en-US" altLang="en-US" sz="1800" dirty="0">
+              <a:solidFill>
+                <a:schemeClr val="tx1"/>
+              </a:solidFill>
+            </a:endParaRPr>
+          </a:p>
+          <a:p>
+            <a:pPr marL="342900" indent="-342900" algn="l">
+              <a:buClr>
+                <a:srgbClr val="0070C0"/>
+              </a:buClr>
+              <a:buSzPct val="80000"/>
+              <a:buFont typeface="Wingdings" pitchFamily="2" charset="2"/>
+              <a:buChar char="u"/>
+            </a:pPr>
+            <a:endParaRPr lang="en-US" altLang="en-US" sz="1800" dirty="0">
+              <a:solidFill>
+                <a:schemeClr val="tx1"/>
+              </a:solidFill>
+            </a:endParaRPr>
+          </a:p>
+          <a:p>
+            <a:pPr marL="342900" indent="-342900" algn="l">
+              <a:buClr>
+                <a:srgbClr val="0070C0"/>
+              </a:buClr>
+              <a:buSzPct val="80000"/>
+              <a:buFont typeface="Wingdings" pitchFamily="2" charset="2"/>
+              <a:buChar char="u"/>
+            </a:pPr>
+            <a:endParaRPr lang="en-US" altLang="en-US" sz="1800" dirty="0">
+              <a:solidFill>
+                <a:schemeClr val="tx1"/>
+              </a:solidFill>
+            </a:endParaRPr>
+          </a:p>
+          <a:p>
+            <a:pPr marL="342900" indent="-342900" algn="l">
+              <a:buClr>
+                <a:srgbClr val="0070C0"/>
+              </a:buClr>
+              <a:buSzPct val="80000"/>
+              <a:buFont typeface="Wingdings" pitchFamily="2" charset="2"/>
+              <a:buChar char="u"/>
+            </a:pPr>
+            <a:endParaRPr lang="en-US" altLang="en-US" sz="1800" dirty="0">
+              <a:solidFill>
+                <a:schemeClr val="tx1"/>
+              </a:solidFill>
+            </a:endParaRPr>
+          </a:p>
+          <a:p>
+            <a:pPr marL="342900" indent="-342900" algn="l">
+              <a:buClr>
+                <a:srgbClr val="0070C0"/>
+              </a:buClr>
+              <a:buSzPct val="80000"/>
+              <a:buFont typeface="Wingdings" pitchFamily="2" charset="2"/>
+              <a:buChar char="u"/>
+            </a:pPr>
+            <a:endParaRPr lang="en-US" altLang="en-US" sz="1800" dirty="0">
+              <a:solidFill>
+                <a:schemeClr val="tx1"/>
+              </a:solidFill>
+            </a:endParaRPr>
+          </a:p>
+          <a:p>
+            <a:pPr marL="342900" indent="-342900" algn="l">
+              <a:buClr>
+                <a:srgbClr val="0070C0"/>
+              </a:buClr>
+              <a:buSzPct val="80000"/>
+              <a:buFont typeface="Wingdings" pitchFamily="2" charset="2"/>
+              <a:buChar char="u"/>
+            </a:pPr>
+            <a:endParaRPr lang="en-US" sz="1800" b="1" dirty="0">
+              <a:solidFill>
+                <a:schemeClr val="tx1"/>
+              </a:solidFill>
+            </a:endParaRPr>
+          </a:p>
+          <a:p>
+            <a:pPr marL="342900" indent="-342900" algn="l">
+              <a:buClr>
+                <a:srgbClr val="0070C0"/>
+              </a:buClr>
+              <a:buSzPct val="80000"/>
+              <a:buFont typeface="Wingdings" pitchFamily="2" charset="2"/>
+              <a:buChar char="u"/>
+            </a:pPr>
+            <a:endParaRPr lang="en-US" sz="1800" b="1" dirty="0">
+              <a:solidFill>
+                <a:schemeClr val="tx1"/>
+              </a:solidFill>
+            </a:endParaRPr>
+          </a:p>
+        </p:txBody>
+      </p:sp>
+      <p:sp>
+        <p:nvSpPr>
+          <p:cNvPr id="4" name="標題 1"/>
+          <p:cNvSpPr txBox="1">
+            <a:spLocks/>
+          </p:cNvSpPr>
+          <p:nvPr/>
+        </p:nvSpPr>
+        <p:spPr>
+          <a:xfrm>
+            <a:off x="0" y="764704"/>
+            <a:ext cx="9144000" cy="360040"/>
+          </a:xfrm>
+          <a:prstGeom prst="rect">
+            <a:avLst/>
+          </a:prstGeom>
+          <a:gradFill flip="none" rotWithShape="1">
+            <a:gsLst>
+              <a:gs pos="0">
+                <a:srgbClr val="00B0F0">
+                  <a:shade val="30000"/>
+                  <a:satMod val="115000"/>
+                </a:srgbClr>
+              </a:gs>
+              <a:gs pos="50000">
+                <a:srgbClr val="00B0F0">
+                  <a:shade val="67500"/>
+                  <a:satMod val="115000"/>
+                </a:srgbClr>
+              </a:gs>
+              <a:gs pos="100000">
+                <a:srgbClr val="00B0F0">
+                  <a:shade val="100000"/>
+                  <a:satMod val="115000"/>
+                </a:srgbClr>
+              </a:gs>
+            </a:gsLst>
+            <a:path path="circle">
+              <a:fillToRect t="100000" r="100000"/>
+            </a:path>
+            <a:tileRect l="-100000" b="-100000"/>
+          </a:gradFill>
+        </p:spPr>
+        <p:txBody>
+          <a:bodyPr vert="horz" lIns="91440" tIns="45720" rIns="91440" bIns="45720" rtlCol="0" anchor="ctr">
+            <a:normAutofit fontScale="92500"/>
+          </a:bodyPr>
+          <a:lstStyle/>
+          <a:p>
+            <a:pPr lvl="0">
+              <a:spcBef>
+                <a:spcPct val="0"/>
+              </a:spcBef>
+            </a:pPr>
+            <a:r>
+              <a:rPr lang="en-US" sz="1600" dirty="0">
+                <a:hlinkClick r:id="rId2"/>
+              </a:rPr>
+              <a:t>https://www.youtube.com/watch?v=QK_PP_2KgGE&amp;list=PLZbbT5o_s2xoWNVdDudn51XM8lOuZ_Njv&amp;index=8</a:t>
+            </a:r>
+            <a:endParaRPr lang="zh-TW" altLang="en-US" sz="1600" dirty="0"/>
+          </a:p>
+        </p:txBody>
+      </p:sp>
+      <p:sp>
+        <p:nvSpPr>
+          <p:cNvPr id="5" name="日期版面配置區 4"/>
+          <p:cNvSpPr>
+            <a:spLocks noGrp="1"/>
+          </p:cNvSpPr>
+          <p:nvPr>
+            <p:ph type="dt" sz="half" idx="10"/>
+          </p:nvPr>
+        </p:nvSpPr>
+        <p:spPr/>
+        <p:txBody>
+          <a:bodyPr/>
+          <a:lstStyle/>
+          <a:p>
+            <a:fld id="{A4F910E6-8D00-4BAF-8C48-9688E0B449D3}" type="datetime1">
+              <a:rPr lang="zh-TW" altLang="en-US" smtClean="0"/>
+              <a:pPr/>
+              <a:t>2020/6/16</a:t>
+            </a:fld>
+            <a:endParaRPr lang="zh-TW" altLang="en-US"/>
+          </a:p>
+        </p:txBody>
+      </p:sp>
+      <p:sp>
+        <p:nvSpPr>
+          <p:cNvPr id="6" name="投影片編號版面配置區 5"/>
+          <p:cNvSpPr>
+            <a:spLocks noGrp="1"/>
+          </p:cNvSpPr>
+          <p:nvPr>
+            <p:ph type="sldNum" sz="quarter" idx="12"/>
+          </p:nvPr>
+        </p:nvSpPr>
+        <p:spPr/>
+        <p:txBody>
+          <a:bodyPr/>
+          <a:lstStyle/>
+          <a:p>
+            <a:fld id="{E4D7E63D-91F2-4366-A2C4-1B00C9E2590E}" type="slidenum">
+              <a:rPr lang="zh-TW" altLang="en-US" smtClean="0"/>
+              <a:pPr/>
+              <a:t>18</a:t>
+            </a:fld>
+            <a:endParaRPr lang="zh-TW" altLang="en-US"/>
+          </a:p>
+        </p:txBody>
+      </p:sp>
+    </p:spTree>
+    <p:extLst>
+      <p:ext uri="{BB962C8B-B14F-4D97-AF65-F5344CB8AC3E}">
+        <p14:creationId xmlns:p14="http://schemas.microsoft.com/office/powerpoint/2010/main" val="4293267785"/>
+      </p:ext>
+    </p:extLst>
+  </p:cSld>
+  <p:clrMapOvr>
+    <a:masterClrMapping/>
+  </p:clrMapOvr>
+</p:sld>
+</file>
+
+<file path=ppt/slides/slide19.xml><?xml version="1.0" encoding="utf-8"?>
 <p:sld xmlns:a="http://schemas.openxmlformats.org/drawingml/2006/main" xmlns:r="http://schemas.openxmlformats.org/officeDocument/2006/relationships" xmlns:p="http://schemas.openxmlformats.org/presentationml/2006/main">
   <p:cSld>
     <p:spTree>
@@ -4419,7 +8667,1414 @@
             <a:fld id="{4E46BE27-E923-4EC2-B046-3272AE2A3E5C}" type="datetime1">
               <a:rPr lang="zh-TW" altLang="en-US" smtClean="0"/>
               <a:pPr/>
-              <a:t>2020/6/15</a:t>
+              <a:t>2020/6/16</a:t>
+            </a:fld>
+            <a:endParaRPr lang="zh-TW" altLang="en-US"/>
+          </a:p>
+        </p:txBody>
+      </p:sp>
+      <p:sp>
+        <p:nvSpPr>
+          <p:cNvPr id="6" name="投影片編號版面配置區 5"/>
+          <p:cNvSpPr>
+            <a:spLocks noGrp="1"/>
+          </p:cNvSpPr>
+          <p:nvPr>
+            <p:ph type="sldNum" sz="quarter" idx="12"/>
+          </p:nvPr>
+        </p:nvSpPr>
+        <p:spPr/>
+        <p:txBody>
+          <a:bodyPr/>
+          <a:lstStyle/>
+          <a:p>
+            <a:fld id="{E4D7E63D-91F2-4366-A2C4-1B00C9E2590E}" type="slidenum">
+              <a:rPr lang="zh-TW" altLang="en-US" smtClean="0"/>
+              <a:pPr/>
+              <a:t>19</a:t>
+            </a:fld>
+            <a:endParaRPr lang="zh-TW" altLang="en-US"/>
+          </a:p>
+        </p:txBody>
+      </p:sp>
+    </p:spTree>
+  </p:cSld>
+  <p:clrMapOvr>
+    <a:masterClrMapping/>
+  </p:clrMapOvr>
+</p:sld>
+</file>
+
+<file path=ppt/slides/slide2.xml><?xml version="1.0" encoding="utf-8"?>
+<p:sld xmlns:a="http://schemas.openxmlformats.org/drawingml/2006/main" xmlns:r="http://schemas.openxmlformats.org/officeDocument/2006/relationships" xmlns:p="http://schemas.openxmlformats.org/presentationml/2006/main">
+  <p:cSld>
+    <p:spTree>
+      <p:nvGrpSpPr>
+        <p:cNvPr id="1" name=""/>
+        <p:cNvGrpSpPr/>
+        <p:nvPr/>
+      </p:nvGrpSpPr>
+      <p:grpSpPr>
+        <a:xfrm>
+          <a:off x="0" y="0"/>
+          <a:ext cx="0" cy="0"/>
+          <a:chOff x="0" y="0"/>
+          <a:chExt cx="0" cy="0"/>
+        </a:xfrm>
+      </p:grpSpPr>
+      <p:sp>
+        <p:nvSpPr>
+          <p:cNvPr id="2" name="標題 1"/>
+          <p:cNvSpPr>
+            <a:spLocks noGrp="1"/>
+          </p:cNvSpPr>
+          <p:nvPr>
+            <p:ph type="ctrTitle"/>
+          </p:nvPr>
+        </p:nvSpPr>
+        <p:spPr>
+          <a:xfrm>
+            <a:off x="0" y="1"/>
+            <a:ext cx="9144000" cy="764704"/>
+          </a:xfrm>
+          <a:gradFill flip="none" rotWithShape="1">
+            <a:gsLst>
+              <a:gs pos="0">
+                <a:srgbClr val="C00000">
+                  <a:shade val="30000"/>
+                  <a:satMod val="115000"/>
+                </a:srgbClr>
+              </a:gs>
+              <a:gs pos="50000">
+                <a:srgbClr val="C00000">
+                  <a:shade val="67500"/>
+                  <a:satMod val="115000"/>
+                </a:srgbClr>
+              </a:gs>
+              <a:gs pos="100000">
+                <a:srgbClr val="C00000">
+                  <a:shade val="100000"/>
+                  <a:satMod val="115000"/>
+                </a:srgbClr>
+              </a:gs>
+            </a:gsLst>
+            <a:path path="circle">
+              <a:fillToRect t="100000" r="100000"/>
+            </a:path>
+            <a:tileRect l="-100000" b="-100000"/>
+          </a:gradFill>
+        </p:spPr>
+        <p:txBody>
+          <a:bodyPr>
+            <a:normAutofit/>
+          </a:bodyPr>
+          <a:lstStyle/>
+          <a:p>
+            <a:pPr algn="l"/>
+            <a:r>
+              <a:rPr lang="en-US" altLang="zh-TW" b="1" dirty="0">
+                <a:solidFill>
+                  <a:srgbClr val="FFFF00"/>
+                </a:solidFill>
+              </a:rPr>
+              <a:t>8 </a:t>
+            </a:r>
+            <a:r>
+              <a:rPr lang="en-US" altLang="zh-TW" b="1" dirty="0" err="1">
+                <a:solidFill>
+                  <a:srgbClr val="FFFF00"/>
+                </a:solidFill>
+              </a:rPr>
+              <a:t>OpenAI</a:t>
+            </a:r>
+            <a:r>
+              <a:rPr lang="en-US" altLang="zh-TW" b="1" dirty="0">
+                <a:solidFill>
+                  <a:srgbClr val="FFFF00"/>
+                </a:solidFill>
+              </a:rPr>
+              <a:t> Gym and Python for Q-Learn</a:t>
+            </a:r>
+            <a:endParaRPr lang="zh-TW" altLang="en-US" b="1" dirty="0">
+              <a:solidFill>
+                <a:srgbClr val="FFFF00"/>
+              </a:solidFill>
+            </a:endParaRPr>
+          </a:p>
+        </p:txBody>
+      </p:sp>
+      <p:sp>
+        <p:nvSpPr>
+          <p:cNvPr id="3" name="副標題 2"/>
+          <p:cNvSpPr>
+            <a:spLocks noGrp="1"/>
+          </p:cNvSpPr>
+          <p:nvPr>
+            <p:ph type="subTitle" idx="1"/>
+          </p:nvPr>
+        </p:nvSpPr>
+        <p:spPr>
+          <a:xfrm>
+            <a:off x="432335" y="1250650"/>
+            <a:ext cx="8352928" cy="1026222"/>
+          </a:xfrm>
+          <a:ln>
+            <a:solidFill>
+              <a:srgbClr val="C00000"/>
+            </a:solidFill>
+          </a:ln>
+        </p:spPr>
+        <p:txBody>
+          <a:bodyPr>
+            <a:noAutofit/>
+          </a:bodyPr>
+          <a:lstStyle/>
+          <a:p>
+            <a:pPr marL="342900" indent="-342900" algn="l">
+              <a:buClr>
+                <a:srgbClr val="0070C0"/>
+              </a:buClr>
+              <a:buSzPct val="80000"/>
+              <a:buFont typeface="Wingdings" pitchFamily="2" charset="2"/>
+              <a:buChar char="u"/>
+            </a:pPr>
+            <a:r>
+              <a:rPr lang="en-US" sz="1800" b="1" dirty="0" err="1">
+                <a:solidFill>
+                  <a:schemeClr val="tx1"/>
+                </a:solidFill>
+              </a:rPr>
+              <a:t>OpenAI</a:t>
+            </a:r>
+            <a:r>
+              <a:rPr lang="en-US" sz="1800" b="1" dirty="0">
+                <a:solidFill>
+                  <a:schemeClr val="tx1"/>
+                </a:solidFill>
+              </a:rPr>
+              <a:t> Gym and Python for Q-Learning</a:t>
+            </a:r>
+          </a:p>
+          <a:p>
+            <a:pPr marL="342900" indent="-342900" algn="l">
+              <a:buClr>
+                <a:srgbClr val="0070C0"/>
+              </a:buClr>
+              <a:buSzPct val="80000"/>
+              <a:buFont typeface="Wingdings" pitchFamily="2" charset="2"/>
+              <a:buChar char="u"/>
+            </a:pPr>
+            <a:r>
+              <a:rPr lang="en-US" sz="1800" dirty="0">
+                <a:solidFill>
+                  <a:schemeClr val="tx1"/>
+                </a:solidFill>
+              </a:rPr>
+              <a:t>We discuss how to build a game with reinforcement learning.</a:t>
+            </a:r>
+          </a:p>
+          <a:p>
+            <a:pPr marL="342900" indent="-342900" algn="l">
+              <a:buClr>
+                <a:srgbClr val="0070C0"/>
+              </a:buClr>
+              <a:buSzPct val="80000"/>
+              <a:buFont typeface="Wingdings" pitchFamily="2" charset="2"/>
+              <a:buChar char="u"/>
+            </a:pPr>
+            <a:r>
+              <a:rPr lang="en-US" sz="1800" dirty="0">
+                <a:solidFill>
+                  <a:schemeClr val="tx1"/>
+                </a:solidFill>
+              </a:rPr>
+              <a:t>We will use Python and </a:t>
+            </a:r>
+            <a:r>
+              <a:rPr lang="en-US" sz="1800" dirty="0" err="1">
+                <a:solidFill>
+                  <a:schemeClr val="tx1"/>
+                </a:solidFill>
+              </a:rPr>
+              <a:t>OpenAI’s</a:t>
+            </a:r>
+            <a:r>
+              <a:rPr lang="en-US" sz="1800" dirty="0">
+                <a:solidFill>
+                  <a:schemeClr val="tx1"/>
+                </a:solidFill>
+              </a:rPr>
+              <a:t> Gym toolkit.</a:t>
+            </a:r>
+          </a:p>
+        </p:txBody>
+      </p:sp>
+      <p:sp>
+        <p:nvSpPr>
+          <p:cNvPr id="4" name="標題 1"/>
+          <p:cNvSpPr txBox="1">
+            <a:spLocks/>
+          </p:cNvSpPr>
+          <p:nvPr/>
+        </p:nvSpPr>
+        <p:spPr>
+          <a:xfrm>
+            <a:off x="0" y="764704"/>
+            <a:ext cx="9144000" cy="360040"/>
+          </a:xfrm>
+          <a:prstGeom prst="rect">
+            <a:avLst/>
+          </a:prstGeom>
+          <a:gradFill flip="none" rotWithShape="1">
+            <a:gsLst>
+              <a:gs pos="0">
+                <a:srgbClr val="00B0F0">
+                  <a:shade val="30000"/>
+                  <a:satMod val="115000"/>
+                </a:srgbClr>
+              </a:gs>
+              <a:gs pos="50000">
+                <a:srgbClr val="00B0F0">
+                  <a:shade val="67500"/>
+                  <a:satMod val="115000"/>
+                </a:srgbClr>
+              </a:gs>
+              <a:gs pos="100000">
+                <a:srgbClr val="00B0F0">
+                  <a:shade val="100000"/>
+                  <a:satMod val="115000"/>
+                </a:srgbClr>
+              </a:gs>
+            </a:gsLst>
+            <a:path path="circle">
+              <a:fillToRect t="100000" r="100000"/>
+            </a:path>
+            <a:tileRect l="-100000" b="-100000"/>
+          </a:gradFill>
+        </p:spPr>
+        <p:txBody>
+          <a:bodyPr vert="horz" lIns="91440" tIns="45720" rIns="91440" bIns="45720" rtlCol="0" anchor="ctr">
+            <a:normAutofit fontScale="92500"/>
+          </a:bodyPr>
+          <a:lstStyle/>
+          <a:p>
+            <a:pPr lvl="0">
+              <a:spcBef>
+                <a:spcPct val="0"/>
+              </a:spcBef>
+            </a:pPr>
+            <a:r>
+              <a:rPr lang="en-US" sz="1600" dirty="0">
+                <a:hlinkClick r:id="rId2"/>
+              </a:rPr>
+              <a:t>https://www.youtube.com/watch?v=QK_PP_2KgGE&amp;list=PLZbbT5o_s2xoWNVdDudn51XM8lOuZ_Njv&amp;index=8</a:t>
+            </a:r>
+            <a:endParaRPr kumimoji="0" lang="zh-TW" altLang="en-US" sz="1600" b="0" i="0" u="none" strike="noStrike" kern="1200" cap="none" spc="0" normalizeH="0" baseline="0" noProof="0" dirty="0">
+              <a:ln>
+                <a:noFill/>
+              </a:ln>
+              <a:solidFill>
+                <a:schemeClr val="tx1"/>
+              </a:solidFill>
+              <a:effectLst/>
+              <a:uLnTx/>
+              <a:uFillTx/>
+              <a:latin typeface="+mj-lt"/>
+              <a:ea typeface="+mj-ea"/>
+              <a:cs typeface="+mj-cs"/>
+            </a:endParaRPr>
+          </a:p>
+        </p:txBody>
+      </p:sp>
+      <p:sp>
+        <p:nvSpPr>
+          <p:cNvPr id="5" name="日期版面配置區 4"/>
+          <p:cNvSpPr>
+            <a:spLocks noGrp="1"/>
+          </p:cNvSpPr>
+          <p:nvPr>
+            <p:ph type="dt" sz="half" idx="10"/>
+          </p:nvPr>
+        </p:nvSpPr>
+        <p:spPr/>
+        <p:txBody>
+          <a:bodyPr/>
+          <a:lstStyle/>
+          <a:p>
+            <a:fld id="{A4F910E6-8D00-4BAF-8C48-9688E0B449D3}" type="datetime1">
+              <a:rPr lang="zh-TW" altLang="en-US" smtClean="0"/>
+              <a:pPr/>
+              <a:t>2020/6/16</a:t>
+            </a:fld>
+            <a:endParaRPr lang="zh-TW" altLang="en-US"/>
+          </a:p>
+        </p:txBody>
+      </p:sp>
+      <p:sp>
+        <p:nvSpPr>
+          <p:cNvPr id="6" name="投影片編號版面配置區 5"/>
+          <p:cNvSpPr>
+            <a:spLocks noGrp="1"/>
+          </p:cNvSpPr>
+          <p:nvPr>
+            <p:ph type="sldNum" sz="quarter" idx="12"/>
+          </p:nvPr>
+        </p:nvSpPr>
+        <p:spPr/>
+        <p:txBody>
+          <a:bodyPr/>
+          <a:lstStyle/>
+          <a:p>
+            <a:fld id="{E4D7E63D-91F2-4366-A2C4-1B00C9E2590E}" type="slidenum">
+              <a:rPr lang="zh-TW" altLang="en-US" smtClean="0"/>
+              <a:pPr/>
+              <a:t>2</a:t>
+            </a:fld>
+            <a:endParaRPr lang="zh-TW" altLang="en-US"/>
+          </a:p>
+        </p:txBody>
+      </p:sp>
+    </p:spTree>
+  </p:cSld>
+  <p:clrMapOvr>
+    <a:masterClrMapping/>
+  </p:clrMapOvr>
+</p:sld>
+</file>
+
+<file path=ppt/slides/slide3.xml><?xml version="1.0" encoding="utf-8"?>
+<p:sld xmlns:a="http://schemas.openxmlformats.org/drawingml/2006/main" xmlns:r="http://schemas.openxmlformats.org/officeDocument/2006/relationships" xmlns:p="http://schemas.openxmlformats.org/presentationml/2006/main">
+  <p:cSld>
+    <p:spTree>
+      <p:nvGrpSpPr>
+        <p:cNvPr id="1" name=""/>
+        <p:cNvGrpSpPr/>
+        <p:nvPr/>
+      </p:nvGrpSpPr>
+      <p:grpSpPr>
+        <a:xfrm>
+          <a:off x="0" y="0"/>
+          <a:ext cx="0" cy="0"/>
+          <a:chOff x="0" y="0"/>
+          <a:chExt cx="0" cy="0"/>
+        </a:xfrm>
+      </p:grpSpPr>
+      <p:sp>
+        <p:nvSpPr>
+          <p:cNvPr id="2" name="標題 1"/>
+          <p:cNvSpPr>
+            <a:spLocks noGrp="1"/>
+          </p:cNvSpPr>
+          <p:nvPr>
+            <p:ph type="ctrTitle"/>
+          </p:nvPr>
+        </p:nvSpPr>
+        <p:spPr>
+          <a:xfrm>
+            <a:off x="0" y="1"/>
+            <a:ext cx="9144000" cy="764704"/>
+          </a:xfrm>
+          <a:gradFill flip="none" rotWithShape="1">
+            <a:gsLst>
+              <a:gs pos="0">
+                <a:srgbClr val="C00000">
+                  <a:shade val="30000"/>
+                  <a:satMod val="115000"/>
+                </a:srgbClr>
+              </a:gs>
+              <a:gs pos="50000">
+                <a:srgbClr val="C00000">
+                  <a:shade val="67500"/>
+                  <a:satMod val="115000"/>
+                </a:srgbClr>
+              </a:gs>
+              <a:gs pos="100000">
+                <a:srgbClr val="C00000">
+                  <a:shade val="100000"/>
+                  <a:satMod val="115000"/>
+                </a:srgbClr>
+              </a:gs>
+            </a:gsLst>
+            <a:path path="circle">
+              <a:fillToRect t="100000" r="100000"/>
+            </a:path>
+            <a:tileRect l="-100000" b="-100000"/>
+          </a:gradFill>
+        </p:spPr>
+        <p:txBody>
+          <a:bodyPr>
+            <a:normAutofit/>
+          </a:bodyPr>
+          <a:lstStyle/>
+          <a:p>
+            <a:pPr algn="l"/>
+            <a:r>
+              <a:rPr lang="en-US" altLang="zh-TW" b="1" dirty="0">
+                <a:solidFill>
+                  <a:srgbClr val="FFFF00"/>
+                </a:solidFill>
+              </a:rPr>
+              <a:t>8 </a:t>
+            </a:r>
+            <a:r>
+              <a:rPr lang="en-US" altLang="zh-TW" b="1" dirty="0" err="1">
+                <a:solidFill>
+                  <a:srgbClr val="FFFF00"/>
+                </a:solidFill>
+              </a:rPr>
+              <a:t>OpenAI</a:t>
+            </a:r>
+            <a:r>
+              <a:rPr lang="en-US" altLang="zh-TW" b="1" dirty="0">
+                <a:solidFill>
+                  <a:srgbClr val="FFFF00"/>
+                </a:solidFill>
+              </a:rPr>
+              <a:t> Gym and Python for Q-Learn</a:t>
+            </a:r>
+            <a:endParaRPr lang="zh-TW" altLang="en-US" b="1" dirty="0">
+              <a:solidFill>
+                <a:srgbClr val="FFFF00"/>
+              </a:solidFill>
+            </a:endParaRPr>
+          </a:p>
+        </p:txBody>
+      </p:sp>
+      <p:sp>
+        <p:nvSpPr>
+          <p:cNvPr id="3" name="副標題 2"/>
+          <p:cNvSpPr>
+            <a:spLocks noGrp="1"/>
+          </p:cNvSpPr>
+          <p:nvPr>
+            <p:ph type="subTitle" idx="1"/>
+          </p:nvPr>
+        </p:nvSpPr>
+        <p:spPr>
+          <a:xfrm>
+            <a:off x="432335" y="1250650"/>
+            <a:ext cx="8352928" cy="1098230"/>
+          </a:xfrm>
+          <a:ln>
+            <a:solidFill>
+              <a:srgbClr val="C00000"/>
+            </a:solidFill>
+          </a:ln>
+        </p:spPr>
+        <p:txBody>
+          <a:bodyPr>
+            <a:noAutofit/>
+          </a:bodyPr>
+          <a:lstStyle/>
+          <a:p>
+            <a:pPr marL="342900" indent="-342900" algn="l">
+              <a:buClr>
+                <a:srgbClr val="0070C0"/>
+              </a:buClr>
+              <a:buSzPct val="80000"/>
+              <a:buFont typeface="Wingdings" pitchFamily="2" charset="2"/>
+              <a:buChar char="u"/>
+            </a:pPr>
+            <a:r>
+              <a:rPr lang="en-US" sz="1800" b="1" dirty="0" err="1">
+                <a:solidFill>
+                  <a:schemeClr val="tx1"/>
+                </a:solidFill>
+              </a:rPr>
+              <a:t>OpenAI</a:t>
+            </a:r>
+            <a:r>
+              <a:rPr lang="en-US" sz="1800" b="1" dirty="0">
+                <a:solidFill>
+                  <a:schemeClr val="tx1"/>
+                </a:solidFill>
+              </a:rPr>
+              <a:t> Gym and Python for Q-Learning</a:t>
+            </a:r>
+          </a:p>
+          <a:p>
+            <a:pPr marL="342900" indent="-342900" algn="l">
+              <a:buClr>
+                <a:srgbClr val="0070C0"/>
+              </a:buClr>
+              <a:buSzPct val="80000"/>
+              <a:buFont typeface="Wingdings" pitchFamily="2" charset="2"/>
+              <a:buChar char="u"/>
+            </a:pPr>
+            <a:r>
+              <a:rPr lang="en-US" sz="1800" dirty="0">
+                <a:solidFill>
+                  <a:schemeClr val="tx1"/>
+                </a:solidFill>
+              </a:rPr>
+              <a:t>The Gym Library is a collection of environments that we can use with reinforcement learning algorithms to develop. </a:t>
+            </a:r>
+          </a:p>
+        </p:txBody>
+      </p:sp>
+      <p:sp>
+        <p:nvSpPr>
+          <p:cNvPr id="4" name="標題 1"/>
+          <p:cNvSpPr txBox="1">
+            <a:spLocks/>
+          </p:cNvSpPr>
+          <p:nvPr/>
+        </p:nvSpPr>
+        <p:spPr>
+          <a:xfrm>
+            <a:off x="0" y="764704"/>
+            <a:ext cx="9144000" cy="360040"/>
+          </a:xfrm>
+          <a:prstGeom prst="rect">
+            <a:avLst/>
+          </a:prstGeom>
+          <a:gradFill flip="none" rotWithShape="1">
+            <a:gsLst>
+              <a:gs pos="0">
+                <a:srgbClr val="00B0F0">
+                  <a:shade val="30000"/>
+                  <a:satMod val="115000"/>
+                </a:srgbClr>
+              </a:gs>
+              <a:gs pos="50000">
+                <a:srgbClr val="00B0F0">
+                  <a:shade val="67500"/>
+                  <a:satMod val="115000"/>
+                </a:srgbClr>
+              </a:gs>
+              <a:gs pos="100000">
+                <a:srgbClr val="00B0F0">
+                  <a:shade val="100000"/>
+                  <a:satMod val="115000"/>
+                </a:srgbClr>
+              </a:gs>
+            </a:gsLst>
+            <a:path path="circle">
+              <a:fillToRect t="100000" r="100000"/>
+            </a:path>
+            <a:tileRect l="-100000" b="-100000"/>
+          </a:gradFill>
+        </p:spPr>
+        <p:txBody>
+          <a:bodyPr vert="horz" lIns="91440" tIns="45720" rIns="91440" bIns="45720" rtlCol="0" anchor="ctr">
+            <a:normAutofit fontScale="92500"/>
+          </a:bodyPr>
+          <a:lstStyle/>
+          <a:p>
+            <a:pPr lvl="0">
+              <a:spcBef>
+                <a:spcPct val="0"/>
+              </a:spcBef>
+            </a:pPr>
+            <a:r>
+              <a:rPr lang="en-US" sz="1600" dirty="0">
+                <a:hlinkClick r:id="rId2"/>
+              </a:rPr>
+              <a:t>https://www.youtube.com/watch?v=QK_PP_2KgGE&amp;list=PLZbbT5o_s2xoWNVdDudn51XM8lOuZ_Njv&amp;index=8</a:t>
+            </a:r>
+            <a:endParaRPr kumimoji="0" lang="zh-TW" altLang="en-US" sz="1600" b="0" i="0" u="none" strike="noStrike" kern="1200" cap="none" spc="0" normalizeH="0" baseline="0" noProof="0" dirty="0">
+              <a:ln>
+                <a:noFill/>
+              </a:ln>
+              <a:solidFill>
+                <a:schemeClr val="tx1"/>
+              </a:solidFill>
+              <a:effectLst/>
+              <a:uLnTx/>
+              <a:uFillTx/>
+              <a:latin typeface="+mj-lt"/>
+              <a:ea typeface="+mj-ea"/>
+              <a:cs typeface="+mj-cs"/>
+            </a:endParaRPr>
+          </a:p>
+        </p:txBody>
+      </p:sp>
+      <p:sp>
+        <p:nvSpPr>
+          <p:cNvPr id="5" name="日期版面配置區 4"/>
+          <p:cNvSpPr>
+            <a:spLocks noGrp="1"/>
+          </p:cNvSpPr>
+          <p:nvPr>
+            <p:ph type="dt" sz="half" idx="10"/>
+          </p:nvPr>
+        </p:nvSpPr>
+        <p:spPr/>
+        <p:txBody>
+          <a:bodyPr/>
+          <a:lstStyle/>
+          <a:p>
+            <a:fld id="{A4F910E6-8D00-4BAF-8C48-9688E0B449D3}" type="datetime1">
+              <a:rPr lang="zh-TW" altLang="en-US" smtClean="0"/>
+              <a:pPr/>
+              <a:t>2020/6/16</a:t>
+            </a:fld>
+            <a:endParaRPr lang="zh-TW" altLang="en-US"/>
+          </a:p>
+        </p:txBody>
+      </p:sp>
+      <p:sp>
+        <p:nvSpPr>
+          <p:cNvPr id="6" name="投影片編號版面配置區 5"/>
+          <p:cNvSpPr>
+            <a:spLocks noGrp="1"/>
+          </p:cNvSpPr>
+          <p:nvPr>
+            <p:ph type="sldNum" sz="quarter" idx="12"/>
+          </p:nvPr>
+        </p:nvSpPr>
+        <p:spPr/>
+        <p:txBody>
+          <a:bodyPr/>
+          <a:lstStyle/>
+          <a:p>
+            <a:fld id="{E4D7E63D-91F2-4366-A2C4-1B00C9E2590E}" type="slidenum">
+              <a:rPr lang="zh-TW" altLang="en-US" smtClean="0"/>
+              <a:pPr/>
+              <a:t>3</a:t>
+            </a:fld>
+            <a:endParaRPr lang="zh-TW" altLang="en-US"/>
+          </a:p>
+        </p:txBody>
+      </p:sp>
+      <p:pic>
+        <p:nvPicPr>
+          <p:cNvPr id="7" name="Picture 6">
+            <a:extLst>
+              <a:ext uri="{FF2B5EF4-FFF2-40B4-BE49-F238E27FC236}">
+                <a16:creationId xmlns:a16="http://schemas.microsoft.com/office/drawing/2014/main" id="{874FA204-B808-48AC-A7C7-66B184DE8225}"/>
+              </a:ext>
+            </a:extLst>
+          </p:cNvPr>
+          <p:cNvPicPr>
+            <a:picLocks noChangeAspect="1"/>
+          </p:cNvPicPr>
+          <p:nvPr/>
+        </p:nvPicPr>
+        <p:blipFill>
+          <a:blip r:embed="rId3"/>
+          <a:stretch>
+            <a:fillRect/>
+          </a:stretch>
+        </p:blipFill>
+        <p:spPr>
+          <a:xfrm>
+            <a:off x="1534818" y="2514273"/>
+            <a:ext cx="6228184" cy="4207202"/>
+          </a:xfrm>
+          <a:prstGeom prst="rect">
+            <a:avLst/>
+          </a:prstGeom>
+          <a:ln>
+            <a:solidFill>
+              <a:srgbClr val="C00000"/>
+            </a:solidFill>
+          </a:ln>
+        </p:spPr>
+      </p:pic>
+    </p:spTree>
+    <p:extLst>
+      <p:ext uri="{BB962C8B-B14F-4D97-AF65-F5344CB8AC3E}">
+        <p14:creationId xmlns:p14="http://schemas.microsoft.com/office/powerpoint/2010/main" val="3636656137"/>
+      </p:ext>
+    </p:extLst>
+  </p:cSld>
+  <p:clrMapOvr>
+    <a:masterClrMapping/>
+  </p:clrMapOvr>
+</p:sld>
+</file>
+
+<file path=ppt/slides/slide4.xml><?xml version="1.0" encoding="utf-8"?>
+<p:sld xmlns:a="http://schemas.openxmlformats.org/drawingml/2006/main" xmlns:r="http://schemas.openxmlformats.org/officeDocument/2006/relationships" xmlns:p="http://schemas.openxmlformats.org/presentationml/2006/main">
+  <p:cSld>
+    <p:spTree>
+      <p:nvGrpSpPr>
+        <p:cNvPr id="1" name=""/>
+        <p:cNvGrpSpPr/>
+        <p:nvPr/>
+      </p:nvGrpSpPr>
+      <p:grpSpPr>
+        <a:xfrm>
+          <a:off x="0" y="0"/>
+          <a:ext cx="0" cy="0"/>
+          <a:chOff x="0" y="0"/>
+          <a:chExt cx="0" cy="0"/>
+        </a:xfrm>
+      </p:grpSpPr>
+      <p:sp>
+        <p:nvSpPr>
+          <p:cNvPr id="2" name="標題 1"/>
+          <p:cNvSpPr>
+            <a:spLocks noGrp="1"/>
+          </p:cNvSpPr>
+          <p:nvPr>
+            <p:ph type="ctrTitle"/>
+          </p:nvPr>
+        </p:nvSpPr>
+        <p:spPr>
+          <a:xfrm>
+            <a:off x="0" y="1"/>
+            <a:ext cx="9144000" cy="764704"/>
+          </a:xfrm>
+          <a:gradFill flip="none" rotWithShape="1">
+            <a:gsLst>
+              <a:gs pos="0">
+                <a:srgbClr val="C00000">
+                  <a:shade val="30000"/>
+                  <a:satMod val="115000"/>
+                </a:srgbClr>
+              </a:gs>
+              <a:gs pos="50000">
+                <a:srgbClr val="C00000">
+                  <a:shade val="67500"/>
+                  <a:satMod val="115000"/>
+                </a:srgbClr>
+              </a:gs>
+              <a:gs pos="100000">
+                <a:srgbClr val="C00000">
+                  <a:shade val="100000"/>
+                  <a:satMod val="115000"/>
+                </a:srgbClr>
+              </a:gs>
+            </a:gsLst>
+            <a:path path="circle">
+              <a:fillToRect t="100000" r="100000"/>
+            </a:path>
+            <a:tileRect l="-100000" b="-100000"/>
+          </a:gradFill>
+        </p:spPr>
+        <p:txBody>
+          <a:bodyPr>
+            <a:normAutofit/>
+          </a:bodyPr>
+          <a:lstStyle/>
+          <a:p>
+            <a:pPr algn="l"/>
+            <a:r>
+              <a:rPr lang="en-US" altLang="zh-TW" b="1" dirty="0">
+                <a:solidFill>
+                  <a:srgbClr val="FFFF00"/>
+                </a:solidFill>
+              </a:rPr>
+              <a:t>8 </a:t>
+            </a:r>
+            <a:r>
+              <a:rPr lang="en-US" altLang="zh-TW" b="1" dirty="0" err="1">
+                <a:solidFill>
+                  <a:srgbClr val="FFFF00"/>
+                </a:solidFill>
+              </a:rPr>
+              <a:t>OpenAI</a:t>
+            </a:r>
+            <a:r>
+              <a:rPr lang="en-US" altLang="zh-TW" b="1" dirty="0">
+                <a:solidFill>
+                  <a:srgbClr val="FFFF00"/>
+                </a:solidFill>
+              </a:rPr>
+              <a:t> Gym and Python for Q-Learn</a:t>
+            </a:r>
+            <a:endParaRPr lang="zh-TW" altLang="en-US" b="1" dirty="0">
+              <a:solidFill>
+                <a:srgbClr val="FFFF00"/>
+              </a:solidFill>
+            </a:endParaRPr>
+          </a:p>
+        </p:txBody>
+      </p:sp>
+      <p:sp>
+        <p:nvSpPr>
+          <p:cNvPr id="3" name="副標題 2"/>
+          <p:cNvSpPr>
+            <a:spLocks noGrp="1"/>
+          </p:cNvSpPr>
+          <p:nvPr>
+            <p:ph type="subTitle" idx="1"/>
+          </p:nvPr>
+        </p:nvSpPr>
+        <p:spPr>
+          <a:xfrm>
+            <a:off x="432335" y="1250650"/>
+            <a:ext cx="8352928" cy="1026222"/>
+          </a:xfrm>
+          <a:ln>
+            <a:solidFill>
+              <a:srgbClr val="C00000"/>
+            </a:solidFill>
+          </a:ln>
+        </p:spPr>
+        <p:txBody>
+          <a:bodyPr>
+            <a:noAutofit/>
+          </a:bodyPr>
+          <a:lstStyle/>
+          <a:p>
+            <a:pPr marL="342900" indent="-342900" algn="l">
+              <a:buClr>
+                <a:srgbClr val="0070C0"/>
+              </a:buClr>
+              <a:buSzPct val="80000"/>
+              <a:buFont typeface="Wingdings" pitchFamily="2" charset="2"/>
+              <a:buChar char="u"/>
+            </a:pPr>
+            <a:r>
+              <a:rPr lang="en-US" sz="1800" b="1" dirty="0" err="1">
+                <a:solidFill>
+                  <a:schemeClr val="tx1"/>
+                </a:solidFill>
+              </a:rPr>
+              <a:t>OpenAI</a:t>
+            </a:r>
+            <a:r>
+              <a:rPr lang="en-US" sz="1800" b="1" dirty="0">
+                <a:solidFill>
+                  <a:schemeClr val="tx1"/>
+                </a:solidFill>
+              </a:rPr>
+              <a:t> Gym</a:t>
+            </a:r>
+          </a:p>
+          <a:p>
+            <a:pPr marL="342900" indent="-342900" algn="l">
+              <a:buClr>
+                <a:srgbClr val="0070C0"/>
+              </a:buClr>
+              <a:buSzPct val="80000"/>
+              <a:buFont typeface="Wingdings" pitchFamily="2" charset="2"/>
+              <a:buChar char="u"/>
+            </a:pPr>
+            <a:r>
+              <a:rPr lang="en-US" sz="1800" dirty="0">
+                <a:solidFill>
+                  <a:schemeClr val="tx1"/>
+                </a:solidFill>
+              </a:rPr>
+              <a:t>Gym as a lot of environments ranging from simple text based games to Atari games, such as, Breakout and Space Invaders.</a:t>
+            </a:r>
+          </a:p>
+        </p:txBody>
+      </p:sp>
+      <p:sp>
+        <p:nvSpPr>
+          <p:cNvPr id="4" name="標題 1"/>
+          <p:cNvSpPr txBox="1">
+            <a:spLocks/>
+          </p:cNvSpPr>
+          <p:nvPr/>
+        </p:nvSpPr>
+        <p:spPr>
+          <a:xfrm>
+            <a:off x="0" y="764704"/>
+            <a:ext cx="9144000" cy="360040"/>
+          </a:xfrm>
+          <a:prstGeom prst="rect">
+            <a:avLst/>
+          </a:prstGeom>
+          <a:gradFill flip="none" rotWithShape="1">
+            <a:gsLst>
+              <a:gs pos="0">
+                <a:srgbClr val="00B0F0">
+                  <a:shade val="30000"/>
+                  <a:satMod val="115000"/>
+                </a:srgbClr>
+              </a:gs>
+              <a:gs pos="50000">
+                <a:srgbClr val="00B0F0">
+                  <a:shade val="67500"/>
+                  <a:satMod val="115000"/>
+                </a:srgbClr>
+              </a:gs>
+              <a:gs pos="100000">
+                <a:srgbClr val="00B0F0">
+                  <a:shade val="100000"/>
+                  <a:satMod val="115000"/>
+                </a:srgbClr>
+              </a:gs>
+            </a:gsLst>
+            <a:path path="circle">
+              <a:fillToRect t="100000" r="100000"/>
+            </a:path>
+            <a:tileRect l="-100000" b="-100000"/>
+          </a:gradFill>
+        </p:spPr>
+        <p:txBody>
+          <a:bodyPr vert="horz" lIns="91440" tIns="45720" rIns="91440" bIns="45720" rtlCol="0" anchor="ctr">
+            <a:normAutofit fontScale="92500"/>
+          </a:bodyPr>
+          <a:lstStyle/>
+          <a:p>
+            <a:pPr lvl="0">
+              <a:spcBef>
+                <a:spcPct val="0"/>
+              </a:spcBef>
+            </a:pPr>
+            <a:r>
+              <a:rPr lang="en-US" sz="1600" dirty="0">
+                <a:hlinkClick r:id="rId2"/>
+              </a:rPr>
+              <a:t>https://www.youtube.com/watch?v=QK_PP_2KgGE&amp;list=PLZbbT5o_s2xoWNVdDudn51XM8lOuZ_Njv&amp;index=8</a:t>
+            </a:r>
+            <a:endParaRPr kumimoji="0" lang="zh-TW" altLang="en-US" sz="1600" b="0" i="0" u="none" strike="noStrike" kern="1200" cap="none" spc="0" normalizeH="0" baseline="0" noProof="0" dirty="0">
+              <a:ln>
+                <a:noFill/>
+              </a:ln>
+              <a:solidFill>
+                <a:schemeClr val="tx1"/>
+              </a:solidFill>
+              <a:effectLst/>
+              <a:uLnTx/>
+              <a:uFillTx/>
+              <a:latin typeface="+mj-lt"/>
+              <a:ea typeface="+mj-ea"/>
+              <a:cs typeface="+mj-cs"/>
+            </a:endParaRPr>
+          </a:p>
+        </p:txBody>
+      </p:sp>
+      <p:sp>
+        <p:nvSpPr>
+          <p:cNvPr id="5" name="日期版面配置區 4"/>
+          <p:cNvSpPr>
+            <a:spLocks noGrp="1"/>
+          </p:cNvSpPr>
+          <p:nvPr>
+            <p:ph type="dt" sz="half" idx="10"/>
+          </p:nvPr>
+        </p:nvSpPr>
+        <p:spPr/>
+        <p:txBody>
+          <a:bodyPr/>
+          <a:lstStyle/>
+          <a:p>
+            <a:fld id="{A4F910E6-8D00-4BAF-8C48-9688E0B449D3}" type="datetime1">
+              <a:rPr lang="zh-TW" altLang="en-US" smtClean="0"/>
+              <a:pPr/>
+              <a:t>2020/6/16</a:t>
+            </a:fld>
+            <a:endParaRPr lang="zh-TW" altLang="en-US"/>
+          </a:p>
+        </p:txBody>
+      </p:sp>
+      <p:sp>
+        <p:nvSpPr>
+          <p:cNvPr id="6" name="投影片編號版面配置區 5"/>
+          <p:cNvSpPr>
+            <a:spLocks noGrp="1"/>
+          </p:cNvSpPr>
+          <p:nvPr>
+            <p:ph type="sldNum" sz="quarter" idx="12"/>
+          </p:nvPr>
+        </p:nvSpPr>
+        <p:spPr/>
+        <p:txBody>
+          <a:bodyPr/>
+          <a:lstStyle/>
+          <a:p>
+            <a:fld id="{E4D7E63D-91F2-4366-A2C4-1B00C9E2590E}" type="slidenum">
+              <a:rPr lang="zh-TW" altLang="en-US" smtClean="0"/>
+              <a:pPr/>
+              <a:t>4</a:t>
+            </a:fld>
+            <a:endParaRPr lang="zh-TW" altLang="en-US"/>
+          </a:p>
+        </p:txBody>
+      </p:sp>
+      <p:pic>
+        <p:nvPicPr>
+          <p:cNvPr id="7" name="Picture 6">
+            <a:extLst>
+              <a:ext uri="{FF2B5EF4-FFF2-40B4-BE49-F238E27FC236}">
+                <a16:creationId xmlns:a16="http://schemas.microsoft.com/office/drawing/2014/main" id="{6E517C57-B600-4C51-9D43-D5C49BE2B675}"/>
+              </a:ext>
+            </a:extLst>
+          </p:cNvPr>
+          <p:cNvPicPr>
+            <a:picLocks noChangeAspect="1"/>
+          </p:cNvPicPr>
+          <p:nvPr/>
+        </p:nvPicPr>
+        <p:blipFill>
+          <a:blip r:embed="rId3"/>
+          <a:stretch>
+            <a:fillRect/>
+          </a:stretch>
+        </p:blipFill>
+        <p:spPr>
+          <a:xfrm>
+            <a:off x="797124" y="2402778"/>
+            <a:ext cx="7920845" cy="3806454"/>
+          </a:xfrm>
+          <a:prstGeom prst="rect">
+            <a:avLst/>
+          </a:prstGeom>
+          <a:ln>
+            <a:solidFill>
+              <a:srgbClr val="C00000"/>
+            </a:solidFill>
+          </a:ln>
+        </p:spPr>
+      </p:pic>
+    </p:spTree>
+    <p:extLst>
+      <p:ext uri="{BB962C8B-B14F-4D97-AF65-F5344CB8AC3E}">
+        <p14:creationId xmlns:p14="http://schemas.microsoft.com/office/powerpoint/2010/main" val="1789095230"/>
+      </p:ext>
+    </p:extLst>
+  </p:cSld>
+  <p:clrMapOvr>
+    <a:masterClrMapping/>
+  </p:clrMapOvr>
+</p:sld>
+</file>
+
+<file path=ppt/slides/slide5.xml><?xml version="1.0" encoding="utf-8"?>
+<p:sld xmlns:a="http://schemas.openxmlformats.org/drawingml/2006/main" xmlns:r="http://schemas.openxmlformats.org/officeDocument/2006/relationships" xmlns:p="http://schemas.openxmlformats.org/presentationml/2006/main">
+  <p:cSld>
+    <p:spTree>
+      <p:nvGrpSpPr>
+        <p:cNvPr id="1" name=""/>
+        <p:cNvGrpSpPr/>
+        <p:nvPr/>
+      </p:nvGrpSpPr>
+      <p:grpSpPr>
+        <a:xfrm>
+          <a:off x="0" y="0"/>
+          <a:ext cx="0" cy="0"/>
+          <a:chOff x="0" y="0"/>
+          <a:chExt cx="0" cy="0"/>
+        </a:xfrm>
+      </p:grpSpPr>
+      <p:sp>
+        <p:nvSpPr>
+          <p:cNvPr id="2" name="標題 1"/>
+          <p:cNvSpPr>
+            <a:spLocks noGrp="1"/>
+          </p:cNvSpPr>
+          <p:nvPr>
+            <p:ph type="ctrTitle"/>
+          </p:nvPr>
+        </p:nvSpPr>
+        <p:spPr>
+          <a:xfrm>
+            <a:off x="0" y="1"/>
+            <a:ext cx="9144000" cy="764704"/>
+          </a:xfrm>
+          <a:gradFill flip="none" rotWithShape="1">
+            <a:gsLst>
+              <a:gs pos="0">
+                <a:srgbClr val="C00000">
+                  <a:shade val="30000"/>
+                  <a:satMod val="115000"/>
+                </a:srgbClr>
+              </a:gs>
+              <a:gs pos="50000">
+                <a:srgbClr val="C00000">
+                  <a:shade val="67500"/>
+                  <a:satMod val="115000"/>
+                </a:srgbClr>
+              </a:gs>
+              <a:gs pos="100000">
+                <a:srgbClr val="C00000">
+                  <a:shade val="100000"/>
+                  <a:satMod val="115000"/>
+                </a:srgbClr>
+              </a:gs>
+            </a:gsLst>
+            <a:path path="circle">
+              <a:fillToRect t="100000" r="100000"/>
+            </a:path>
+            <a:tileRect l="-100000" b="-100000"/>
+          </a:gradFill>
+        </p:spPr>
+        <p:txBody>
+          <a:bodyPr>
+            <a:normAutofit/>
+          </a:bodyPr>
+          <a:lstStyle/>
+          <a:p>
+            <a:pPr algn="l"/>
+            <a:r>
+              <a:rPr lang="en-US" altLang="zh-TW" b="1" dirty="0">
+                <a:solidFill>
+                  <a:srgbClr val="FFFF00"/>
+                </a:solidFill>
+              </a:rPr>
+              <a:t>8 </a:t>
+            </a:r>
+            <a:r>
+              <a:rPr lang="en-US" altLang="zh-TW" b="1" dirty="0" err="1">
+                <a:solidFill>
+                  <a:srgbClr val="FFFF00"/>
+                </a:solidFill>
+              </a:rPr>
+              <a:t>OpenAI</a:t>
+            </a:r>
+            <a:r>
+              <a:rPr lang="en-US" altLang="zh-TW" b="1" dirty="0">
+                <a:solidFill>
+                  <a:srgbClr val="FFFF00"/>
+                </a:solidFill>
+              </a:rPr>
+              <a:t> Gym and Python for Q-Learn</a:t>
+            </a:r>
+            <a:endParaRPr lang="zh-TW" altLang="en-US" b="1" dirty="0">
+              <a:solidFill>
+                <a:srgbClr val="FFFF00"/>
+              </a:solidFill>
+            </a:endParaRPr>
+          </a:p>
+        </p:txBody>
+      </p:sp>
+      <p:sp>
+        <p:nvSpPr>
+          <p:cNvPr id="3" name="副標題 2"/>
+          <p:cNvSpPr>
+            <a:spLocks noGrp="1"/>
+          </p:cNvSpPr>
+          <p:nvPr>
+            <p:ph type="subTitle" idx="1"/>
+          </p:nvPr>
+        </p:nvSpPr>
+        <p:spPr>
+          <a:xfrm>
+            <a:off x="432335" y="1250650"/>
+            <a:ext cx="8352928" cy="1386262"/>
+          </a:xfrm>
+          <a:ln>
+            <a:solidFill>
+              <a:srgbClr val="C00000"/>
+            </a:solidFill>
+          </a:ln>
+        </p:spPr>
+        <p:txBody>
+          <a:bodyPr>
+            <a:noAutofit/>
+          </a:bodyPr>
+          <a:lstStyle/>
+          <a:p>
+            <a:pPr marL="342900" indent="-342900" algn="l">
+              <a:buClr>
+                <a:srgbClr val="0070C0"/>
+              </a:buClr>
+              <a:buSzPct val="80000"/>
+              <a:buFont typeface="Wingdings" pitchFamily="2" charset="2"/>
+              <a:buChar char="u"/>
+            </a:pPr>
+            <a:r>
+              <a:rPr lang="en-US" sz="1800" b="1" dirty="0" err="1">
+                <a:solidFill>
+                  <a:schemeClr val="tx1"/>
+                </a:solidFill>
+              </a:rPr>
+              <a:t>OpenAI</a:t>
+            </a:r>
+            <a:r>
+              <a:rPr lang="en-US" sz="1800" b="1" dirty="0">
+                <a:solidFill>
+                  <a:schemeClr val="tx1"/>
+                </a:solidFill>
+              </a:rPr>
+              <a:t> Gym</a:t>
+            </a:r>
+          </a:p>
+          <a:p>
+            <a:pPr marL="342900" indent="-342900" algn="l">
+              <a:buClr>
+                <a:srgbClr val="0070C0"/>
+              </a:buClr>
+              <a:buSzPct val="80000"/>
+              <a:buFont typeface="Wingdings" pitchFamily="2" charset="2"/>
+              <a:buChar char="u"/>
+            </a:pPr>
+            <a:r>
+              <a:rPr lang="en-US" sz="1800" dirty="0">
+                <a:solidFill>
+                  <a:schemeClr val="tx1"/>
+                </a:solidFill>
+              </a:rPr>
+              <a:t>To install the gym library:</a:t>
+            </a:r>
+          </a:p>
+          <a:p>
+            <a:pPr marL="342900" indent="-342900" algn="l">
+              <a:buClr>
+                <a:srgbClr val="0070C0"/>
+              </a:buClr>
+              <a:buSzPct val="80000"/>
+              <a:buFont typeface="Wingdings" pitchFamily="2" charset="2"/>
+              <a:buChar char="u"/>
+            </a:pPr>
+            <a:r>
+              <a:rPr lang="en-US" sz="1800" dirty="0">
+                <a:solidFill>
+                  <a:schemeClr val="tx1"/>
+                </a:solidFill>
+              </a:rPr>
+              <a:t>&gt; </a:t>
+            </a:r>
+            <a:r>
+              <a:rPr lang="en-US" sz="1800" dirty="0" err="1">
+                <a:solidFill>
+                  <a:schemeClr val="tx1"/>
+                </a:solidFill>
+              </a:rPr>
+              <a:t>conda</a:t>
+            </a:r>
+            <a:r>
+              <a:rPr lang="en-US" sz="1800" dirty="0">
+                <a:solidFill>
+                  <a:schemeClr val="tx1"/>
+                </a:solidFill>
+              </a:rPr>
+              <a:t> activate </a:t>
+            </a:r>
+            <a:r>
+              <a:rPr lang="en-US" sz="1800" dirty="0" err="1">
+                <a:solidFill>
+                  <a:schemeClr val="tx1"/>
+                </a:solidFill>
+              </a:rPr>
+              <a:t>tf</a:t>
+            </a:r>
+            <a:endParaRPr lang="en-US" sz="1800" dirty="0">
+              <a:solidFill>
+                <a:schemeClr val="tx1"/>
+              </a:solidFill>
+            </a:endParaRPr>
+          </a:p>
+          <a:p>
+            <a:pPr marL="342900" indent="-342900" algn="l">
+              <a:buClr>
+                <a:srgbClr val="0070C0"/>
+              </a:buClr>
+              <a:buSzPct val="80000"/>
+              <a:buFont typeface="Wingdings" pitchFamily="2" charset="2"/>
+              <a:buChar char="u"/>
+            </a:pPr>
+            <a:r>
+              <a:rPr lang="en-US" sz="1800" dirty="0">
+                <a:solidFill>
+                  <a:schemeClr val="tx1"/>
+                </a:solidFill>
+              </a:rPr>
+              <a:t>(</a:t>
+            </a:r>
+            <a:r>
+              <a:rPr lang="en-US" sz="1800" dirty="0" err="1">
+                <a:solidFill>
+                  <a:schemeClr val="tx1"/>
+                </a:solidFill>
+              </a:rPr>
+              <a:t>tf</a:t>
+            </a:r>
+            <a:r>
+              <a:rPr lang="en-US" sz="1800" dirty="0">
+                <a:solidFill>
+                  <a:schemeClr val="tx1"/>
+                </a:solidFill>
+              </a:rPr>
+              <a:t>) &gt; pip install gym</a:t>
+            </a:r>
+          </a:p>
+        </p:txBody>
+      </p:sp>
+      <p:sp>
+        <p:nvSpPr>
+          <p:cNvPr id="4" name="標題 1"/>
+          <p:cNvSpPr txBox="1">
+            <a:spLocks/>
+          </p:cNvSpPr>
+          <p:nvPr/>
+        </p:nvSpPr>
+        <p:spPr>
+          <a:xfrm>
+            <a:off x="0" y="764704"/>
+            <a:ext cx="9144000" cy="360040"/>
+          </a:xfrm>
+          <a:prstGeom prst="rect">
+            <a:avLst/>
+          </a:prstGeom>
+          <a:gradFill flip="none" rotWithShape="1">
+            <a:gsLst>
+              <a:gs pos="0">
+                <a:srgbClr val="00B0F0">
+                  <a:shade val="30000"/>
+                  <a:satMod val="115000"/>
+                </a:srgbClr>
+              </a:gs>
+              <a:gs pos="50000">
+                <a:srgbClr val="00B0F0">
+                  <a:shade val="67500"/>
+                  <a:satMod val="115000"/>
+                </a:srgbClr>
+              </a:gs>
+              <a:gs pos="100000">
+                <a:srgbClr val="00B0F0">
+                  <a:shade val="100000"/>
+                  <a:satMod val="115000"/>
+                </a:srgbClr>
+              </a:gs>
+            </a:gsLst>
+            <a:path path="circle">
+              <a:fillToRect t="100000" r="100000"/>
+            </a:path>
+            <a:tileRect l="-100000" b="-100000"/>
+          </a:gradFill>
+        </p:spPr>
+        <p:txBody>
+          <a:bodyPr vert="horz" lIns="91440" tIns="45720" rIns="91440" bIns="45720" rtlCol="0" anchor="ctr">
+            <a:normAutofit fontScale="92500"/>
+          </a:bodyPr>
+          <a:lstStyle/>
+          <a:p>
+            <a:pPr lvl="0">
+              <a:spcBef>
+                <a:spcPct val="0"/>
+              </a:spcBef>
+            </a:pPr>
+            <a:r>
+              <a:rPr lang="en-US" sz="1600" dirty="0">
+                <a:hlinkClick r:id="rId2"/>
+              </a:rPr>
+              <a:t>https://www.youtube.com/watch?v=QK_PP_2KgGE&amp;list=PLZbbT5o_s2xoWNVdDudn51XM8lOuZ_Njv&amp;index=8</a:t>
+            </a:r>
+            <a:endParaRPr kumimoji="0" lang="zh-TW" altLang="en-US" sz="1600" b="0" i="0" u="none" strike="noStrike" kern="1200" cap="none" spc="0" normalizeH="0" baseline="0" noProof="0" dirty="0">
+              <a:ln>
+                <a:noFill/>
+              </a:ln>
+              <a:solidFill>
+                <a:schemeClr val="tx1"/>
+              </a:solidFill>
+              <a:effectLst/>
+              <a:uLnTx/>
+              <a:uFillTx/>
+              <a:latin typeface="+mj-lt"/>
+              <a:ea typeface="+mj-ea"/>
+              <a:cs typeface="+mj-cs"/>
+            </a:endParaRPr>
+          </a:p>
+        </p:txBody>
+      </p:sp>
+      <p:sp>
+        <p:nvSpPr>
+          <p:cNvPr id="5" name="日期版面配置區 4"/>
+          <p:cNvSpPr>
+            <a:spLocks noGrp="1"/>
+          </p:cNvSpPr>
+          <p:nvPr>
+            <p:ph type="dt" sz="half" idx="10"/>
+          </p:nvPr>
+        </p:nvSpPr>
+        <p:spPr/>
+        <p:txBody>
+          <a:bodyPr/>
+          <a:lstStyle/>
+          <a:p>
+            <a:fld id="{A4F910E6-8D00-4BAF-8C48-9688E0B449D3}" type="datetime1">
+              <a:rPr lang="zh-TW" altLang="en-US" smtClean="0"/>
+              <a:pPr/>
+              <a:t>2020/6/16</a:t>
             </a:fld>
             <a:endParaRPr lang="zh-TW" altLang="en-US"/>
           </a:p>
@@ -4449,7 +10104,1581 @@
           </a:p>
         </p:txBody>
       </p:sp>
+      <p:pic>
+        <p:nvPicPr>
+          <p:cNvPr id="8" name="Picture 7">
+            <a:extLst>
+              <a:ext uri="{FF2B5EF4-FFF2-40B4-BE49-F238E27FC236}">
+                <a16:creationId xmlns:a16="http://schemas.microsoft.com/office/drawing/2014/main" id="{62DA4C32-C663-46A4-BFC9-7AC6D2A4B4D7}"/>
+              </a:ext>
+            </a:extLst>
+          </p:cNvPr>
+          <p:cNvPicPr>
+            <a:picLocks noChangeAspect="1"/>
+          </p:cNvPicPr>
+          <p:nvPr/>
+        </p:nvPicPr>
+        <p:blipFill>
+          <a:blip r:embed="rId3"/>
+          <a:stretch>
+            <a:fillRect/>
+          </a:stretch>
+        </p:blipFill>
+        <p:spPr>
+          <a:xfrm>
+            <a:off x="384768" y="2690236"/>
+            <a:ext cx="9144000" cy="3410565"/>
+          </a:xfrm>
+          <a:prstGeom prst="rect">
+            <a:avLst/>
+          </a:prstGeom>
+          <a:ln>
+            <a:solidFill>
+              <a:srgbClr val="C00000"/>
+            </a:solidFill>
+          </a:ln>
+        </p:spPr>
+      </p:pic>
     </p:spTree>
+    <p:extLst>
+      <p:ext uri="{BB962C8B-B14F-4D97-AF65-F5344CB8AC3E}">
+        <p14:creationId xmlns:p14="http://schemas.microsoft.com/office/powerpoint/2010/main" val="1040523437"/>
+      </p:ext>
+    </p:extLst>
+  </p:cSld>
+  <p:clrMapOvr>
+    <a:masterClrMapping/>
+  </p:clrMapOvr>
+</p:sld>
+</file>
+
+<file path=ppt/slides/slide6.xml><?xml version="1.0" encoding="utf-8"?>
+<p:sld xmlns:a="http://schemas.openxmlformats.org/drawingml/2006/main" xmlns:r="http://schemas.openxmlformats.org/officeDocument/2006/relationships" xmlns:p="http://schemas.openxmlformats.org/presentationml/2006/main">
+  <p:cSld>
+    <p:spTree>
+      <p:nvGrpSpPr>
+        <p:cNvPr id="1" name=""/>
+        <p:cNvGrpSpPr/>
+        <p:nvPr/>
+      </p:nvGrpSpPr>
+      <p:grpSpPr>
+        <a:xfrm>
+          <a:off x="0" y="0"/>
+          <a:ext cx="0" cy="0"/>
+          <a:chOff x="0" y="0"/>
+          <a:chExt cx="0" cy="0"/>
+        </a:xfrm>
+      </p:grpSpPr>
+      <p:sp>
+        <p:nvSpPr>
+          <p:cNvPr id="2" name="標題 1"/>
+          <p:cNvSpPr>
+            <a:spLocks noGrp="1"/>
+          </p:cNvSpPr>
+          <p:nvPr>
+            <p:ph type="ctrTitle"/>
+          </p:nvPr>
+        </p:nvSpPr>
+        <p:spPr>
+          <a:xfrm>
+            <a:off x="0" y="1"/>
+            <a:ext cx="9144000" cy="764704"/>
+          </a:xfrm>
+          <a:gradFill flip="none" rotWithShape="1">
+            <a:gsLst>
+              <a:gs pos="0">
+                <a:srgbClr val="C00000">
+                  <a:shade val="30000"/>
+                  <a:satMod val="115000"/>
+                </a:srgbClr>
+              </a:gs>
+              <a:gs pos="50000">
+                <a:srgbClr val="C00000">
+                  <a:shade val="67500"/>
+                  <a:satMod val="115000"/>
+                </a:srgbClr>
+              </a:gs>
+              <a:gs pos="100000">
+                <a:srgbClr val="C00000">
+                  <a:shade val="100000"/>
+                  <a:satMod val="115000"/>
+                </a:srgbClr>
+              </a:gs>
+            </a:gsLst>
+            <a:path path="circle">
+              <a:fillToRect t="100000" r="100000"/>
+            </a:path>
+            <a:tileRect l="-100000" b="-100000"/>
+          </a:gradFill>
+        </p:spPr>
+        <p:txBody>
+          <a:bodyPr>
+            <a:normAutofit/>
+          </a:bodyPr>
+          <a:lstStyle/>
+          <a:p>
+            <a:pPr algn="l"/>
+            <a:r>
+              <a:rPr lang="en-US" altLang="zh-TW" b="1" dirty="0">
+                <a:solidFill>
+                  <a:srgbClr val="FFFF00"/>
+                </a:solidFill>
+              </a:rPr>
+              <a:t>8 </a:t>
+            </a:r>
+            <a:r>
+              <a:rPr lang="en-US" altLang="zh-TW" b="1" dirty="0" err="1">
+                <a:solidFill>
+                  <a:srgbClr val="FFFF00"/>
+                </a:solidFill>
+              </a:rPr>
+              <a:t>OpenAI</a:t>
+            </a:r>
+            <a:r>
+              <a:rPr lang="en-US" altLang="zh-TW" b="1" dirty="0">
+                <a:solidFill>
+                  <a:srgbClr val="FFFF00"/>
+                </a:solidFill>
+              </a:rPr>
+              <a:t> Gym and Python for Q-Learn</a:t>
+            </a:r>
+            <a:endParaRPr lang="zh-TW" altLang="en-US" b="1" dirty="0">
+              <a:solidFill>
+                <a:srgbClr val="FFFF00"/>
+              </a:solidFill>
+            </a:endParaRPr>
+          </a:p>
+        </p:txBody>
+      </p:sp>
+      <p:sp>
+        <p:nvSpPr>
+          <p:cNvPr id="3" name="副標題 2"/>
+          <p:cNvSpPr>
+            <a:spLocks noGrp="1"/>
+          </p:cNvSpPr>
+          <p:nvPr>
+            <p:ph type="subTitle" idx="1"/>
+          </p:nvPr>
+        </p:nvSpPr>
+        <p:spPr>
+          <a:xfrm>
+            <a:off x="432335" y="1250650"/>
+            <a:ext cx="8352928" cy="1386262"/>
+          </a:xfrm>
+          <a:ln>
+            <a:solidFill>
+              <a:srgbClr val="C00000"/>
+            </a:solidFill>
+          </a:ln>
+        </p:spPr>
+        <p:txBody>
+          <a:bodyPr>
+            <a:noAutofit/>
+          </a:bodyPr>
+          <a:lstStyle/>
+          <a:p>
+            <a:pPr marL="342900" indent="-342900" algn="l">
+              <a:buClr>
+                <a:srgbClr val="0070C0"/>
+              </a:buClr>
+              <a:buSzPct val="80000"/>
+              <a:buFont typeface="Wingdings" pitchFamily="2" charset="2"/>
+              <a:buChar char="u"/>
+            </a:pPr>
+            <a:r>
+              <a:rPr lang="en-US" sz="1800" b="1" dirty="0" err="1">
+                <a:solidFill>
+                  <a:schemeClr val="tx1"/>
+                </a:solidFill>
+              </a:rPr>
+              <a:t>OpenAI</a:t>
+            </a:r>
+            <a:r>
+              <a:rPr lang="en-US" sz="1800" b="1" dirty="0">
+                <a:solidFill>
+                  <a:schemeClr val="tx1"/>
+                </a:solidFill>
+              </a:rPr>
+              <a:t> Gym</a:t>
+            </a:r>
+          </a:p>
+          <a:p>
+            <a:pPr marL="342900" indent="-342900" algn="l">
+              <a:buClr>
+                <a:srgbClr val="0070C0"/>
+              </a:buClr>
+              <a:buSzPct val="80000"/>
+              <a:buFont typeface="Wingdings" pitchFamily="2" charset="2"/>
+              <a:buChar char="u"/>
+            </a:pPr>
+            <a:r>
+              <a:rPr lang="en-US" sz="1800" dirty="0">
+                <a:solidFill>
+                  <a:schemeClr val="tx1"/>
+                </a:solidFill>
+              </a:rPr>
+              <a:t>To install the gym library:</a:t>
+            </a:r>
+          </a:p>
+          <a:p>
+            <a:pPr marL="342900" indent="-342900" algn="l">
+              <a:buClr>
+                <a:srgbClr val="0070C0"/>
+              </a:buClr>
+              <a:buSzPct val="80000"/>
+              <a:buFont typeface="Wingdings" pitchFamily="2" charset="2"/>
+              <a:buChar char="u"/>
+            </a:pPr>
+            <a:r>
+              <a:rPr lang="en-US" sz="1800" dirty="0">
+                <a:solidFill>
+                  <a:schemeClr val="tx1"/>
+                </a:solidFill>
+              </a:rPr>
+              <a:t>&gt; </a:t>
+            </a:r>
+            <a:r>
+              <a:rPr lang="en-US" sz="1800" dirty="0" err="1">
+                <a:solidFill>
+                  <a:schemeClr val="tx1"/>
+                </a:solidFill>
+              </a:rPr>
+              <a:t>conda</a:t>
+            </a:r>
+            <a:r>
+              <a:rPr lang="en-US" sz="1800" dirty="0">
+                <a:solidFill>
+                  <a:schemeClr val="tx1"/>
+                </a:solidFill>
+              </a:rPr>
+              <a:t> activate </a:t>
+            </a:r>
+            <a:r>
+              <a:rPr lang="en-US" sz="1800" dirty="0" err="1">
+                <a:solidFill>
+                  <a:schemeClr val="tx1"/>
+                </a:solidFill>
+              </a:rPr>
+              <a:t>tf</a:t>
+            </a:r>
+            <a:endParaRPr lang="en-US" sz="1800" dirty="0">
+              <a:solidFill>
+                <a:schemeClr val="tx1"/>
+              </a:solidFill>
+            </a:endParaRPr>
+          </a:p>
+          <a:p>
+            <a:pPr marL="342900" indent="-342900" algn="l">
+              <a:buClr>
+                <a:srgbClr val="0070C0"/>
+              </a:buClr>
+              <a:buSzPct val="80000"/>
+              <a:buFont typeface="Wingdings" pitchFamily="2" charset="2"/>
+              <a:buChar char="u"/>
+            </a:pPr>
+            <a:r>
+              <a:rPr lang="en-US" sz="1800" dirty="0">
+                <a:solidFill>
+                  <a:schemeClr val="tx1"/>
+                </a:solidFill>
+              </a:rPr>
+              <a:t>(</a:t>
+            </a:r>
+            <a:r>
+              <a:rPr lang="en-US" sz="1800" dirty="0" err="1">
+                <a:solidFill>
+                  <a:schemeClr val="tx1"/>
+                </a:solidFill>
+              </a:rPr>
+              <a:t>tf</a:t>
+            </a:r>
+            <a:r>
+              <a:rPr lang="en-US" sz="1800" dirty="0">
+                <a:solidFill>
+                  <a:schemeClr val="tx1"/>
+                </a:solidFill>
+              </a:rPr>
+              <a:t>) &gt; pip install gym</a:t>
+            </a:r>
+          </a:p>
+        </p:txBody>
+      </p:sp>
+      <p:sp>
+        <p:nvSpPr>
+          <p:cNvPr id="4" name="標題 1"/>
+          <p:cNvSpPr txBox="1">
+            <a:spLocks/>
+          </p:cNvSpPr>
+          <p:nvPr/>
+        </p:nvSpPr>
+        <p:spPr>
+          <a:xfrm>
+            <a:off x="0" y="764704"/>
+            <a:ext cx="9144000" cy="360040"/>
+          </a:xfrm>
+          <a:prstGeom prst="rect">
+            <a:avLst/>
+          </a:prstGeom>
+          <a:gradFill flip="none" rotWithShape="1">
+            <a:gsLst>
+              <a:gs pos="0">
+                <a:srgbClr val="00B0F0">
+                  <a:shade val="30000"/>
+                  <a:satMod val="115000"/>
+                </a:srgbClr>
+              </a:gs>
+              <a:gs pos="50000">
+                <a:srgbClr val="00B0F0">
+                  <a:shade val="67500"/>
+                  <a:satMod val="115000"/>
+                </a:srgbClr>
+              </a:gs>
+              <a:gs pos="100000">
+                <a:srgbClr val="00B0F0">
+                  <a:shade val="100000"/>
+                  <a:satMod val="115000"/>
+                </a:srgbClr>
+              </a:gs>
+            </a:gsLst>
+            <a:path path="circle">
+              <a:fillToRect t="100000" r="100000"/>
+            </a:path>
+            <a:tileRect l="-100000" b="-100000"/>
+          </a:gradFill>
+        </p:spPr>
+        <p:txBody>
+          <a:bodyPr vert="horz" lIns="91440" tIns="45720" rIns="91440" bIns="45720" rtlCol="0" anchor="ctr">
+            <a:normAutofit fontScale="92500"/>
+          </a:bodyPr>
+          <a:lstStyle/>
+          <a:p>
+            <a:pPr lvl="0">
+              <a:spcBef>
+                <a:spcPct val="0"/>
+              </a:spcBef>
+            </a:pPr>
+            <a:r>
+              <a:rPr lang="en-US" sz="1600" dirty="0">
+                <a:hlinkClick r:id="rId2"/>
+              </a:rPr>
+              <a:t>https://www.youtube.com/watch?v=QK_PP_2KgGE&amp;list=PLZbbT5o_s2xoWNVdDudn51XM8lOuZ_Njv&amp;index=8</a:t>
+            </a:r>
+            <a:endParaRPr kumimoji="0" lang="zh-TW" altLang="en-US" sz="1600" b="0" i="0" u="none" strike="noStrike" kern="1200" cap="none" spc="0" normalizeH="0" baseline="0" noProof="0" dirty="0">
+              <a:ln>
+                <a:noFill/>
+              </a:ln>
+              <a:solidFill>
+                <a:schemeClr val="tx1"/>
+              </a:solidFill>
+              <a:effectLst/>
+              <a:uLnTx/>
+              <a:uFillTx/>
+              <a:latin typeface="+mj-lt"/>
+              <a:ea typeface="+mj-ea"/>
+              <a:cs typeface="+mj-cs"/>
+            </a:endParaRPr>
+          </a:p>
+        </p:txBody>
+      </p:sp>
+      <p:sp>
+        <p:nvSpPr>
+          <p:cNvPr id="5" name="日期版面配置區 4"/>
+          <p:cNvSpPr>
+            <a:spLocks noGrp="1"/>
+          </p:cNvSpPr>
+          <p:nvPr>
+            <p:ph type="dt" sz="half" idx="10"/>
+          </p:nvPr>
+        </p:nvSpPr>
+        <p:spPr/>
+        <p:txBody>
+          <a:bodyPr/>
+          <a:lstStyle/>
+          <a:p>
+            <a:fld id="{A4F910E6-8D00-4BAF-8C48-9688E0B449D3}" type="datetime1">
+              <a:rPr lang="zh-TW" altLang="en-US" smtClean="0"/>
+              <a:pPr/>
+              <a:t>2020/6/16</a:t>
+            </a:fld>
+            <a:endParaRPr lang="zh-TW" altLang="en-US"/>
+          </a:p>
+        </p:txBody>
+      </p:sp>
+      <p:sp>
+        <p:nvSpPr>
+          <p:cNvPr id="6" name="投影片編號版面配置區 5"/>
+          <p:cNvSpPr>
+            <a:spLocks noGrp="1"/>
+          </p:cNvSpPr>
+          <p:nvPr>
+            <p:ph type="sldNum" sz="quarter" idx="12"/>
+          </p:nvPr>
+        </p:nvSpPr>
+        <p:spPr/>
+        <p:txBody>
+          <a:bodyPr/>
+          <a:lstStyle/>
+          <a:p>
+            <a:fld id="{E4D7E63D-91F2-4366-A2C4-1B00C9E2590E}" type="slidenum">
+              <a:rPr lang="zh-TW" altLang="en-US" smtClean="0"/>
+              <a:pPr/>
+              <a:t>6</a:t>
+            </a:fld>
+            <a:endParaRPr lang="zh-TW" altLang="en-US"/>
+          </a:p>
+        </p:txBody>
+      </p:sp>
+      <p:pic>
+        <p:nvPicPr>
+          <p:cNvPr id="7" name="Picture 6">
+            <a:extLst>
+              <a:ext uri="{FF2B5EF4-FFF2-40B4-BE49-F238E27FC236}">
+                <a16:creationId xmlns:a16="http://schemas.microsoft.com/office/drawing/2014/main" id="{20028BD7-E523-43E0-BCE4-23CEA5B2BE14}"/>
+              </a:ext>
+            </a:extLst>
+          </p:cNvPr>
+          <p:cNvPicPr>
+            <a:picLocks noChangeAspect="1"/>
+          </p:cNvPicPr>
+          <p:nvPr/>
+        </p:nvPicPr>
+        <p:blipFill>
+          <a:blip r:embed="rId3"/>
+          <a:stretch>
+            <a:fillRect/>
+          </a:stretch>
+        </p:blipFill>
+        <p:spPr>
+          <a:xfrm>
+            <a:off x="694928" y="2762818"/>
+            <a:ext cx="7991872" cy="3228285"/>
+          </a:xfrm>
+          <a:prstGeom prst="rect">
+            <a:avLst/>
+          </a:prstGeom>
+          <a:ln>
+            <a:solidFill>
+              <a:srgbClr val="C00000"/>
+            </a:solidFill>
+          </a:ln>
+        </p:spPr>
+      </p:pic>
+    </p:spTree>
+    <p:extLst>
+      <p:ext uri="{BB962C8B-B14F-4D97-AF65-F5344CB8AC3E}">
+        <p14:creationId xmlns:p14="http://schemas.microsoft.com/office/powerpoint/2010/main" val="198243206"/>
+      </p:ext>
+    </p:extLst>
+  </p:cSld>
+  <p:clrMapOvr>
+    <a:masterClrMapping/>
+  </p:clrMapOvr>
+</p:sld>
+</file>
+
+<file path=ppt/slides/slide7.xml><?xml version="1.0" encoding="utf-8"?>
+<p:sld xmlns:a="http://schemas.openxmlformats.org/drawingml/2006/main" xmlns:r="http://schemas.openxmlformats.org/officeDocument/2006/relationships" xmlns:p="http://schemas.openxmlformats.org/presentationml/2006/main">
+  <p:cSld>
+    <p:spTree>
+      <p:nvGrpSpPr>
+        <p:cNvPr id="1" name=""/>
+        <p:cNvGrpSpPr/>
+        <p:nvPr/>
+      </p:nvGrpSpPr>
+      <p:grpSpPr>
+        <a:xfrm>
+          <a:off x="0" y="0"/>
+          <a:ext cx="0" cy="0"/>
+          <a:chOff x="0" y="0"/>
+          <a:chExt cx="0" cy="0"/>
+        </a:xfrm>
+      </p:grpSpPr>
+      <p:sp>
+        <p:nvSpPr>
+          <p:cNvPr id="2" name="標題 1"/>
+          <p:cNvSpPr>
+            <a:spLocks noGrp="1"/>
+          </p:cNvSpPr>
+          <p:nvPr>
+            <p:ph type="ctrTitle"/>
+          </p:nvPr>
+        </p:nvSpPr>
+        <p:spPr>
+          <a:xfrm>
+            <a:off x="0" y="1"/>
+            <a:ext cx="9144000" cy="764704"/>
+          </a:xfrm>
+          <a:gradFill flip="none" rotWithShape="1">
+            <a:gsLst>
+              <a:gs pos="0">
+                <a:srgbClr val="C00000">
+                  <a:shade val="30000"/>
+                  <a:satMod val="115000"/>
+                </a:srgbClr>
+              </a:gs>
+              <a:gs pos="50000">
+                <a:srgbClr val="C00000">
+                  <a:shade val="67500"/>
+                  <a:satMod val="115000"/>
+                </a:srgbClr>
+              </a:gs>
+              <a:gs pos="100000">
+                <a:srgbClr val="C00000">
+                  <a:shade val="100000"/>
+                  <a:satMod val="115000"/>
+                </a:srgbClr>
+              </a:gs>
+            </a:gsLst>
+            <a:path path="circle">
+              <a:fillToRect t="100000" r="100000"/>
+            </a:path>
+            <a:tileRect l="-100000" b="-100000"/>
+          </a:gradFill>
+        </p:spPr>
+        <p:txBody>
+          <a:bodyPr>
+            <a:normAutofit/>
+          </a:bodyPr>
+          <a:lstStyle/>
+          <a:p>
+            <a:pPr algn="l"/>
+            <a:r>
+              <a:rPr lang="en-US" altLang="zh-TW" b="1" dirty="0">
+                <a:solidFill>
+                  <a:srgbClr val="FFFF00"/>
+                </a:solidFill>
+              </a:rPr>
+              <a:t>8 </a:t>
+            </a:r>
+            <a:r>
+              <a:rPr lang="en-US" altLang="zh-TW" b="1" dirty="0" err="1">
+                <a:solidFill>
+                  <a:srgbClr val="FFFF00"/>
+                </a:solidFill>
+              </a:rPr>
+              <a:t>OpenAI</a:t>
+            </a:r>
+            <a:r>
+              <a:rPr lang="en-US" altLang="zh-TW" b="1" dirty="0">
+                <a:solidFill>
+                  <a:srgbClr val="FFFF00"/>
+                </a:solidFill>
+              </a:rPr>
+              <a:t> Gym and Python for Q-Learn</a:t>
+            </a:r>
+            <a:endParaRPr lang="zh-TW" altLang="en-US" b="1" dirty="0">
+              <a:solidFill>
+                <a:srgbClr val="FFFF00"/>
+              </a:solidFill>
+            </a:endParaRPr>
+          </a:p>
+        </p:txBody>
+      </p:sp>
+      <p:sp>
+        <p:nvSpPr>
+          <p:cNvPr id="3" name="副標題 2"/>
+          <p:cNvSpPr>
+            <a:spLocks noGrp="1"/>
+          </p:cNvSpPr>
+          <p:nvPr>
+            <p:ph type="subTitle" idx="1"/>
+          </p:nvPr>
+        </p:nvSpPr>
+        <p:spPr>
+          <a:xfrm>
+            <a:off x="432335" y="1250650"/>
+            <a:ext cx="8352928" cy="666182"/>
+          </a:xfrm>
+          <a:ln>
+            <a:solidFill>
+              <a:srgbClr val="C00000"/>
+            </a:solidFill>
+          </a:ln>
+        </p:spPr>
+        <p:txBody>
+          <a:bodyPr>
+            <a:noAutofit/>
+          </a:bodyPr>
+          <a:lstStyle/>
+          <a:p>
+            <a:pPr marL="342900" indent="-342900" algn="l">
+              <a:buClr>
+                <a:srgbClr val="0070C0"/>
+              </a:buClr>
+              <a:buSzPct val="80000"/>
+              <a:buFont typeface="Wingdings" pitchFamily="2" charset="2"/>
+              <a:buChar char="u"/>
+            </a:pPr>
+            <a:r>
+              <a:rPr lang="en-US" sz="1800" b="1" dirty="0" err="1">
+                <a:solidFill>
+                  <a:schemeClr val="tx1"/>
+                </a:solidFill>
+              </a:rPr>
+              <a:t>OpenAI</a:t>
+            </a:r>
+            <a:r>
+              <a:rPr lang="en-US" sz="1800" b="1" dirty="0">
+                <a:solidFill>
+                  <a:schemeClr val="tx1"/>
+                </a:solidFill>
+              </a:rPr>
+              <a:t> Gym</a:t>
+            </a:r>
+          </a:p>
+          <a:p>
+            <a:pPr marL="342900" indent="-342900" algn="l">
+              <a:buClr>
+                <a:srgbClr val="0070C0"/>
+              </a:buClr>
+              <a:buSzPct val="80000"/>
+              <a:buFont typeface="Wingdings" pitchFamily="2" charset="2"/>
+              <a:buChar char="u"/>
+            </a:pPr>
+            <a:r>
+              <a:rPr lang="en-US" sz="1800" dirty="0">
+                <a:solidFill>
+                  <a:schemeClr val="tx1"/>
+                </a:solidFill>
+              </a:rPr>
+              <a:t>We will use Gym to develop their example game, Frozen Lake.</a:t>
+            </a:r>
+          </a:p>
+        </p:txBody>
+      </p:sp>
+      <p:sp>
+        <p:nvSpPr>
+          <p:cNvPr id="4" name="標題 1"/>
+          <p:cNvSpPr txBox="1">
+            <a:spLocks/>
+          </p:cNvSpPr>
+          <p:nvPr/>
+        </p:nvSpPr>
+        <p:spPr>
+          <a:xfrm>
+            <a:off x="0" y="764704"/>
+            <a:ext cx="9144000" cy="360040"/>
+          </a:xfrm>
+          <a:prstGeom prst="rect">
+            <a:avLst/>
+          </a:prstGeom>
+          <a:gradFill flip="none" rotWithShape="1">
+            <a:gsLst>
+              <a:gs pos="0">
+                <a:srgbClr val="00B0F0">
+                  <a:shade val="30000"/>
+                  <a:satMod val="115000"/>
+                </a:srgbClr>
+              </a:gs>
+              <a:gs pos="50000">
+                <a:srgbClr val="00B0F0">
+                  <a:shade val="67500"/>
+                  <a:satMod val="115000"/>
+                </a:srgbClr>
+              </a:gs>
+              <a:gs pos="100000">
+                <a:srgbClr val="00B0F0">
+                  <a:shade val="100000"/>
+                  <a:satMod val="115000"/>
+                </a:srgbClr>
+              </a:gs>
+            </a:gsLst>
+            <a:path path="circle">
+              <a:fillToRect t="100000" r="100000"/>
+            </a:path>
+            <a:tileRect l="-100000" b="-100000"/>
+          </a:gradFill>
+        </p:spPr>
+        <p:txBody>
+          <a:bodyPr vert="horz" lIns="91440" tIns="45720" rIns="91440" bIns="45720" rtlCol="0" anchor="ctr">
+            <a:normAutofit fontScale="92500"/>
+          </a:bodyPr>
+          <a:lstStyle/>
+          <a:p>
+            <a:pPr lvl="0">
+              <a:spcBef>
+                <a:spcPct val="0"/>
+              </a:spcBef>
+            </a:pPr>
+            <a:r>
+              <a:rPr lang="en-US" sz="1600" dirty="0">
+                <a:hlinkClick r:id="rId2"/>
+              </a:rPr>
+              <a:t>https://www.youtube.com/watch?v=QK_PP_2KgGE&amp;list=PLZbbT5o_s2xoWNVdDudn51XM8lOuZ_Njv&amp;index=8</a:t>
+            </a:r>
+            <a:endParaRPr kumimoji="0" lang="zh-TW" altLang="en-US" sz="1600" b="0" i="0" u="none" strike="noStrike" kern="1200" cap="none" spc="0" normalizeH="0" baseline="0" noProof="0" dirty="0">
+              <a:ln>
+                <a:noFill/>
+              </a:ln>
+              <a:solidFill>
+                <a:schemeClr val="tx1"/>
+              </a:solidFill>
+              <a:effectLst/>
+              <a:uLnTx/>
+              <a:uFillTx/>
+              <a:latin typeface="+mj-lt"/>
+              <a:ea typeface="+mj-ea"/>
+              <a:cs typeface="+mj-cs"/>
+            </a:endParaRPr>
+          </a:p>
+        </p:txBody>
+      </p:sp>
+      <p:sp>
+        <p:nvSpPr>
+          <p:cNvPr id="5" name="日期版面配置區 4"/>
+          <p:cNvSpPr>
+            <a:spLocks noGrp="1"/>
+          </p:cNvSpPr>
+          <p:nvPr>
+            <p:ph type="dt" sz="half" idx="10"/>
+          </p:nvPr>
+        </p:nvSpPr>
+        <p:spPr/>
+        <p:txBody>
+          <a:bodyPr/>
+          <a:lstStyle/>
+          <a:p>
+            <a:fld id="{A4F910E6-8D00-4BAF-8C48-9688E0B449D3}" type="datetime1">
+              <a:rPr lang="zh-TW" altLang="en-US" smtClean="0"/>
+              <a:pPr/>
+              <a:t>2020/6/16</a:t>
+            </a:fld>
+            <a:endParaRPr lang="zh-TW" altLang="en-US"/>
+          </a:p>
+        </p:txBody>
+      </p:sp>
+      <p:sp>
+        <p:nvSpPr>
+          <p:cNvPr id="6" name="投影片編號版面配置區 5"/>
+          <p:cNvSpPr>
+            <a:spLocks noGrp="1"/>
+          </p:cNvSpPr>
+          <p:nvPr>
+            <p:ph type="sldNum" sz="quarter" idx="12"/>
+          </p:nvPr>
+        </p:nvSpPr>
+        <p:spPr/>
+        <p:txBody>
+          <a:bodyPr/>
+          <a:lstStyle/>
+          <a:p>
+            <a:fld id="{E4D7E63D-91F2-4366-A2C4-1B00C9E2590E}" type="slidenum">
+              <a:rPr lang="zh-TW" altLang="en-US" smtClean="0"/>
+              <a:pPr/>
+              <a:t>7</a:t>
+            </a:fld>
+            <a:endParaRPr lang="zh-TW" altLang="en-US"/>
+          </a:p>
+        </p:txBody>
+      </p:sp>
+      <p:pic>
+        <p:nvPicPr>
+          <p:cNvPr id="7" name="Picture 6">
+            <a:extLst>
+              <a:ext uri="{FF2B5EF4-FFF2-40B4-BE49-F238E27FC236}">
+                <a16:creationId xmlns:a16="http://schemas.microsoft.com/office/drawing/2014/main" id="{C13DA3E1-5CFF-4AA5-993F-CC59EC335793}"/>
+              </a:ext>
+            </a:extLst>
+          </p:cNvPr>
+          <p:cNvPicPr>
+            <a:picLocks noChangeAspect="1"/>
+          </p:cNvPicPr>
+          <p:nvPr/>
+        </p:nvPicPr>
+        <p:blipFill>
+          <a:blip r:embed="rId3"/>
+          <a:stretch>
+            <a:fillRect/>
+          </a:stretch>
+        </p:blipFill>
+        <p:spPr>
+          <a:xfrm>
+            <a:off x="1115616" y="2058695"/>
+            <a:ext cx="6732240" cy="3765803"/>
+          </a:xfrm>
+          <a:prstGeom prst="rect">
+            <a:avLst/>
+          </a:prstGeom>
+          <a:ln>
+            <a:solidFill>
+              <a:srgbClr val="C00000"/>
+            </a:solidFill>
+          </a:ln>
+        </p:spPr>
+      </p:pic>
+    </p:spTree>
+    <p:extLst>
+      <p:ext uri="{BB962C8B-B14F-4D97-AF65-F5344CB8AC3E}">
+        <p14:creationId xmlns:p14="http://schemas.microsoft.com/office/powerpoint/2010/main" val="3274357255"/>
+      </p:ext>
+    </p:extLst>
+  </p:cSld>
+  <p:clrMapOvr>
+    <a:masterClrMapping/>
+  </p:clrMapOvr>
+</p:sld>
+</file>
+
+<file path=ppt/slides/slide8.xml><?xml version="1.0" encoding="utf-8"?>
+<p:sld xmlns:a="http://schemas.openxmlformats.org/drawingml/2006/main" xmlns:r="http://schemas.openxmlformats.org/officeDocument/2006/relationships" xmlns:p="http://schemas.openxmlformats.org/presentationml/2006/main">
+  <p:cSld>
+    <p:spTree>
+      <p:nvGrpSpPr>
+        <p:cNvPr id="1" name=""/>
+        <p:cNvGrpSpPr/>
+        <p:nvPr/>
+      </p:nvGrpSpPr>
+      <p:grpSpPr>
+        <a:xfrm>
+          <a:off x="0" y="0"/>
+          <a:ext cx="0" cy="0"/>
+          <a:chOff x="0" y="0"/>
+          <a:chExt cx="0" cy="0"/>
+        </a:xfrm>
+      </p:grpSpPr>
+      <p:sp>
+        <p:nvSpPr>
+          <p:cNvPr id="2" name="標題 1"/>
+          <p:cNvSpPr>
+            <a:spLocks noGrp="1"/>
+          </p:cNvSpPr>
+          <p:nvPr>
+            <p:ph type="ctrTitle"/>
+          </p:nvPr>
+        </p:nvSpPr>
+        <p:spPr>
+          <a:xfrm>
+            <a:off x="0" y="1"/>
+            <a:ext cx="9144000" cy="764704"/>
+          </a:xfrm>
+          <a:gradFill flip="none" rotWithShape="1">
+            <a:gsLst>
+              <a:gs pos="0">
+                <a:srgbClr val="C00000">
+                  <a:shade val="30000"/>
+                  <a:satMod val="115000"/>
+                </a:srgbClr>
+              </a:gs>
+              <a:gs pos="50000">
+                <a:srgbClr val="C00000">
+                  <a:shade val="67500"/>
+                  <a:satMod val="115000"/>
+                </a:srgbClr>
+              </a:gs>
+              <a:gs pos="100000">
+                <a:srgbClr val="C00000">
+                  <a:shade val="100000"/>
+                  <a:satMod val="115000"/>
+                </a:srgbClr>
+              </a:gs>
+            </a:gsLst>
+            <a:path path="circle">
+              <a:fillToRect t="100000" r="100000"/>
+            </a:path>
+            <a:tileRect l="-100000" b="-100000"/>
+          </a:gradFill>
+        </p:spPr>
+        <p:txBody>
+          <a:bodyPr>
+            <a:normAutofit/>
+          </a:bodyPr>
+          <a:lstStyle/>
+          <a:p>
+            <a:pPr algn="l"/>
+            <a:r>
+              <a:rPr lang="en-US" altLang="zh-TW" b="1" dirty="0">
+                <a:solidFill>
+                  <a:srgbClr val="FFFF00"/>
+                </a:solidFill>
+              </a:rPr>
+              <a:t>8 </a:t>
+            </a:r>
+            <a:r>
+              <a:rPr lang="en-US" altLang="zh-TW" b="1" dirty="0" err="1">
+                <a:solidFill>
+                  <a:srgbClr val="FFFF00"/>
+                </a:solidFill>
+              </a:rPr>
+              <a:t>OpenAI</a:t>
+            </a:r>
+            <a:r>
+              <a:rPr lang="en-US" altLang="zh-TW" b="1" dirty="0">
+                <a:solidFill>
+                  <a:srgbClr val="FFFF00"/>
+                </a:solidFill>
+              </a:rPr>
+              <a:t> Gym and Python for Q-Learn</a:t>
+            </a:r>
+            <a:endParaRPr lang="zh-TW" altLang="en-US" b="1" dirty="0">
+              <a:solidFill>
+                <a:srgbClr val="FFFF00"/>
+              </a:solidFill>
+            </a:endParaRPr>
+          </a:p>
+        </p:txBody>
+      </p:sp>
+      <p:sp>
+        <p:nvSpPr>
+          <p:cNvPr id="3" name="副標題 2"/>
+          <p:cNvSpPr>
+            <a:spLocks noGrp="1"/>
+          </p:cNvSpPr>
+          <p:nvPr>
+            <p:ph type="subTitle" idx="1"/>
+          </p:nvPr>
+        </p:nvSpPr>
+        <p:spPr>
+          <a:xfrm>
+            <a:off x="432335" y="1250650"/>
+            <a:ext cx="8352928" cy="666182"/>
+          </a:xfrm>
+          <a:ln>
+            <a:solidFill>
+              <a:srgbClr val="C00000"/>
+            </a:solidFill>
+          </a:ln>
+        </p:spPr>
+        <p:txBody>
+          <a:bodyPr>
+            <a:noAutofit/>
+          </a:bodyPr>
+          <a:lstStyle/>
+          <a:p>
+            <a:pPr marL="342900" indent="-342900" algn="l">
+              <a:buClr>
+                <a:srgbClr val="0070C0"/>
+              </a:buClr>
+              <a:buSzPct val="80000"/>
+              <a:buFont typeface="Wingdings" pitchFamily="2" charset="2"/>
+              <a:buChar char="u"/>
+            </a:pPr>
+            <a:r>
+              <a:rPr lang="en-US" sz="1800" b="1" dirty="0" err="1">
+                <a:solidFill>
+                  <a:schemeClr val="tx1"/>
+                </a:solidFill>
+              </a:rPr>
+              <a:t>OpenAI</a:t>
+            </a:r>
+            <a:r>
+              <a:rPr lang="en-US" sz="1800" b="1" dirty="0">
+                <a:solidFill>
+                  <a:schemeClr val="tx1"/>
+                </a:solidFill>
+              </a:rPr>
+              <a:t> Gym</a:t>
+            </a:r>
+          </a:p>
+          <a:p>
+            <a:pPr marL="342900" indent="-342900" algn="l">
+              <a:buClr>
+                <a:srgbClr val="0070C0"/>
+              </a:buClr>
+              <a:buSzPct val="80000"/>
+              <a:buFont typeface="Wingdings" pitchFamily="2" charset="2"/>
+              <a:buChar char="u"/>
+            </a:pPr>
+            <a:r>
+              <a:rPr lang="en-US" sz="1800" dirty="0">
+                <a:solidFill>
+                  <a:schemeClr val="tx1"/>
+                </a:solidFill>
+              </a:rPr>
+              <a:t>We will use Gym to develop their example game, Frozen Lake.</a:t>
+            </a:r>
+          </a:p>
+        </p:txBody>
+      </p:sp>
+      <p:sp>
+        <p:nvSpPr>
+          <p:cNvPr id="4" name="標題 1"/>
+          <p:cNvSpPr txBox="1">
+            <a:spLocks/>
+          </p:cNvSpPr>
+          <p:nvPr/>
+        </p:nvSpPr>
+        <p:spPr>
+          <a:xfrm>
+            <a:off x="0" y="764704"/>
+            <a:ext cx="9144000" cy="360040"/>
+          </a:xfrm>
+          <a:prstGeom prst="rect">
+            <a:avLst/>
+          </a:prstGeom>
+          <a:gradFill flip="none" rotWithShape="1">
+            <a:gsLst>
+              <a:gs pos="0">
+                <a:srgbClr val="00B0F0">
+                  <a:shade val="30000"/>
+                  <a:satMod val="115000"/>
+                </a:srgbClr>
+              </a:gs>
+              <a:gs pos="50000">
+                <a:srgbClr val="00B0F0">
+                  <a:shade val="67500"/>
+                  <a:satMod val="115000"/>
+                </a:srgbClr>
+              </a:gs>
+              <a:gs pos="100000">
+                <a:srgbClr val="00B0F0">
+                  <a:shade val="100000"/>
+                  <a:satMod val="115000"/>
+                </a:srgbClr>
+              </a:gs>
+            </a:gsLst>
+            <a:path path="circle">
+              <a:fillToRect t="100000" r="100000"/>
+            </a:path>
+            <a:tileRect l="-100000" b="-100000"/>
+          </a:gradFill>
+        </p:spPr>
+        <p:txBody>
+          <a:bodyPr vert="horz" lIns="91440" tIns="45720" rIns="91440" bIns="45720" rtlCol="0" anchor="ctr">
+            <a:normAutofit fontScale="92500"/>
+          </a:bodyPr>
+          <a:lstStyle/>
+          <a:p>
+            <a:pPr lvl="0">
+              <a:spcBef>
+                <a:spcPct val="0"/>
+              </a:spcBef>
+            </a:pPr>
+            <a:r>
+              <a:rPr lang="en-US" sz="1600" dirty="0">
+                <a:hlinkClick r:id="rId2"/>
+              </a:rPr>
+              <a:t>https://www.youtube.com/watch?v=QK_PP_2KgGE&amp;list=PLZbbT5o_s2xoWNVdDudn51XM8lOuZ_Njv&amp;index=8</a:t>
+            </a:r>
+            <a:endParaRPr kumimoji="0" lang="zh-TW" altLang="en-US" sz="1600" b="0" i="0" u="none" strike="noStrike" kern="1200" cap="none" spc="0" normalizeH="0" baseline="0" noProof="0" dirty="0">
+              <a:ln>
+                <a:noFill/>
+              </a:ln>
+              <a:solidFill>
+                <a:schemeClr val="tx1"/>
+              </a:solidFill>
+              <a:effectLst/>
+              <a:uLnTx/>
+              <a:uFillTx/>
+              <a:latin typeface="+mj-lt"/>
+              <a:ea typeface="+mj-ea"/>
+              <a:cs typeface="+mj-cs"/>
+            </a:endParaRPr>
+          </a:p>
+        </p:txBody>
+      </p:sp>
+      <p:sp>
+        <p:nvSpPr>
+          <p:cNvPr id="5" name="日期版面配置區 4"/>
+          <p:cNvSpPr>
+            <a:spLocks noGrp="1"/>
+          </p:cNvSpPr>
+          <p:nvPr>
+            <p:ph type="dt" sz="half" idx="10"/>
+          </p:nvPr>
+        </p:nvSpPr>
+        <p:spPr/>
+        <p:txBody>
+          <a:bodyPr/>
+          <a:lstStyle/>
+          <a:p>
+            <a:fld id="{A4F910E6-8D00-4BAF-8C48-9688E0B449D3}" type="datetime1">
+              <a:rPr lang="zh-TW" altLang="en-US" smtClean="0"/>
+              <a:pPr/>
+              <a:t>2020/6/16</a:t>
+            </a:fld>
+            <a:endParaRPr lang="zh-TW" altLang="en-US"/>
+          </a:p>
+        </p:txBody>
+      </p:sp>
+      <p:sp>
+        <p:nvSpPr>
+          <p:cNvPr id="6" name="投影片編號版面配置區 5"/>
+          <p:cNvSpPr>
+            <a:spLocks noGrp="1"/>
+          </p:cNvSpPr>
+          <p:nvPr>
+            <p:ph type="sldNum" sz="quarter" idx="12"/>
+          </p:nvPr>
+        </p:nvSpPr>
+        <p:spPr/>
+        <p:txBody>
+          <a:bodyPr/>
+          <a:lstStyle/>
+          <a:p>
+            <a:fld id="{E4D7E63D-91F2-4366-A2C4-1B00C9E2590E}" type="slidenum">
+              <a:rPr lang="zh-TW" altLang="en-US" smtClean="0"/>
+              <a:pPr/>
+              <a:t>8</a:t>
+            </a:fld>
+            <a:endParaRPr lang="zh-TW" altLang="en-US"/>
+          </a:p>
+        </p:txBody>
+      </p:sp>
+      <p:pic>
+        <p:nvPicPr>
+          <p:cNvPr id="8" name="Picture 7">
+            <a:extLst>
+              <a:ext uri="{FF2B5EF4-FFF2-40B4-BE49-F238E27FC236}">
+                <a16:creationId xmlns:a16="http://schemas.microsoft.com/office/drawing/2014/main" id="{3F79F8C3-57C8-459B-85E0-D5AA6C2AC4F3}"/>
+              </a:ext>
+            </a:extLst>
+          </p:cNvPr>
+          <p:cNvPicPr>
+            <a:picLocks noChangeAspect="1"/>
+          </p:cNvPicPr>
+          <p:nvPr/>
+        </p:nvPicPr>
+        <p:blipFill>
+          <a:blip r:embed="rId3"/>
+          <a:stretch>
+            <a:fillRect/>
+          </a:stretch>
+        </p:blipFill>
+        <p:spPr>
+          <a:xfrm>
+            <a:off x="755576" y="2056053"/>
+            <a:ext cx="7231906" cy="4050922"/>
+          </a:xfrm>
+          <a:prstGeom prst="rect">
+            <a:avLst/>
+          </a:prstGeom>
+          <a:ln>
+            <a:solidFill>
+              <a:srgbClr val="C00000"/>
+            </a:solidFill>
+          </a:ln>
+        </p:spPr>
+      </p:pic>
+    </p:spTree>
+    <p:extLst>
+      <p:ext uri="{BB962C8B-B14F-4D97-AF65-F5344CB8AC3E}">
+        <p14:creationId xmlns:p14="http://schemas.microsoft.com/office/powerpoint/2010/main" val="1144373457"/>
+      </p:ext>
+    </p:extLst>
+  </p:cSld>
+  <p:clrMapOvr>
+    <a:masterClrMapping/>
+  </p:clrMapOvr>
+</p:sld>
+</file>
+
+<file path=ppt/slides/slide9.xml><?xml version="1.0" encoding="utf-8"?>
+<p:sld xmlns:a="http://schemas.openxmlformats.org/drawingml/2006/main" xmlns:r="http://schemas.openxmlformats.org/officeDocument/2006/relationships" xmlns:p="http://schemas.openxmlformats.org/presentationml/2006/main">
+  <p:cSld>
+    <p:spTree>
+      <p:nvGrpSpPr>
+        <p:cNvPr id="1" name=""/>
+        <p:cNvGrpSpPr/>
+        <p:nvPr/>
+      </p:nvGrpSpPr>
+      <p:grpSpPr>
+        <a:xfrm>
+          <a:off x="0" y="0"/>
+          <a:ext cx="0" cy="0"/>
+          <a:chOff x="0" y="0"/>
+          <a:chExt cx="0" cy="0"/>
+        </a:xfrm>
+      </p:grpSpPr>
+      <p:sp>
+        <p:nvSpPr>
+          <p:cNvPr id="2" name="標題 1"/>
+          <p:cNvSpPr>
+            <a:spLocks noGrp="1"/>
+          </p:cNvSpPr>
+          <p:nvPr>
+            <p:ph type="ctrTitle"/>
+          </p:nvPr>
+        </p:nvSpPr>
+        <p:spPr>
+          <a:xfrm>
+            <a:off x="0" y="1"/>
+            <a:ext cx="9144000" cy="764704"/>
+          </a:xfrm>
+          <a:gradFill flip="none" rotWithShape="1">
+            <a:gsLst>
+              <a:gs pos="0">
+                <a:srgbClr val="C00000">
+                  <a:shade val="30000"/>
+                  <a:satMod val="115000"/>
+                </a:srgbClr>
+              </a:gs>
+              <a:gs pos="50000">
+                <a:srgbClr val="C00000">
+                  <a:shade val="67500"/>
+                  <a:satMod val="115000"/>
+                </a:srgbClr>
+              </a:gs>
+              <a:gs pos="100000">
+                <a:srgbClr val="C00000">
+                  <a:shade val="100000"/>
+                  <a:satMod val="115000"/>
+                </a:srgbClr>
+              </a:gs>
+            </a:gsLst>
+            <a:path path="circle">
+              <a:fillToRect t="100000" r="100000"/>
+            </a:path>
+            <a:tileRect l="-100000" b="-100000"/>
+          </a:gradFill>
+        </p:spPr>
+        <p:txBody>
+          <a:bodyPr>
+            <a:normAutofit/>
+          </a:bodyPr>
+          <a:lstStyle/>
+          <a:p>
+            <a:pPr algn="l"/>
+            <a:r>
+              <a:rPr lang="en-US" altLang="zh-TW" b="1" dirty="0">
+                <a:solidFill>
+                  <a:srgbClr val="FFFF00"/>
+                </a:solidFill>
+              </a:rPr>
+              <a:t>8 </a:t>
+            </a:r>
+            <a:r>
+              <a:rPr lang="en-US" altLang="zh-TW" b="1" dirty="0" err="1">
+                <a:solidFill>
+                  <a:srgbClr val="FFFF00"/>
+                </a:solidFill>
+              </a:rPr>
+              <a:t>OpenAI</a:t>
+            </a:r>
+            <a:r>
+              <a:rPr lang="en-US" altLang="zh-TW" b="1" dirty="0">
+                <a:solidFill>
+                  <a:srgbClr val="FFFF00"/>
+                </a:solidFill>
+              </a:rPr>
+              <a:t> Gym and Python for Q-Learn</a:t>
+            </a:r>
+            <a:endParaRPr lang="zh-TW" altLang="en-US" b="1" dirty="0">
+              <a:solidFill>
+                <a:srgbClr val="FFFF00"/>
+              </a:solidFill>
+            </a:endParaRPr>
+          </a:p>
+        </p:txBody>
+      </p:sp>
+      <p:sp>
+        <p:nvSpPr>
+          <p:cNvPr id="3" name="副標題 2"/>
+          <p:cNvSpPr>
+            <a:spLocks noGrp="1"/>
+          </p:cNvSpPr>
+          <p:nvPr>
+            <p:ph type="subTitle" idx="1"/>
+          </p:nvPr>
+        </p:nvSpPr>
+        <p:spPr>
+          <a:xfrm>
+            <a:off x="432335" y="1250650"/>
+            <a:ext cx="8352928" cy="2394374"/>
+          </a:xfrm>
+          <a:ln>
+            <a:solidFill>
+              <a:srgbClr val="C00000"/>
+            </a:solidFill>
+          </a:ln>
+        </p:spPr>
+        <p:txBody>
+          <a:bodyPr>
+            <a:noAutofit/>
+          </a:bodyPr>
+          <a:lstStyle/>
+          <a:p>
+            <a:pPr marL="342900" indent="-342900" algn="l">
+              <a:buClr>
+                <a:srgbClr val="0070C0"/>
+              </a:buClr>
+              <a:buSzPct val="80000"/>
+              <a:buFont typeface="Wingdings" pitchFamily="2" charset="2"/>
+              <a:buChar char="u"/>
+            </a:pPr>
+            <a:r>
+              <a:rPr lang="en-US" sz="1800" b="1" dirty="0">
+                <a:solidFill>
+                  <a:schemeClr val="tx1"/>
+                </a:solidFill>
+              </a:rPr>
+              <a:t>Frozen Lake</a:t>
+            </a:r>
+          </a:p>
+          <a:p>
+            <a:pPr marL="342900" indent="-342900" algn="l">
+              <a:buClr>
+                <a:srgbClr val="0070C0"/>
+              </a:buClr>
+              <a:buSzPct val="80000"/>
+              <a:buFont typeface="Wingdings" pitchFamily="2" charset="2"/>
+              <a:buChar char="u"/>
+            </a:pPr>
+            <a:r>
+              <a:rPr lang="en-US" sz="1800" dirty="0">
+                <a:solidFill>
+                  <a:schemeClr val="tx1"/>
+                </a:solidFill>
+              </a:rPr>
+              <a:t>In winter, you and your friends were tossing around a frisbee at the park when you made a wild throw that left the frisbee out in the middle of the lake. </a:t>
+            </a:r>
+          </a:p>
+          <a:p>
+            <a:pPr marL="342900" indent="-342900" algn="l">
+              <a:buClr>
+                <a:srgbClr val="0070C0"/>
+              </a:buClr>
+              <a:buSzPct val="80000"/>
+              <a:buFont typeface="Wingdings" pitchFamily="2" charset="2"/>
+              <a:buChar char="u"/>
+            </a:pPr>
+            <a:r>
+              <a:rPr lang="en-US" sz="1800" dirty="0">
+                <a:solidFill>
+                  <a:schemeClr val="tx1"/>
+                </a:solidFill>
+              </a:rPr>
+              <a:t>The water is mostly frozen, but there are a few holes where the ice has melted.</a:t>
+            </a:r>
+          </a:p>
+          <a:p>
+            <a:pPr marL="342900" indent="-342900" algn="l">
+              <a:buClr>
+                <a:srgbClr val="0070C0"/>
+              </a:buClr>
+              <a:buSzPct val="80000"/>
+              <a:buFont typeface="Wingdings" pitchFamily="2" charset="2"/>
+              <a:buChar char="u"/>
+            </a:pPr>
+            <a:r>
+              <a:rPr lang="en-US" sz="1800" dirty="0">
+                <a:solidFill>
+                  <a:schemeClr val="tx1"/>
+                </a:solidFill>
+              </a:rPr>
+              <a:t>You need navigate across the lake and retrieve the disc. </a:t>
+            </a:r>
+          </a:p>
+          <a:p>
+            <a:pPr marL="342900" indent="-342900" algn="l">
+              <a:buClr>
+                <a:srgbClr val="0070C0"/>
+              </a:buClr>
+              <a:buSzPct val="80000"/>
+              <a:buFont typeface="Wingdings" pitchFamily="2" charset="2"/>
+              <a:buChar char="u"/>
+            </a:pPr>
+            <a:r>
+              <a:rPr lang="en-US" sz="1800" dirty="0">
+                <a:solidFill>
+                  <a:schemeClr val="tx1"/>
+                </a:solidFill>
+              </a:rPr>
+              <a:t>If you step into one of those holes, you'll fall into the freezing water. </a:t>
+            </a:r>
+          </a:p>
+          <a:p>
+            <a:pPr marL="342900" indent="-342900" algn="l">
+              <a:buClr>
+                <a:srgbClr val="0070C0"/>
+              </a:buClr>
+              <a:buSzPct val="80000"/>
+              <a:buFont typeface="Wingdings" pitchFamily="2" charset="2"/>
+              <a:buChar char="u"/>
+            </a:pPr>
+            <a:r>
+              <a:rPr lang="en-US" sz="1800" dirty="0">
+                <a:solidFill>
+                  <a:schemeClr val="tx1"/>
+                </a:solidFill>
+              </a:rPr>
+              <a:t>However, the ice is slippery, so you won't always move in the direction you intend. </a:t>
+            </a:r>
+          </a:p>
+        </p:txBody>
+      </p:sp>
+      <p:sp>
+        <p:nvSpPr>
+          <p:cNvPr id="4" name="標題 1"/>
+          <p:cNvSpPr txBox="1">
+            <a:spLocks/>
+          </p:cNvSpPr>
+          <p:nvPr/>
+        </p:nvSpPr>
+        <p:spPr>
+          <a:xfrm>
+            <a:off x="0" y="764704"/>
+            <a:ext cx="9144000" cy="360040"/>
+          </a:xfrm>
+          <a:prstGeom prst="rect">
+            <a:avLst/>
+          </a:prstGeom>
+          <a:gradFill flip="none" rotWithShape="1">
+            <a:gsLst>
+              <a:gs pos="0">
+                <a:srgbClr val="00B0F0">
+                  <a:shade val="30000"/>
+                  <a:satMod val="115000"/>
+                </a:srgbClr>
+              </a:gs>
+              <a:gs pos="50000">
+                <a:srgbClr val="00B0F0">
+                  <a:shade val="67500"/>
+                  <a:satMod val="115000"/>
+                </a:srgbClr>
+              </a:gs>
+              <a:gs pos="100000">
+                <a:srgbClr val="00B0F0">
+                  <a:shade val="100000"/>
+                  <a:satMod val="115000"/>
+                </a:srgbClr>
+              </a:gs>
+            </a:gsLst>
+            <a:path path="circle">
+              <a:fillToRect t="100000" r="100000"/>
+            </a:path>
+            <a:tileRect l="-100000" b="-100000"/>
+          </a:gradFill>
+        </p:spPr>
+        <p:txBody>
+          <a:bodyPr vert="horz" lIns="91440" tIns="45720" rIns="91440" bIns="45720" rtlCol="0" anchor="ctr">
+            <a:normAutofit fontScale="92500"/>
+          </a:bodyPr>
+          <a:lstStyle/>
+          <a:p>
+            <a:pPr lvl="0">
+              <a:spcBef>
+                <a:spcPct val="0"/>
+              </a:spcBef>
+            </a:pPr>
+            <a:r>
+              <a:rPr lang="en-US" sz="1600" dirty="0">
+                <a:hlinkClick r:id="rId2"/>
+              </a:rPr>
+              <a:t>https://www.youtube.com/watch?v=QK_PP_2KgGE&amp;list=PLZbbT5o_s2xoWNVdDudn51XM8lOuZ_Njv&amp;index=8</a:t>
+            </a:r>
+            <a:endParaRPr kumimoji="0" lang="zh-TW" altLang="en-US" sz="1600" b="0" i="0" u="none" strike="noStrike" kern="1200" cap="none" spc="0" normalizeH="0" baseline="0" noProof="0" dirty="0">
+              <a:ln>
+                <a:noFill/>
+              </a:ln>
+              <a:solidFill>
+                <a:schemeClr val="tx1"/>
+              </a:solidFill>
+              <a:effectLst/>
+              <a:uLnTx/>
+              <a:uFillTx/>
+              <a:latin typeface="+mj-lt"/>
+              <a:ea typeface="+mj-ea"/>
+              <a:cs typeface="+mj-cs"/>
+            </a:endParaRPr>
+          </a:p>
+        </p:txBody>
+      </p:sp>
+      <p:sp>
+        <p:nvSpPr>
+          <p:cNvPr id="5" name="日期版面配置區 4"/>
+          <p:cNvSpPr>
+            <a:spLocks noGrp="1"/>
+          </p:cNvSpPr>
+          <p:nvPr>
+            <p:ph type="dt" sz="half" idx="10"/>
+          </p:nvPr>
+        </p:nvSpPr>
+        <p:spPr/>
+        <p:txBody>
+          <a:bodyPr/>
+          <a:lstStyle/>
+          <a:p>
+            <a:fld id="{A4F910E6-8D00-4BAF-8C48-9688E0B449D3}" type="datetime1">
+              <a:rPr lang="zh-TW" altLang="en-US" smtClean="0"/>
+              <a:pPr/>
+              <a:t>2020/6/16</a:t>
+            </a:fld>
+            <a:endParaRPr lang="zh-TW" altLang="en-US"/>
+          </a:p>
+        </p:txBody>
+      </p:sp>
+      <p:sp>
+        <p:nvSpPr>
+          <p:cNvPr id="6" name="投影片編號版面配置區 5"/>
+          <p:cNvSpPr>
+            <a:spLocks noGrp="1"/>
+          </p:cNvSpPr>
+          <p:nvPr>
+            <p:ph type="sldNum" sz="quarter" idx="12"/>
+          </p:nvPr>
+        </p:nvSpPr>
+        <p:spPr/>
+        <p:txBody>
+          <a:bodyPr/>
+          <a:lstStyle/>
+          <a:p>
+            <a:fld id="{E4D7E63D-91F2-4366-A2C4-1B00C9E2590E}" type="slidenum">
+              <a:rPr lang="zh-TW" altLang="en-US" smtClean="0"/>
+              <a:pPr/>
+              <a:t>9</a:t>
+            </a:fld>
+            <a:endParaRPr lang="zh-TW" altLang="en-US"/>
+          </a:p>
+        </p:txBody>
+      </p:sp>
+      <p:pic>
+        <p:nvPicPr>
+          <p:cNvPr id="1026" name="Picture 2" descr="10 Frozen Lakes That Will Restore Your Faith in Winter - Condé ...">
+            <a:extLst>
+              <a:ext uri="{FF2B5EF4-FFF2-40B4-BE49-F238E27FC236}">
+                <a16:creationId xmlns:a16="http://schemas.microsoft.com/office/drawing/2014/main" id="{9480BCC7-2559-4218-91ED-5F1A97B803F3}"/>
+              </a:ext>
+            </a:extLst>
+          </p:cNvPr>
+          <p:cNvPicPr>
+            <a:picLocks noChangeAspect="1" noChangeArrowheads="1"/>
+          </p:cNvPicPr>
+          <p:nvPr/>
+        </p:nvPicPr>
+        <p:blipFill>
+          <a:blip r:embed="rId3">
+            <a:extLst>
+              <a:ext uri="{28A0092B-C50C-407E-A947-70E740481C1C}">
+                <a14:useLocalDpi xmlns:a14="http://schemas.microsoft.com/office/drawing/2010/main" val="0"/>
+              </a:ext>
+            </a:extLst>
+          </a:blip>
+          <a:srcRect/>
+          <a:stretch>
+            <a:fillRect/>
+          </a:stretch>
+        </p:blipFill>
+        <p:spPr bwMode="auto">
+          <a:xfrm>
+            <a:off x="2987824" y="4005064"/>
+            <a:ext cx="2466975" cy="1847850"/>
+          </a:xfrm>
+          <a:prstGeom prst="rect">
+            <a:avLst/>
+          </a:prstGeom>
+          <a:noFill/>
+          <a:ln>
+            <a:solidFill>
+              <a:srgbClr val="C00000"/>
+            </a:solidFill>
+          </a:ln>
+          <a:extLst>
+            <a:ext uri="{909E8E84-426E-40DD-AFC4-6F175D3DCCD1}">
+              <a14:hiddenFill xmlns:a14="http://schemas.microsoft.com/office/drawing/2010/main">
+                <a:solidFill>
+                  <a:srgbClr val="FFFFFF"/>
+                </a:solidFill>
+              </a14:hiddenFill>
+            </a:ext>
+          </a:extLst>
+        </p:spPr>
+      </p:pic>
+    </p:spTree>
+    <p:extLst>
+      <p:ext uri="{BB962C8B-B14F-4D97-AF65-F5344CB8AC3E}">
+        <p14:creationId xmlns:p14="http://schemas.microsoft.com/office/powerpoint/2010/main" val="988416876"/>
+      </p:ext>
+    </p:extLst>
   </p:cSld>
   <p:clrMapOvr>
     <a:masterClrMapping/>
